--- a/Шаблон_презентации_для_защит_ПИШ.pptx
+++ b/Шаблон_презентации_для_защит_ПИШ.pptx
@@ -6,7 +6,7 @@
     <p:sldMasterId id="2147483673" r:id="rId2"/>
   </p:sldMasterIdLst>
   <p:notesMasterIdLst>
-    <p:notesMasterId r:id="rId32"/>
+    <p:notesMasterId r:id="rId28"/>
   </p:notesMasterIdLst>
   <p:sldIdLst>
     <p:sldId id="360" r:id="rId3"/>
@@ -23,21 +23,17 @@
     <p:sldId id="372" r:id="rId14"/>
     <p:sldId id="373" r:id="rId15"/>
     <p:sldId id="374" r:id="rId16"/>
-    <p:sldId id="375" r:id="rId17"/>
-    <p:sldId id="376" r:id="rId18"/>
-    <p:sldId id="377" r:id="rId19"/>
-    <p:sldId id="378" r:id="rId20"/>
-    <p:sldId id="379" r:id="rId21"/>
-    <p:sldId id="380" r:id="rId22"/>
-    <p:sldId id="381" r:id="rId23"/>
-    <p:sldId id="382" r:id="rId24"/>
-    <p:sldId id="383" r:id="rId25"/>
-    <p:sldId id="384" r:id="rId26"/>
-    <p:sldId id="385" r:id="rId27"/>
-    <p:sldId id="386" r:id="rId28"/>
-    <p:sldId id="387" r:id="rId29"/>
-    <p:sldId id="388" r:id="rId30"/>
-    <p:sldId id="389" r:id="rId31"/>
+    <p:sldId id="376" r:id="rId17"/>
+    <p:sldId id="377" r:id="rId18"/>
+    <p:sldId id="378" r:id="rId19"/>
+    <p:sldId id="379" r:id="rId20"/>
+    <p:sldId id="380" r:id="rId21"/>
+    <p:sldId id="381" r:id="rId22"/>
+    <p:sldId id="382" r:id="rId23"/>
+    <p:sldId id="384" r:id="rId24"/>
+    <p:sldId id="386" r:id="rId25"/>
+    <p:sldId id="388" r:id="rId26"/>
+    <p:sldId id="389" r:id="rId27"/>
   </p:sldIdLst>
   <p:sldSz cx="12192000" cy="6858000"/>
   <p:notesSz cx="6858000" cy="9144000"/>
@@ -226,7 +222,7 @@
           <a:p>
             <a:fld id="{B1580765-5A68-4F06-8CA7-040D49A6EC5B}" type="datetimeFigureOut">
               <a:rPr lang="ru-RU" smtClean="0"/>
-              <a:t>06.06.2025</a:t>
+              <a:t>19.06.2025</a:t>
             </a:fld>
             <a:endParaRPr lang="ru-RU"/>
           </a:p>
@@ -2931,7 +2927,7 @@
             </a:pPr>
             <a:r>
               <a:rPr lang="ru-RU" dirty="0"/>
-              <a:t>12</a:t>
+              <a:t>10</a:t>
             </a:r>
           </a:p>
         </p:txBody>
@@ -4263,7 +4259,7 @@
             </a:pPr>
             <a:r>
               <a:rPr lang="ru-RU" dirty="0"/>
-              <a:t>13</a:t>
+              <a:t>11</a:t>
             </a:r>
           </a:p>
         </p:txBody>
@@ -5256,13 +5252,13 @@
             </a:pPr>
             <a:r>
               <a:rPr lang="ru-RU" dirty="0"/>
-              <a:t>14</a:t>
+              <a:t>12</a:t>
             </a:r>
           </a:p>
         </p:txBody>
       </p:sp>
-      <mc:AlternateContent xmlns:mc="http://schemas.openxmlformats.org/markup-compatibility/2006" xmlns:a14="http://schemas.microsoft.com/office/drawing/2010/main">
-        <mc:Choice Requires="a14">
+      <mc:AlternateContent xmlns:mc="http://schemas.openxmlformats.org/markup-compatibility/2006">
+        <mc:Choice xmlns:a14="http://schemas.microsoft.com/office/drawing/2010/main" Requires="a14">
           <p:sp>
             <p:nvSpPr>
               <p:cNvPr id="4" name="TextBox 3">
@@ -5277,7 +5273,7 @@
             </p:nvSpPr>
             <p:spPr>
               <a:xfrm>
-                <a:off x="0" y="2000919"/>
+                <a:off x="3047172" y="3233369"/>
                 <a:ext cx="6097656" cy="391261"/>
               </a:xfrm>
               <a:prstGeom prst="rect">
@@ -5453,7 +5449,7 @@
             </p:txBody>
           </p:sp>
         </mc:Choice>
-        <mc:Fallback xmlns="">
+        <mc:Fallback>
           <p:sp>
             <p:nvSpPr>
               <p:cNvPr id="4" name="TextBox 3">
@@ -5470,7 +5466,7 @@
             </p:nvSpPr>
             <p:spPr>
               <a:xfrm>
-                <a:off x="0" y="2000919"/>
+                <a:off x="3047172" y="3233369"/>
                 <a:ext cx="6097656" cy="391261"/>
               </a:xfrm>
               <a:prstGeom prst="rect">
@@ -5479,7 +5475,7 @@
               <a:blipFill>
                 <a:blip r:embed="rId2"/>
                 <a:stretch>
-                  <a:fillRect b="-9375"/>
+                  <a:fillRect b="-7692"/>
                 </a:stretch>
               </a:blipFill>
             </p:spPr>
@@ -5498,8 +5494,8 @@
           </p:sp>
         </mc:Fallback>
       </mc:AlternateContent>
-      <mc:AlternateContent xmlns:mc="http://schemas.openxmlformats.org/markup-compatibility/2006" xmlns:a14="http://schemas.microsoft.com/office/drawing/2010/main">
-        <mc:Choice Requires="a14">
+      <mc:AlternateContent xmlns:mc="http://schemas.openxmlformats.org/markup-compatibility/2006">
+        <mc:Choice xmlns:a14="http://schemas.microsoft.com/office/drawing/2010/main" Requires="a14">
           <p:sp>
             <p:nvSpPr>
               <p:cNvPr id="5" name="TextBox 4">
@@ -5514,7 +5510,7 @@
             </p:nvSpPr>
             <p:spPr>
               <a:xfrm>
-                <a:off x="4375701" y="2736056"/>
+                <a:off x="6515219" y="1405954"/>
                 <a:ext cx="6202016" cy="984052"/>
               </a:xfrm>
               <a:prstGeom prst="rect">
@@ -5804,7 +5800,7 @@
             </p:txBody>
           </p:sp>
         </mc:Choice>
-        <mc:Fallback xmlns="">
+        <mc:Fallback>
           <p:sp>
             <p:nvSpPr>
               <p:cNvPr id="5" name="TextBox 4">
@@ -5821,7 +5817,7 @@
             </p:nvSpPr>
             <p:spPr>
               <a:xfrm>
-                <a:off x="4375701" y="2736056"/>
+                <a:off x="6515219" y="1405954"/>
                 <a:ext cx="6202016" cy="984052"/>
               </a:xfrm>
               <a:prstGeom prst="rect">
@@ -5849,8 +5845,8 @@
           </p:sp>
         </mc:Fallback>
       </mc:AlternateContent>
-      <mc:AlternateContent xmlns:mc="http://schemas.openxmlformats.org/markup-compatibility/2006" xmlns:a14="http://schemas.microsoft.com/office/drawing/2010/main">
-        <mc:Choice Requires="a14">
+      <mc:AlternateContent xmlns:mc="http://schemas.openxmlformats.org/markup-compatibility/2006">
+        <mc:Choice xmlns:a14="http://schemas.microsoft.com/office/drawing/2010/main" Requires="a14">
           <p:sp>
             <p:nvSpPr>
               <p:cNvPr id="6" name="TextBox 5">
@@ -5865,7 +5861,7 @@
             </p:nvSpPr>
             <p:spPr>
               <a:xfrm>
-                <a:off x="444078" y="2815629"/>
+                <a:off x="-816746" y="1565100"/>
                 <a:ext cx="6202016" cy="824906"/>
               </a:xfrm>
               <a:prstGeom prst="rect">
@@ -6155,7 +6151,7 @@
             </p:txBody>
           </p:sp>
         </mc:Choice>
-        <mc:Fallback xmlns="">
+        <mc:Fallback>
           <p:sp>
             <p:nvSpPr>
               <p:cNvPr id="6" name="TextBox 5">
@@ -6172,7 +6168,7 @@
             </p:nvSpPr>
             <p:spPr>
               <a:xfrm>
-                <a:off x="444078" y="2815629"/>
+                <a:off x="-816746" y="1565100"/>
                 <a:ext cx="6202016" cy="824906"/>
               </a:xfrm>
               <a:prstGeom prst="rect">
@@ -6200,8 +6196,8 @@
           </p:sp>
         </mc:Fallback>
       </mc:AlternateContent>
-      <mc:AlternateContent xmlns:mc="http://schemas.openxmlformats.org/markup-compatibility/2006" xmlns:a14="http://schemas.microsoft.com/office/drawing/2010/main">
-        <mc:Choice Requires="a14">
+      <mc:AlternateContent xmlns:mc="http://schemas.openxmlformats.org/markup-compatibility/2006">
+        <mc:Choice xmlns:a14="http://schemas.microsoft.com/office/drawing/2010/main" Requires="a14">
           <p:sp>
             <p:nvSpPr>
               <p:cNvPr id="7" name="TextBox 6">
@@ -6216,7 +6212,7 @@
             </p:nvSpPr>
             <p:spPr>
               <a:xfrm>
-                <a:off x="2845076" y="4398027"/>
+                <a:off x="2747421" y="1485527"/>
                 <a:ext cx="6202016" cy="984052"/>
               </a:xfrm>
               <a:prstGeom prst="rect">
@@ -6506,7 +6502,7 @@
             </p:txBody>
           </p:sp>
         </mc:Choice>
-        <mc:Fallback xmlns="">
+        <mc:Fallback>
           <p:sp>
             <p:nvSpPr>
               <p:cNvPr id="7" name="TextBox 6">
@@ -6523,7 +6519,7 @@
             </p:nvSpPr>
             <p:spPr>
               <a:xfrm>
-                <a:off x="2845076" y="4398027"/>
+                <a:off x="2747421" y="1485527"/>
                 <a:ext cx="6202016" cy="984052"/>
               </a:xfrm>
               <a:prstGeom prst="rect">
@@ -6551,108 +6547,14 @@
           </p:sp>
         </mc:Fallback>
       </mc:AlternateContent>
-    </p:spTree>
-    <p:extLst>
-      <p:ext uri="{BB962C8B-B14F-4D97-AF65-F5344CB8AC3E}">
-        <p14:creationId xmlns:p14="http://schemas.microsoft.com/office/powerpoint/2010/main" val="2485330201"/>
-      </p:ext>
-    </p:extLst>
-  </p:cSld>
-  <p:clrMapOvr>
-    <a:masterClrMapping/>
-  </p:clrMapOvr>
-</p:sld>
-</file>
-
-<file path=ppt/slides/slide13.xml><?xml version="1.0" encoding="utf-8"?>
-<p:sld xmlns:a="http://schemas.openxmlformats.org/drawingml/2006/main" xmlns:r="http://schemas.openxmlformats.org/officeDocument/2006/relationships" xmlns:p="http://schemas.openxmlformats.org/presentationml/2006/main">
-  <p:cSld>
-    <p:spTree>
-      <p:nvGrpSpPr>
-        <p:cNvPr id="1" name=""/>
-        <p:cNvGrpSpPr/>
-        <p:nvPr/>
-      </p:nvGrpSpPr>
-      <p:grpSpPr>
-        <a:xfrm>
-          <a:off x="0" y="0"/>
-          <a:ext cx="0" cy="0"/>
-          <a:chOff x="0" y="0"/>
-          <a:chExt cx="0" cy="0"/>
-        </a:xfrm>
-      </p:grpSpPr>
-      <p:sp>
-        <p:nvSpPr>
-          <p:cNvPr id="2" name="Заголовок 1">
-            <a:extLst>
-              <a:ext uri="{FF2B5EF4-FFF2-40B4-BE49-F238E27FC236}">
-                <a16:creationId xmlns:a16="http://schemas.microsoft.com/office/drawing/2014/main" id="{2C6DEF55-0F96-4218-7697-7A160E57134B}"/>
-              </a:ext>
-            </a:extLst>
-          </p:cNvPr>
-          <p:cNvSpPr>
-            <a:spLocks noGrp="1"/>
-          </p:cNvSpPr>
-          <p:nvPr>
-            <p:ph type="title"/>
-          </p:nvPr>
-        </p:nvSpPr>
-        <p:spPr/>
-        <p:txBody>
-          <a:bodyPr/>
-          <a:lstStyle/>
-          <a:p>
-            <a:r>
-              <a:rPr lang="ru-RU" dirty="0"/>
-              <a:t>Расчет матрицы поворота </a:t>
-            </a:r>
-            <a:r>
-              <a:rPr lang="en-US" dirty="0"/>
-              <a:t>R</a:t>
-            </a:r>
-            <a:endParaRPr lang="ru-RU" dirty="0"/>
-          </a:p>
-        </p:txBody>
-      </p:sp>
-      <p:sp>
-        <p:nvSpPr>
-          <p:cNvPr id="3" name="Номер слайда 2">
-            <a:extLst>
-              <a:ext uri="{FF2B5EF4-FFF2-40B4-BE49-F238E27FC236}">
-                <a16:creationId xmlns:a16="http://schemas.microsoft.com/office/drawing/2014/main" id="{E69B45AA-22FF-474F-B133-EEC00286B2F0}"/>
-              </a:ext>
-            </a:extLst>
-          </p:cNvPr>
-          <p:cNvSpPr>
-            <a:spLocks noGrp="1"/>
-          </p:cNvSpPr>
-          <p:nvPr>
-            <p:ph type="sldNum" sz="quarter" idx="12"/>
-          </p:nvPr>
-        </p:nvSpPr>
-        <p:spPr/>
-        <p:txBody>
-          <a:bodyPr/>
-          <a:lstStyle/>
-          <a:p>
-            <a:pPr>
-              <a:defRPr/>
-            </a:pPr>
-            <a:r>
-              <a:rPr lang="ru-RU" dirty="0"/>
-              <a:t>15</a:t>
-            </a:r>
-          </a:p>
-        </p:txBody>
-      </p:sp>
-      <mc:AlternateContent xmlns:mc="http://schemas.openxmlformats.org/markup-compatibility/2006" xmlns:a14="http://schemas.microsoft.com/office/drawing/2010/main">
-        <mc:Choice Requires="a14">
+      <mc:AlternateContent xmlns:mc="http://schemas.openxmlformats.org/markup-compatibility/2006">
+        <mc:Choice xmlns:a14="http://schemas.microsoft.com/office/drawing/2010/main" Requires="a14">
           <p:sp>
             <p:nvSpPr>
-              <p:cNvPr id="4" name="TextBox 3">
+              <p:cNvPr id="8" name="TextBox 7">
                 <a:extLst>
                   <a:ext uri="{FF2B5EF4-FFF2-40B4-BE49-F238E27FC236}">
-                    <a16:creationId xmlns:a16="http://schemas.microsoft.com/office/drawing/2014/main" id="{D0052F93-483A-4592-8988-2DEC0C7A0AB8}"/>
+                    <a16:creationId xmlns:a16="http://schemas.microsoft.com/office/drawing/2014/main" id="{87D13AA0-3CE5-4C87-99E5-E298CD0D9838}"/>
                   </a:ext>
                 </a:extLst>
               </p:cNvPr>
@@ -6661,7 +6563,7 @@
             </p:nvSpPr>
             <p:spPr>
               <a:xfrm>
-                <a:off x="1549262" y="1672091"/>
+                <a:off x="1662499" y="4308848"/>
                 <a:ext cx="9096789" cy="984052"/>
               </a:xfrm>
               <a:prstGeom prst="rect">
@@ -7603,13 +7505,13 @@
             </p:txBody>
           </p:sp>
         </mc:Choice>
-        <mc:Fallback xmlns="">
+        <mc:Fallback>
           <p:sp>
             <p:nvSpPr>
-              <p:cNvPr id="4" name="TextBox 3">
+              <p:cNvPr id="8" name="TextBox 7">
                 <a:extLst>
                   <a:ext uri="{FF2B5EF4-FFF2-40B4-BE49-F238E27FC236}">
-                    <a16:creationId xmlns:a16="http://schemas.microsoft.com/office/drawing/2014/main" id="{D0052F93-483A-4592-8988-2DEC0C7A0AB8}"/>
+                    <a16:creationId xmlns:a16="http://schemas.microsoft.com/office/drawing/2014/main" id="{87D13AA0-3CE5-4C87-99E5-E298CD0D9838}"/>
                   </a:ext>
                 </a:extLst>
               </p:cNvPr>
@@ -7620,14 +7522,14 @@
             </p:nvSpPr>
             <p:spPr>
               <a:xfrm>
-                <a:off x="1549262" y="1672091"/>
+                <a:off x="1662499" y="4308848"/>
                 <a:ext cx="9096789" cy="984052"/>
               </a:xfrm>
               <a:prstGeom prst="rect">
                 <a:avLst/>
               </a:prstGeom>
               <a:blipFill>
-                <a:blip r:embed="rId2"/>
+                <a:blip r:embed="rId6"/>
                 <a:stretch>
                   <a:fillRect/>
                 </a:stretch>
@@ -7648,8 +7550,102 @@
           </p:sp>
         </mc:Fallback>
       </mc:AlternateContent>
-      <mc:AlternateContent xmlns:mc="http://schemas.openxmlformats.org/markup-compatibility/2006" xmlns:a14="http://schemas.microsoft.com/office/drawing/2010/main">
-        <mc:Choice Requires="a14">
+    </p:spTree>
+    <p:extLst>
+      <p:ext uri="{BB962C8B-B14F-4D97-AF65-F5344CB8AC3E}">
+        <p14:creationId xmlns:p14="http://schemas.microsoft.com/office/powerpoint/2010/main" val="2485330201"/>
+      </p:ext>
+    </p:extLst>
+  </p:cSld>
+  <p:clrMapOvr>
+    <a:masterClrMapping/>
+  </p:clrMapOvr>
+</p:sld>
+</file>
+
+<file path=ppt/slides/slide13.xml><?xml version="1.0" encoding="utf-8"?>
+<p:sld xmlns:a="http://schemas.openxmlformats.org/drawingml/2006/main" xmlns:r="http://schemas.openxmlformats.org/officeDocument/2006/relationships" xmlns:p="http://schemas.openxmlformats.org/presentationml/2006/main">
+  <p:cSld>
+    <p:spTree>
+      <p:nvGrpSpPr>
+        <p:cNvPr id="1" name=""/>
+        <p:cNvGrpSpPr/>
+        <p:nvPr/>
+      </p:nvGrpSpPr>
+      <p:grpSpPr>
+        <a:xfrm>
+          <a:off x="0" y="0"/>
+          <a:ext cx="0" cy="0"/>
+          <a:chOff x="0" y="0"/>
+          <a:chExt cx="0" cy="0"/>
+        </a:xfrm>
+      </p:grpSpPr>
+      <p:sp>
+        <p:nvSpPr>
+          <p:cNvPr id="2" name="Заголовок 1">
+            <a:extLst>
+              <a:ext uri="{FF2B5EF4-FFF2-40B4-BE49-F238E27FC236}">
+                <a16:creationId xmlns:a16="http://schemas.microsoft.com/office/drawing/2014/main" id="{2C6DEF55-0F96-4218-7697-7A160E57134B}"/>
+              </a:ext>
+            </a:extLst>
+          </p:cNvPr>
+          <p:cNvSpPr>
+            <a:spLocks noGrp="1"/>
+          </p:cNvSpPr>
+          <p:nvPr>
+            <p:ph type="title"/>
+          </p:nvPr>
+        </p:nvSpPr>
+        <p:spPr/>
+        <p:txBody>
+          <a:bodyPr/>
+          <a:lstStyle/>
+          <a:p>
+            <a:r>
+              <a:rPr lang="ru-RU" dirty="0"/>
+              <a:t>Расчет матрицы поворота </a:t>
+            </a:r>
+            <a:r>
+              <a:rPr lang="en-US" dirty="0"/>
+              <a:t>R</a:t>
+            </a:r>
+            <a:endParaRPr lang="ru-RU" dirty="0"/>
+          </a:p>
+        </p:txBody>
+      </p:sp>
+      <p:sp>
+        <p:nvSpPr>
+          <p:cNvPr id="3" name="Номер слайда 2">
+            <a:extLst>
+              <a:ext uri="{FF2B5EF4-FFF2-40B4-BE49-F238E27FC236}">
+                <a16:creationId xmlns:a16="http://schemas.microsoft.com/office/drawing/2014/main" id="{E69B45AA-22FF-474F-B133-EEC00286B2F0}"/>
+              </a:ext>
+            </a:extLst>
+          </p:cNvPr>
+          <p:cNvSpPr>
+            <a:spLocks noGrp="1"/>
+          </p:cNvSpPr>
+          <p:nvPr>
+            <p:ph type="sldNum" sz="quarter" idx="12"/>
+          </p:nvPr>
+        </p:nvSpPr>
+        <p:spPr/>
+        <p:txBody>
+          <a:bodyPr/>
+          <a:lstStyle/>
+          <a:p>
+            <a:pPr>
+              <a:defRPr/>
+            </a:pPr>
+            <a:r>
+              <a:rPr lang="ru-RU" dirty="0"/>
+              <a:t>13</a:t>
+            </a:r>
+          </a:p>
+        </p:txBody>
+      </p:sp>
+      <mc:AlternateContent xmlns:mc="http://schemas.openxmlformats.org/markup-compatibility/2006">
+        <mc:Choice xmlns:a14="http://schemas.microsoft.com/office/drawing/2010/main" Requires="a14">
           <p:sp>
             <p:nvSpPr>
               <p:cNvPr id="5" name="TextBox 4">
@@ -7664,7 +7660,7 @@
             </p:nvSpPr>
             <p:spPr>
               <a:xfrm>
-                <a:off x="0" y="2918864"/>
+                <a:off x="0" y="1542410"/>
                 <a:ext cx="6097656" cy="369332"/>
               </a:xfrm>
               <a:prstGeom prst="rect">
@@ -7846,7 +7842,7 @@
             </p:txBody>
           </p:sp>
         </mc:Choice>
-        <mc:Fallback xmlns="">
+        <mc:Fallback>
           <p:sp>
             <p:nvSpPr>
               <p:cNvPr id="5" name="TextBox 4">
@@ -7863,16 +7859,16 @@
             </p:nvSpPr>
             <p:spPr>
               <a:xfrm>
-                <a:off x="0" y="2918864"/>
+                <a:off x="0" y="1542410"/>
                 <a:ext cx="6097656" cy="369332"/>
               </a:xfrm>
               <a:prstGeom prst="rect">
                 <a:avLst/>
               </a:prstGeom>
               <a:blipFill>
-                <a:blip r:embed="rId3"/>
+                <a:blip r:embed="rId2"/>
                 <a:stretch>
-                  <a:fillRect t="-23333" b="-6667"/>
+                  <a:fillRect t="-22951" b="-6557"/>
                 </a:stretch>
               </a:blipFill>
             </p:spPr>
@@ -7891,8 +7887,8 @@
           </p:sp>
         </mc:Fallback>
       </mc:AlternateContent>
-      <mc:AlternateContent xmlns:mc="http://schemas.openxmlformats.org/markup-compatibility/2006" xmlns:a14="http://schemas.microsoft.com/office/drawing/2010/main">
-        <mc:Choice Requires="a14">
+      <mc:AlternateContent xmlns:mc="http://schemas.openxmlformats.org/markup-compatibility/2006">
+        <mc:Choice xmlns:a14="http://schemas.microsoft.com/office/drawing/2010/main" Requires="a14">
           <p:sp>
             <p:nvSpPr>
               <p:cNvPr id="6" name="TextBox 5">
@@ -7907,7 +7903,7 @@
             </p:nvSpPr>
             <p:spPr>
               <a:xfrm>
-                <a:off x="1899617" y="3529714"/>
+                <a:off x="1899617" y="2414752"/>
                 <a:ext cx="6221894" cy="984052"/>
               </a:xfrm>
               <a:prstGeom prst="rect">
@@ -8771,7 +8767,7 @@
             </p:txBody>
           </p:sp>
         </mc:Choice>
-        <mc:Fallback xmlns="">
+        <mc:Fallback>
           <p:sp>
             <p:nvSpPr>
               <p:cNvPr id="6" name="TextBox 5">
@@ -8788,14 +8784,14 @@
             </p:nvSpPr>
             <p:spPr>
               <a:xfrm>
-                <a:off x="1899617" y="3529714"/>
+                <a:off x="1899617" y="2414752"/>
                 <a:ext cx="6221894" cy="984052"/>
               </a:xfrm>
               <a:prstGeom prst="rect">
                 <a:avLst/>
               </a:prstGeom>
               <a:blipFill>
-                <a:blip r:embed="rId4"/>
+                <a:blip r:embed="rId3"/>
                 <a:stretch>
                   <a:fillRect/>
                 </a:stretch>
@@ -8816,8 +8812,8 @@
           </p:sp>
         </mc:Fallback>
       </mc:AlternateContent>
-      <mc:AlternateContent xmlns:mc="http://schemas.openxmlformats.org/markup-compatibility/2006" xmlns:a14="http://schemas.microsoft.com/office/drawing/2010/main">
-        <mc:Choice Requires="a14">
+      <mc:AlternateContent xmlns:mc="http://schemas.openxmlformats.org/markup-compatibility/2006">
+        <mc:Choice xmlns:a14="http://schemas.microsoft.com/office/drawing/2010/main" Requires="a14">
           <p:sp>
             <p:nvSpPr>
               <p:cNvPr id="7" name="TextBox 6">
@@ -8832,7 +8828,7 @@
             </p:nvSpPr>
             <p:spPr>
               <a:xfrm>
-                <a:off x="1333087" y="4644677"/>
+                <a:off x="1333087" y="3792421"/>
                 <a:ext cx="6221894" cy="763863"/>
               </a:xfrm>
               <a:prstGeom prst="rect">
@@ -9256,7 +9252,7 @@
             </p:txBody>
           </p:sp>
         </mc:Choice>
-        <mc:Fallback xmlns="">
+        <mc:Fallback>
           <p:sp>
             <p:nvSpPr>
               <p:cNvPr id="7" name="TextBox 6">
@@ -9273,16 +9269,16 @@
             </p:nvSpPr>
             <p:spPr>
               <a:xfrm>
-                <a:off x="1333087" y="4644677"/>
+                <a:off x="1333087" y="3792421"/>
                 <a:ext cx="6221894" cy="763863"/>
               </a:xfrm>
               <a:prstGeom prst="rect">
                 <a:avLst/>
               </a:prstGeom>
               <a:blipFill>
-                <a:blip r:embed="rId5"/>
+                <a:blip r:embed="rId4"/>
                 <a:stretch>
-                  <a:fillRect/>
+                  <a:fillRect b="-4000"/>
                 </a:stretch>
               </a:blipFill>
             </p:spPr>
@@ -9385,7 +9381,7 @@
             </a:pPr>
             <a:r>
               <a:rPr lang="ru-RU" dirty="0"/>
-              <a:t>16</a:t>
+              <a:t>14</a:t>
             </a:r>
           </a:p>
         </p:txBody>
@@ -9412,16 +9408,16 @@
         </p:blipFill>
         <p:spPr>
           <a:xfrm>
-            <a:off x="2653539" y="2090316"/>
-            <a:ext cx="7095899" cy="1879099"/>
+            <a:off x="336468" y="2054336"/>
+            <a:ext cx="6097656" cy="1614749"/>
           </a:xfrm>
           <a:prstGeom prst="rect">
             <a:avLst/>
           </a:prstGeom>
         </p:spPr>
       </p:pic>
-      <mc:AlternateContent xmlns:mc="http://schemas.openxmlformats.org/markup-compatibility/2006" xmlns:a14="http://schemas.microsoft.com/office/drawing/2010/main">
-        <mc:Choice Requires="a14">
+      <mc:AlternateContent xmlns:mc="http://schemas.openxmlformats.org/markup-compatibility/2006">
+        <mc:Choice xmlns:a14="http://schemas.microsoft.com/office/drawing/2010/main" Requires="a14">
           <p:sp>
             <p:nvSpPr>
               <p:cNvPr id="5" name="TextBox 4">
@@ -9436,7 +9432,7 @@
             </p:nvSpPr>
             <p:spPr>
               <a:xfrm>
-                <a:off x="3152660" y="4309330"/>
+                <a:off x="409460" y="4203851"/>
                 <a:ext cx="6097656" cy="465705"/>
               </a:xfrm>
               <a:prstGeom prst="rect">
@@ -9825,7 +9821,7 @@
             </p:txBody>
           </p:sp>
         </mc:Choice>
-        <mc:Fallback xmlns="">
+        <mc:Fallback>
           <p:sp>
             <p:nvSpPr>
               <p:cNvPr id="5" name="TextBox 4">
@@ -9842,7 +9838,7 @@
             </p:nvSpPr>
             <p:spPr>
               <a:xfrm>
-                <a:off x="3152660" y="4309330"/>
+                <a:off x="409460" y="4203851"/>
                 <a:ext cx="6097656" cy="465705"/>
               </a:xfrm>
               <a:prstGeom prst="rect">
@@ -9870,103 +9866,14 @@
           </p:sp>
         </mc:Fallback>
       </mc:AlternateContent>
-    </p:spTree>
-    <p:extLst>
-      <p:ext uri="{BB962C8B-B14F-4D97-AF65-F5344CB8AC3E}">
-        <p14:creationId xmlns:p14="http://schemas.microsoft.com/office/powerpoint/2010/main" val="106434077"/>
-      </p:ext>
-    </p:extLst>
-  </p:cSld>
-  <p:clrMapOvr>
-    <a:masterClrMapping/>
-  </p:clrMapOvr>
-</p:sld>
-</file>
-
-<file path=ppt/slides/slide15.xml><?xml version="1.0" encoding="utf-8"?>
-<p:sld xmlns:a="http://schemas.openxmlformats.org/drawingml/2006/main" xmlns:r="http://schemas.openxmlformats.org/officeDocument/2006/relationships" xmlns:p="http://schemas.openxmlformats.org/presentationml/2006/main">
-  <p:cSld>
-    <p:spTree>
-      <p:nvGrpSpPr>
-        <p:cNvPr id="1" name=""/>
-        <p:cNvGrpSpPr/>
-        <p:nvPr/>
-      </p:nvGrpSpPr>
-      <p:grpSpPr>
-        <a:xfrm>
-          <a:off x="0" y="0"/>
-          <a:ext cx="0" cy="0"/>
-          <a:chOff x="0" y="0"/>
-          <a:chExt cx="0" cy="0"/>
-        </a:xfrm>
-      </p:grpSpPr>
-      <p:sp>
-        <p:nvSpPr>
-          <p:cNvPr id="2" name="Заголовок 1">
-            <a:extLst>
-              <a:ext uri="{FF2B5EF4-FFF2-40B4-BE49-F238E27FC236}">
-                <a16:creationId xmlns:a16="http://schemas.microsoft.com/office/drawing/2014/main" id="{2C6DEF55-0F96-4218-7697-7A160E57134B}"/>
-              </a:ext>
-            </a:extLst>
-          </p:cNvPr>
-          <p:cNvSpPr>
-            <a:spLocks noGrp="1"/>
-          </p:cNvSpPr>
-          <p:nvPr>
-            <p:ph type="title"/>
-          </p:nvPr>
-        </p:nvSpPr>
-        <p:spPr/>
-        <p:txBody>
-          <a:bodyPr/>
-          <a:lstStyle/>
-          <a:p>
-            <a:r>
-              <a:rPr lang="ru-RU" dirty="0"/>
-              <a:t>Цели и задачи исследования</a:t>
-            </a:r>
-          </a:p>
-        </p:txBody>
-      </p:sp>
-      <p:sp>
-        <p:nvSpPr>
-          <p:cNvPr id="3" name="Номер слайда 2">
-            <a:extLst>
-              <a:ext uri="{FF2B5EF4-FFF2-40B4-BE49-F238E27FC236}">
-                <a16:creationId xmlns:a16="http://schemas.microsoft.com/office/drawing/2014/main" id="{E69B45AA-22FF-474F-B133-EEC00286B2F0}"/>
-              </a:ext>
-            </a:extLst>
-          </p:cNvPr>
-          <p:cNvSpPr>
-            <a:spLocks noGrp="1"/>
-          </p:cNvSpPr>
-          <p:nvPr>
-            <p:ph type="sldNum" sz="quarter" idx="12"/>
-          </p:nvPr>
-        </p:nvSpPr>
-        <p:spPr/>
-        <p:txBody>
-          <a:bodyPr/>
-          <a:lstStyle/>
-          <a:p>
-            <a:pPr>
-              <a:defRPr/>
-            </a:pPr>
-            <a:r>
-              <a:rPr lang="ru-RU" dirty="0"/>
-              <a:t>17</a:t>
-            </a:r>
-          </a:p>
-        </p:txBody>
-      </p:sp>
-      <mc:AlternateContent xmlns:mc="http://schemas.openxmlformats.org/markup-compatibility/2006" xmlns:a14="http://schemas.microsoft.com/office/drawing/2010/main">
-        <mc:Choice Requires="a14">
+      <mc:AlternateContent xmlns:mc="http://schemas.openxmlformats.org/markup-compatibility/2006">
+        <mc:Choice xmlns:a14="http://schemas.microsoft.com/office/drawing/2010/main" Requires="a14">
           <p:sp>
             <p:nvSpPr>
-              <p:cNvPr id="4" name="TextBox 3">
+              <p:cNvPr id="6" name="TextBox 5">
                 <a:extLst>
                   <a:ext uri="{FF2B5EF4-FFF2-40B4-BE49-F238E27FC236}">
-                    <a16:creationId xmlns:a16="http://schemas.microsoft.com/office/drawing/2014/main" id="{0566E731-A919-433E-9B32-D5141C6DBCD7}"/>
+                    <a16:creationId xmlns:a16="http://schemas.microsoft.com/office/drawing/2014/main" id="{98EFEBBF-0B43-4034-8F3A-7DDD55829EB0}"/>
                   </a:ext>
                 </a:extLst>
               </p:cNvPr>
@@ -9975,7 +9882,7 @@
             </p:nvSpPr>
             <p:spPr>
               <a:xfrm>
-                <a:off x="3047172" y="1289032"/>
+                <a:off x="6096000" y="1671218"/>
                 <a:ext cx="6097656" cy="766235"/>
               </a:xfrm>
               <a:prstGeom prst="rect">
@@ -10475,13 +10382,13 @@
             </p:txBody>
           </p:sp>
         </mc:Choice>
-        <mc:Fallback xmlns="">
+        <mc:Fallback>
           <p:sp>
             <p:nvSpPr>
-              <p:cNvPr id="4" name="TextBox 3">
+              <p:cNvPr id="6" name="TextBox 5">
                 <a:extLst>
                   <a:ext uri="{FF2B5EF4-FFF2-40B4-BE49-F238E27FC236}">
-                    <a16:creationId xmlns:a16="http://schemas.microsoft.com/office/drawing/2014/main" id="{0566E731-A919-433E-9B32-D5141C6DBCD7}"/>
+                    <a16:creationId xmlns:a16="http://schemas.microsoft.com/office/drawing/2014/main" id="{98EFEBBF-0B43-4034-8F3A-7DDD55829EB0}"/>
                   </a:ext>
                 </a:extLst>
               </p:cNvPr>
@@ -10492,14 +10399,14 @@
             </p:nvSpPr>
             <p:spPr>
               <a:xfrm>
-                <a:off x="3047172" y="1289032"/>
+                <a:off x="6096000" y="1671218"/>
                 <a:ext cx="6097656" cy="766235"/>
               </a:xfrm>
               <a:prstGeom prst="rect">
                 <a:avLst/>
               </a:prstGeom>
               <a:blipFill>
-                <a:blip r:embed="rId2"/>
+                <a:blip r:embed="rId4"/>
                 <a:stretch>
                   <a:fillRect/>
                 </a:stretch>
@@ -10520,14 +10427,14 @@
           </p:sp>
         </mc:Fallback>
       </mc:AlternateContent>
-      <mc:AlternateContent xmlns:mc="http://schemas.openxmlformats.org/markup-compatibility/2006" xmlns:a14="http://schemas.microsoft.com/office/drawing/2010/main">
-        <mc:Choice Requires="a14">
+      <mc:AlternateContent xmlns:mc="http://schemas.openxmlformats.org/markup-compatibility/2006">
+        <mc:Choice xmlns:a14="http://schemas.microsoft.com/office/drawing/2010/main" Requires="a14">
           <p:sp>
             <p:nvSpPr>
-              <p:cNvPr id="5" name="TextBox 4">
+              <p:cNvPr id="7" name="TextBox 6">
                 <a:extLst>
                   <a:ext uri="{FF2B5EF4-FFF2-40B4-BE49-F238E27FC236}">
-                    <a16:creationId xmlns:a16="http://schemas.microsoft.com/office/drawing/2014/main" id="{5CC18124-B731-4554-9B03-A0E412505F2F}"/>
+                    <a16:creationId xmlns:a16="http://schemas.microsoft.com/office/drawing/2014/main" id="{87BC9C2F-EA25-40DE-B6BD-624ADBCD816B}"/>
                   </a:ext>
                 </a:extLst>
               </p:cNvPr>
@@ -10536,7 +10443,7 @@
             </p:nvSpPr>
             <p:spPr>
               <a:xfrm>
-                <a:off x="3047172" y="2419019"/>
+                <a:off x="6096000" y="2801205"/>
                 <a:ext cx="6097656" cy="369332"/>
               </a:xfrm>
               <a:prstGeom prst="rect">
@@ -10611,13 +10518,13 @@
             </p:txBody>
           </p:sp>
         </mc:Choice>
-        <mc:Fallback xmlns="">
+        <mc:Fallback>
           <p:sp>
             <p:nvSpPr>
-              <p:cNvPr id="5" name="TextBox 4">
+              <p:cNvPr id="7" name="TextBox 6">
                 <a:extLst>
                   <a:ext uri="{FF2B5EF4-FFF2-40B4-BE49-F238E27FC236}">
-                    <a16:creationId xmlns:a16="http://schemas.microsoft.com/office/drawing/2014/main" id="{5CC18124-B731-4554-9B03-A0E412505F2F}"/>
+                    <a16:creationId xmlns:a16="http://schemas.microsoft.com/office/drawing/2014/main" id="{87BC9C2F-EA25-40DE-B6BD-624ADBCD816B}"/>
                   </a:ext>
                 </a:extLst>
               </p:cNvPr>
@@ -10628,14 +10535,14 @@
             </p:nvSpPr>
             <p:spPr>
               <a:xfrm>
-                <a:off x="3047172" y="2419019"/>
+                <a:off x="6096000" y="2801205"/>
                 <a:ext cx="6097656" cy="369332"/>
               </a:xfrm>
               <a:prstGeom prst="rect">
                 <a:avLst/>
               </a:prstGeom>
               <a:blipFill>
-                <a:blip r:embed="rId3"/>
+                <a:blip r:embed="rId5"/>
                 <a:stretch>
                   <a:fillRect/>
                 </a:stretch>
@@ -10656,14 +10563,14 @@
           </p:sp>
         </mc:Fallback>
       </mc:AlternateContent>
-      <mc:AlternateContent xmlns:mc="http://schemas.openxmlformats.org/markup-compatibility/2006" xmlns:a14="http://schemas.microsoft.com/office/drawing/2010/main">
-        <mc:Choice Requires="a14">
+      <mc:AlternateContent xmlns:mc="http://schemas.openxmlformats.org/markup-compatibility/2006">
+        <mc:Choice xmlns:a14="http://schemas.microsoft.com/office/drawing/2010/main" Requires="a14">
           <p:sp>
             <p:nvSpPr>
-              <p:cNvPr id="6" name="TextBox 5">
+              <p:cNvPr id="8" name="TextBox 7">
                 <a:extLst>
                   <a:ext uri="{FF2B5EF4-FFF2-40B4-BE49-F238E27FC236}">
-                    <a16:creationId xmlns:a16="http://schemas.microsoft.com/office/drawing/2014/main" id="{DFB6EDA0-FEAB-4866-8869-80F7B0428A66}"/>
+                    <a16:creationId xmlns:a16="http://schemas.microsoft.com/office/drawing/2014/main" id="{3CF6A325-A7D8-48A6-8F80-0099E0062799}"/>
                   </a:ext>
                 </a:extLst>
               </p:cNvPr>
@@ -10672,7 +10579,7 @@
             </p:nvSpPr>
             <p:spPr>
               <a:xfrm>
-                <a:off x="2959376" y="2999958"/>
+                <a:off x="6008204" y="3368445"/>
                 <a:ext cx="6097656" cy="910699"/>
               </a:xfrm>
               <a:prstGeom prst="rect">
@@ -10934,13 +10841,13 @@
             </p:txBody>
           </p:sp>
         </mc:Choice>
-        <mc:Fallback xmlns="">
+        <mc:Fallback>
           <p:sp>
             <p:nvSpPr>
-              <p:cNvPr id="6" name="TextBox 5">
+              <p:cNvPr id="8" name="TextBox 7">
                 <a:extLst>
                   <a:ext uri="{FF2B5EF4-FFF2-40B4-BE49-F238E27FC236}">
-                    <a16:creationId xmlns:a16="http://schemas.microsoft.com/office/drawing/2014/main" id="{DFB6EDA0-FEAB-4866-8869-80F7B0428A66}"/>
+                    <a16:creationId xmlns:a16="http://schemas.microsoft.com/office/drawing/2014/main" id="{3CF6A325-A7D8-48A6-8F80-0099E0062799}"/>
                   </a:ext>
                 </a:extLst>
               </p:cNvPr>
@@ -10951,14 +10858,14 @@
             </p:nvSpPr>
             <p:spPr>
               <a:xfrm>
-                <a:off x="2959376" y="2999958"/>
+                <a:off x="6008204" y="3368445"/>
                 <a:ext cx="6097656" cy="910699"/>
               </a:xfrm>
               <a:prstGeom prst="rect">
                 <a:avLst/>
               </a:prstGeom>
               <a:blipFill>
-                <a:blip r:embed="rId4"/>
+                <a:blip r:embed="rId6"/>
                 <a:stretch>
                   <a:fillRect/>
                 </a:stretch>
@@ -10981,10 +10888,10 @@
       </mc:AlternateContent>
       <p:pic>
         <p:nvPicPr>
-          <p:cNvPr id="7" name="Рисунок 6">
+          <p:cNvPr id="9" name="Рисунок 8">
             <a:extLst>
               <a:ext uri="{FF2B5EF4-FFF2-40B4-BE49-F238E27FC236}">
-                <a16:creationId xmlns:a16="http://schemas.microsoft.com/office/drawing/2014/main" id="{9E46DF63-C12C-48DF-A83D-B865C68E6DA9}"/>
+                <a16:creationId xmlns:a16="http://schemas.microsoft.com/office/drawing/2014/main" id="{286CC180-8650-43A2-B2AC-1C9AC40D28D8}"/>
               </a:ext>
             </a:extLst>
           </p:cNvPr>
@@ -10994,14 +10901,14 @@
           <p:nvPr/>
         </p:nvPicPr>
         <p:blipFill>
-          <a:blip r:embed="rId5"/>
+          <a:blip r:embed="rId7"/>
           <a:stretch>
             <a:fillRect/>
           </a:stretch>
         </p:blipFill>
         <p:spPr>
           <a:xfrm>
-            <a:off x="4262181" y="4376050"/>
+            <a:off x="7311009" y="4744537"/>
             <a:ext cx="3667637" cy="362001"/>
           </a:xfrm>
           <a:prstGeom prst="rect">
@@ -11009,14 +10916,14 @@
           </a:prstGeom>
         </p:spPr>
       </p:pic>
-      <mc:AlternateContent xmlns:mc="http://schemas.openxmlformats.org/markup-compatibility/2006" xmlns:a14="http://schemas.microsoft.com/office/drawing/2010/main">
-        <mc:Choice Requires="a14">
+      <mc:AlternateContent xmlns:mc="http://schemas.openxmlformats.org/markup-compatibility/2006">
+        <mc:Choice xmlns:a14="http://schemas.microsoft.com/office/drawing/2010/main" Requires="a14">
           <p:sp>
             <p:nvSpPr>
-              <p:cNvPr id="8" name="TextBox 7">
+              <p:cNvPr id="10" name="TextBox 9">
                 <a:extLst>
                   <a:ext uri="{FF2B5EF4-FFF2-40B4-BE49-F238E27FC236}">
-                    <a16:creationId xmlns:a16="http://schemas.microsoft.com/office/drawing/2014/main" id="{553D102B-97AA-4F27-904A-16D1B448CA5C}"/>
+                    <a16:creationId xmlns:a16="http://schemas.microsoft.com/office/drawing/2014/main" id="{867AFD86-D931-4C7E-B508-3AEE16747FB6}"/>
                   </a:ext>
                 </a:extLst>
               </p:cNvPr>
@@ -11025,7 +10932,7 @@
             </p:nvSpPr>
             <p:spPr>
               <a:xfrm>
-                <a:off x="2754381" y="5193119"/>
+                <a:off x="2754381" y="5383758"/>
                 <a:ext cx="6901898" cy="786818"/>
               </a:xfrm>
               <a:prstGeom prst="rect">
@@ -11625,13 +11532,13 @@
             </p:txBody>
           </p:sp>
         </mc:Choice>
-        <mc:Fallback xmlns="">
+        <mc:Fallback>
           <p:sp>
             <p:nvSpPr>
-              <p:cNvPr id="8" name="TextBox 7">
+              <p:cNvPr id="10" name="TextBox 9">
                 <a:extLst>
                   <a:ext uri="{FF2B5EF4-FFF2-40B4-BE49-F238E27FC236}">
-                    <a16:creationId xmlns:a16="http://schemas.microsoft.com/office/drawing/2014/main" id="{553D102B-97AA-4F27-904A-16D1B448CA5C}"/>
+                    <a16:creationId xmlns:a16="http://schemas.microsoft.com/office/drawing/2014/main" id="{867AFD86-D931-4C7E-B508-3AEE16747FB6}"/>
                   </a:ext>
                 </a:extLst>
               </p:cNvPr>
@@ -11642,14 +11549,14 @@
             </p:nvSpPr>
             <p:spPr>
               <a:xfrm>
-                <a:off x="2754381" y="5193119"/>
+                <a:off x="2754381" y="5383758"/>
                 <a:ext cx="6901898" cy="786818"/>
               </a:xfrm>
               <a:prstGeom prst="rect">
                 <a:avLst/>
               </a:prstGeom>
               <a:blipFill>
-                <a:blip r:embed="rId6"/>
+                <a:blip r:embed="rId8"/>
                 <a:stretch>
                   <a:fillRect/>
                 </a:stretch>
@@ -11672,10 +11579,10 @@
       </mc:AlternateContent>
       <p:sp>
         <p:nvSpPr>
-          <p:cNvPr id="10" name="Рамка 9">
+          <p:cNvPr id="11" name="Рамка 10">
             <a:extLst>
               <a:ext uri="{FF2B5EF4-FFF2-40B4-BE49-F238E27FC236}">
-                <a16:creationId xmlns:a16="http://schemas.microsoft.com/office/drawing/2014/main" id="{0D6CDF10-32AA-4499-951F-03116E436B20}"/>
+                <a16:creationId xmlns:a16="http://schemas.microsoft.com/office/drawing/2014/main" id="{807DFE6D-38F8-4152-91B6-D14A29FD3D83}"/>
               </a:ext>
             </a:extLst>
           </p:cNvPr>
@@ -11684,7 +11591,7 @@
         </p:nvSpPr>
         <p:spPr>
           <a:xfrm>
-            <a:off x="2689777" y="5042452"/>
+            <a:off x="2689777" y="5233091"/>
             <a:ext cx="7206698" cy="1268896"/>
           </a:xfrm>
           <a:prstGeom prst="frame">
@@ -11733,7 +11640,7 @@
     </p:spTree>
     <p:extLst>
       <p:ext uri="{BB962C8B-B14F-4D97-AF65-F5344CB8AC3E}">
-        <p14:creationId xmlns:p14="http://schemas.microsoft.com/office/powerpoint/2010/main" val="2659702024"/>
+        <p14:creationId xmlns:p14="http://schemas.microsoft.com/office/powerpoint/2010/main" val="106434077"/>
       </p:ext>
     </p:extLst>
   </p:cSld>
@@ -11743,7 +11650,7 @@
 </p:sld>
 </file>
 
-<file path=ppt/slides/slide16.xml><?xml version="1.0" encoding="utf-8"?>
+<file path=ppt/slides/slide15.xml><?xml version="1.0" encoding="utf-8"?>
 <p:sld xmlns:a="http://schemas.openxmlformats.org/drawingml/2006/main" xmlns:r="http://schemas.openxmlformats.org/officeDocument/2006/relationships" xmlns:p="http://schemas.openxmlformats.org/presentationml/2006/main">
   <p:cSld>
     <p:spTree>
@@ -11814,7 +11721,7 @@
             </a:pPr>
             <a:r>
               <a:rPr lang="ru-RU" dirty="0"/>
-              <a:t>18</a:t>
+              <a:t>15</a:t>
             </a:r>
           </a:p>
         </p:txBody>
@@ -11939,7 +11846,7 @@
 </p:sld>
 </file>
 
-<file path=ppt/slides/slide17.xml><?xml version="1.0" encoding="utf-8"?>
+<file path=ppt/slides/slide16.xml><?xml version="1.0" encoding="utf-8"?>
 <p:sld xmlns:a="http://schemas.openxmlformats.org/drawingml/2006/main" xmlns:r="http://schemas.openxmlformats.org/officeDocument/2006/relationships" xmlns:p="http://schemas.openxmlformats.org/presentationml/2006/main">
   <p:cSld>
     <p:spTree>
@@ -12010,7 +11917,7 @@
             </a:pPr>
             <a:r>
               <a:rPr lang="ru-RU" dirty="0"/>
-              <a:t>19</a:t>
+              <a:t>16</a:t>
             </a:r>
           </a:p>
         </p:txBody>
@@ -12175,7 +12082,7 @@
 </p:sld>
 </file>
 
-<file path=ppt/slides/slide18.xml><?xml version="1.0" encoding="utf-8"?>
+<file path=ppt/slides/slide17.xml><?xml version="1.0" encoding="utf-8"?>
 <p:sld xmlns:a="http://schemas.openxmlformats.org/drawingml/2006/main" xmlns:r="http://schemas.openxmlformats.org/officeDocument/2006/relationships" xmlns:p="http://schemas.openxmlformats.org/presentationml/2006/main">
   <p:cSld>
     <p:spTree>
@@ -12245,8 +12152,12 @@
               <a:defRPr/>
             </a:pPr>
             <a:r>
+              <a:rPr lang="en-US" dirty="0"/>
+              <a:t>1</a:t>
+            </a:r>
+            <a:r>
               <a:rPr lang="ru-RU" dirty="0"/>
-              <a:t>20</a:t>
+              <a:t>7</a:t>
             </a:r>
           </a:p>
         </p:txBody>
@@ -12324,7 +12235,7 @@
 </p:sld>
 </file>
 
-<file path=ppt/slides/slide19.xml><?xml version="1.0" encoding="utf-8"?>
+<file path=ppt/slides/slide18.xml><?xml version="1.0" encoding="utf-8"?>
 <p:sld xmlns:a="http://schemas.openxmlformats.org/drawingml/2006/main" xmlns:r="http://schemas.openxmlformats.org/officeDocument/2006/relationships" xmlns:p="http://schemas.openxmlformats.org/presentationml/2006/main">
   <p:cSld>
     <p:spTree>
@@ -12395,54 +12306,416 @@
             </a:pPr>
             <a:r>
               <a:rPr lang="ru-RU" dirty="0"/>
-              <a:t>21</a:t>
+              <a:t>18</a:t>
             </a:r>
           </a:p>
         </p:txBody>
       </p:sp>
       <p:pic>
         <p:nvPicPr>
-          <p:cNvPr id="4" name="Рисунок 3">
+          <p:cNvPr id="6" name="Рисунок 5">
             <a:extLst>
               <a:ext uri="{FF2B5EF4-FFF2-40B4-BE49-F238E27FC236}">
-                <a16:creationId xmlns:a16="http://schemas.microsoft.com/office/drawing/2014/main" id="{A5C8C4B6-5238-4BE4-8956-88F70C1207C7}"/>
+                <a16:creationId xmlns:a16="http://schemas.microsoft.com/office/drawing/2014/main" id="{D9FA6F9C-71A9-4A5D-8DD9-141BFB3E6973}"/>
               </a:ext>
             </a:extLst>
           </p:cNvPr>
-          <p:cNvPicPr/>
+          <p:cNvPicPr>
+            <a:picLocks noChangeAspect="1"/>
+          </p:cNvPicPr>
           <p:nvPr/>
         </p:nvPicPr>
         <p:blipFill>
-          <a:blip r:embed="rId2">
-            <a:extLst>
-              <a:ext uri="{28A0092B-C50C-407E-A947-70E740481C1C}">
-                <a14:useLocalDpi xmlns:a14="http://schemas.microsoft.com/office/drawing/2010/main" val="0"/>
-              </a:ext>
-            </a:extLst>
-          </a:blip>
-          <a:srcRect/>
+          <a:blip r:embed="rId2"/>
           <a:stretch>
             <a:fillRect/>
           </a:stretch>
         </p:blipFill>
-        <p:spPr bwMode="auto">
+        <p:spPr>
           <a:xfrm>
-            <a:off x="3467521" y="1608551"/>
-            <a:ext cx="5256958" cy="4132874"/>
+            <a:off x="3685838" y="1599944"/>
+            <a:ext cx="4820323" cy="3658111"/>
           </a:xfrm>
           <a:prstGeom prst="rect">
             <a:avLst/>
           </a:prstGeom>
-          <a:noFill/>
-          <a:ln>
-            <a:noFill/>
-          </a:ln>
         </p:spPr>
       </p:pic>
     </p:spTree>
     <p:extLst>
       <p:ext uri="{BB962C8B-B14F-4D97-AF65-F5344CB8AC3E}">
         <p14:creationId xmlns:p14="http://schemas.microsoft.com/office/powerpoint/2010/main" val="2545709060"/>
+      </p:ext>
+    </p:extLst>
+  </p:cSld>
+  <p:clrMapOvr>
+    <a:masterClrMapping/>
+  </p:clrMapOvr>
+</p:sld>
+</file>
+
+<file path=ppt/slides/slide19.xml><?xml version="1.0" encoding="utf-8"?>
+<p:sld xmlns:a="http://schemas.openxmlformats.org/drawingml/2006/main" xmlns:r="http://schemas.openxmlformats.org/officeDocument/2006/relationships" xmlns:p="http://schemas.openxmlformats.org/presentationml/2006/main">
+  <p:cSld>
+    <p:spTree>
+      <p:nvGrpSpPr>
+        <p:cNvPr id="1" name=""/>
+        <p:cNvGrpSpPr/>
+        <p:nvPr/>
+      </p:nvGrpSpPr>
+      <p:grpSpPr>
+        <a:xfrm>
+          <a:off x="0" y="0"/>
+          <a:ext cx="0" cy="0"/>
+          <a:chOff x="0" y="0"/>
+          <a:chExt cx="0" cy="0"/>
+        </a:xfrm>
+      </p:grpSpPr>
+      <p:sp>
+        <p:nvSpPr>
+          <p:cNvPr id="2" name="Заголовок 1">
+            <a:extLst>
+              <a:ext uri="{FF2B5EF4-FFF2-40B4-BE49-F238E27FC236}">
+                <a16:creationId xmlns:a16="http://schemas.microsoft.com/office/drawing/2014/main" id="{2C6DEF55-0F96-4218-7697-7A160E57134B}"/>
+              </a:ext>
+            </a:extLst>
+          </p:cNvPr>
+          <p:cNvSpPr>
+            <a:spLocks noGrp="1"/>
+          </p:cNvSpPr>
+          <p:nvPr>
+            <p:ph type="title"/>
+          </p:nvPr>
+        </p:nvSpPr>
+        <p:spPr/>
+        <p:txBody>
+          <a:bodyPr/>
+          <a:lstStyle/>
+          <a:p>
+            <a:r>
+              <a:rPr lang="ru-RU" dirty="0"/>
+              <a:t>Фототранзистор</a:t>
+            </a:r>
+          </a:p>
+        </p:txBody>
+      </p:sp>
+      <p:sp>
+        <p:nvSpPr>
+          <p:cNvPr id="3" name="Номер слайда 2">
+            <a:extLst>
+              <a:ext uri="{FF2B5EF4-FFF2-40B4-BE49-F238E27FC236}">
+                <a16:creationId xmlns:a16="http://schemas.microsoft.com/office/drawing/2014/main" id="{E69B45AA-22FF-474F-B133-EEC00286B2F0}"/>
+              </a:ext>
+            </a:extLst>
+          </p:cNvPr>
+          <p:cNvSpPr>
+            <a:spLocks noGrp="1"/>
+          </p:cNvSpPr>
+          <p:nvPr>
+            <p:ph type="sldNum" sz="quarter" idx="12"/>
+          </p:nvPr>
+        </p:nvSpPr>
+        <p:spPr/>
+        <p:txBody>
+          <a:bodyPr/>
+          <a:lstStyle/>
+          <a:p>
+            <a:pPr>
+              <a:defRPr/>
+            </a:pPr>
+            <a:r>
+              <a:rPr lang="ru-RU" dirty="0"/>
+              <a:t>19</a:t>
+            </a:r>
+          </a:p>
+        </p:txBody>
+      </p:sp>
+      <p:sp>
+        <p:nvSpPr>
+          <p:cNvPr id="5" name="TextBox 4">
+            <a:extLst>
+              <a:ext uri="{FF2B5EF4-FFF2-40B4-BE49-F238E27FC236}">
+                <a16:creationId xmlns:a16="http://schemas.microsoft.com/office/drawing/2014/main" id="{89BCC176-98E4-45CD-941A-342EE5C752A1}"/>
+              </a:ext>
+            </a:extLst>
+          </p:cNvPr>
+          <p:cNvSpPr txBox="1"/>
+          <p:nvPr/>
+        </p:nvSpPr>
+        <p:spPr>
+          <a:xfrm>
+            <a:off x="1321905" y="3400020"/>
+            <a:ext cx="6097656" cy="369332"/>
+          </a:xfrm>
+          <a:prstGeom prst="rect">
+            <a:avLst/>
+          </a:prstGeom>
+          <a:noFill/>
+        </p:spPr>
+        <p:txBody>
+          <a:bodyPr wrap="square">
+            <a:spAutoFit/>
+          </a:bodyPr>
+          <a:lstStyle/>
+          <a:p>
+            <a:r>
+              <a:rPr lang="ru-RU" sz="1800" dirty="0">
+                <a:solidFill>
+                  <a:srgbClr val="000000"/>
+                </a:solidFill>
+                <a:effectLst/>
+                <a:ea typeface="Calibri" panose="020F0502020204030204" pitchFamily="34" charset="0"/>
+                <a:cs typeface="Calibri" panose="020F0502020204030204" pitchFamily="34" charset="0"/>
+              </a:rPr>
+              <a:t>Методы нулевого порядка </a:t>
+            </a:r>
+            <a:endParaRPr lang="ru-RU" dirty="0"/>
+          </a:p>
+        </p:txBody>
+      </p:sp>
+      <p:sp>
+        <p:nvSpPr>
+          <p:cNvPr id="7" name="TextBox 6">
+            <a:extLst>
+              <a:ext uri="{FF2B5EF4-FFF2-40B4-BE49-F238E27FC236}">
+                <a16:creationId xmlns:a16="http://schemas.microsoft.com/office/drawing/2014/main" id="{2B7DE24F-19E8-41C5-A349-BAE31ADF7271}"/>
+              </a:ext>
+            </a:extLst>
+          </p:cNvPr>
+          <p:cNvSpPr txBox="1"/>
+          <p:nvPr/>
+        </p:nvSpPr>
+        <p:spPr>
+          <a:xfrm>
+            <a:off x="4370733" y="3311278"/>
+            <a:ext cx="6097656" cy="464871"/>
+          </a:xfrm>
+          <a:prstGeom prst="rect">
+            <a:avLst/>
+          </a:prstGeom>
+          <a:noFill/>
+        </p:spPr>
+        <p:txBody>
+          <a:bodyPr wrap="square">
+            <a:spAutoFit/>
+          </a:bodyPr>
+          <a:lstStyle/>
+          <a:p>
+            <a:pPr lvl="1" algn="just">
+              <a:lnSpc>
+                <a:spcPct val="150000"/>
+              </a:lnSpc>
+            </a:pPr>
+            <a:r>
+              <a:rPr lang="ru-RU" sz="1800" dirty="0">
+                <a:solidFill>
+                  <a:srgbClr val="000000"/>
+                </a:solidFill>
+                <a:effectLst/>
+                <a:ea typeface="Calibri" panose="020F0502020204030204" pitchFamily="34" charset="0"/>
+                <a:cs typeface="Calibri" panose="020F0502020204030204" pitchFamily="34" charset="0"/>
+              </a:rPr>
+              <a:t>Методы первого порядка</a:t>
+            </a:r>
+          </a:p>
+        </p:txBody>
+      </p:sp>
+      <p:sp>
+        <p:nvSpPr>
+          <p:cNvPr id="9" name="TextBox 8">
+            <a:extLst>
+              <a:ext uri="{FF2B5EF4-FFF2-40B4-BE49-F238E27FC236}">
+                <a16:creationId xmlns:a16="http://schemas.microsoft.com/office/drawing/2014/main" id="{30AFFCCB-2502-4CF4-BA83-C7B018B3E8A1}"/>
+              </a:ext>
+            </a:extLst>
+          </p:cNvPr>
+          <p:cNvSpPr txBox="1"/>
+          <p:nvPr/>
+        </p:nvSpPr>
+        <p:spPr>
+          <a:xfrm>
+            <a:off x="7819610" y="3311278"/>
+            <a:ext cx="6097656" cy="464871"/>
+          </a:xfrm>
+          <a:prstGeom prst="rect">
+            <a:avLst/>
+          </a:prstGeom>
+          <a:noFill/>
+        </p:spPr>
+        <p:txBody>
+          <a:bodyPr wrap="square">
+            <a:spAutoFit/>
+          </a:bodyPr>
+          <a:lstStyle/>
+          <a:p>
+            <a:pPr lvl="1" algn="just">
+              <a:lnSpc>
+                <a:spcPct val="150000"/>
+              </a:lnSpc>
+            </a:pPr>
+            <a:r>
+              <a:rPr lang="ru-RU" sz="1800" dirty="0">
+                <a:solidFill>
+                  <a:srgbClr val="000000"/>
+                </a:solidFill>
+                <a:effectLst/>
+                <a:ea typeface="Calibri" panose="020F0502020204030204" pitchFamily="34" charset="0"/>
+                <a:cs typeface="Calibri" panose="020F0502020204030204" pitchFamily="34" charset="0"/>
+              </a:rPr>
+              <a:t>Методы второго порядка</a:t>
+            </a:r>
+          </a:p>
+        </p:txBody>
+      </p:sp>
+      <p:sp>
+        <p:nvSpPr>
+          <p:cNvPr id="10" name="TextBox 9">
+            <a:extLst>
+              <a:ext uri="{FF2B5EF4-FFF2-40B4-BE49-F238E27FC236}">
+                <a16:creationId xmlns:a16="http://schemas.microsoft.com/office/drawing/2014/main" id="{B2392A49-7D5C-4220-B337-0F764A8B276D}"/>
+              </a:ext>
+            </a:extLst>
+          </p:cNvPr>
+          <p:cNvSpPr txBox="1"/>
+          <p:nvPr/>
+        </p:nvSpPr>
+        <p:spPr>
+          <a:xfrm>
+            <a:off x="4728504" y="1759936"/>
+            <a:ext cx="4462669" cy="369332"/>
+          </a:xfrm>
+          <a:prstGeom prst="rect">
+            <a:avLst/>
+          </a:prstGeom>
+          <a:noFill/>
+        </p:spPr>
+        <p:txBody>
+          <a:bodyPr wrap="square" rtlCol="0">
+            <a:spAutoFit/>
+          </a:bodyPr>
+          <a:lstStyle/>
+          <a:p>
+            <a:r>
+              <a:rPr lang="ru-RU" dirty="0"/>
+              <a:t>Типы методов оптимизации</a:t>
+            </a:r>
+          </a:p>
+        </p:txBody>
+      </p:sp>
+      <p:cxnSp>
+        <p:nvCxnSpPr>
+          <p:cNvPr id="12" name="Прямая соединительная линия 11">
+            <a:extLst>
+              <a:ext uri="{FF2B5EF4-FFF2-40B4-BE49-F238E27FC236}">
+                <a16:creationId xmlns:a16="http://schemas.microsoft.com/office/drawing/2014/main" id="{24A4F0E3-EB08-4F51-9082-369CE90082C8}"/>
+              </a:ext>
+            </a:extLst>
+          </p:cNvPr>
+          <p:cNvCxnSpPr>
+            <a:cxnSpLocks/>
+          </p:cNvCxnSpPr>
+          <p:nvPr/>
+        </p:nvCxnSpPr>
+        <p:spPr>
+          <a:xfrm flipH="1">
+            <a:off x="2713383" y="2129268"/>
+            <a:ext cx="3349487" cy="1270752"/>
+          </a:xfrm>
+          <a:prstGeom prst="line">
+            <a:avLst/>
+          </a:prstGeom>
+        </p:spPr>
+        <p:style>
+          <a:lnRef idx="1">
+            <a:schemeClr val="accent1"/>
+          </a:lnRef>
+          <a:fillRef idx="0">
+            <a:schemeClr val="accent1"/>
+          </a:fillRef>
+          <a:effectRef idx="0">
+            <a:schemeClr val="accent1"/>
+          </a:effectRef>
+          <a:fontRef idx="minor">
+            <a:schemeClr val="tx1"/>
+          </a:fontRef>
+        </p:style>
+      </p:cxnSp>
+      <p:cxnSp>
+        <p:nvCxnSpPr>
+          <p:cNvPr id="15" name="Прямая соединительная линия 14">
+            <a:extLst>
+              <a:ext uri="{FF2B5EF4-FFF2-40B4-BE49-F238E27FC236}">
+                <a16:creationId xmlns:a16="http://schemas.microsoft.com/office/drawing/2014/main" id="{9A61960F-CEE4-4D30-A086-F99C39547F1B}"/>
+              </a:ext>
+            </a:extLst>
+          </p:cNvPr>
+          <p:cNvCxnSpPr/>
+          <p:nvPr/>
+        </p:nvCxnSpPr>
+        <p:spPr>
+          <a:xfrm>
+            <a:off x="6062870" y="2129268"/>
+            <a:ext cx="0" cy="1270752"/>
+          </a:xfrm>
+          <a:prstGeom prst="line">
+            <a:avLst/>
+          </a:prstGeom>
+        </p:spPr>
+        <p:style>
+          <a:lnRef idx="1">
+            <a:schemeClr val="accent1"/>
+          </a:lnRef>
+          <a:fillRef idx="0">
+            <a:schemeClr val="accent1"/>
+          </a:fillRef>
+          <a:effectRef idx="0">
+            <a:schemeClr val="accent1"/>
+          </a:effectRef>
+          <a:fontRef idx="minor">
+            <a:schemeClr val="tx1"/>
+          </a:fontRef>
+        </p:style>
+      </p:cxnSp>
+      <p:cxnSp>
+        <p:nvCxnSpPr>
+          <p:cNvPr id="17" name="Прямая соединительная линия 16">
+            <a:extLst>
+              <a:ext uri="{FF2B5EF4-FFF2-40B4-BE49-F238E27FC236}">
+                <a16:creationId xmlns:a16="http://schemas.microsoft.com/office/drawing/2014/main" id="{33193528-C14B-4F71-B67C-1FC9E78A5069}"/>
+              </a:ext>
+            </a:extLst>
+          </p:cNvPr>
+          <p:cNvCxnSpPr/>
+          <p:nvPr/>
+        </p:nvCxnSpPr>
+        <p:spPr>
+          <a:xfrm>
+            <a:off x="6062870" y="2129268"/>
+            <a:ext cx="3448878" cy="1299732"/>
+          </a:xfrm>
+          <a:prstGeom prst="line">
+            <a:avLst/>
+          </a:prstGeom>
+        </p:spPr>
+        <p:style>
+          <a:lnRef idx="1">
+            <a:schemeClr val="accent1"/>
+          </a:lnRef>
+          <a:fillRef idx="0">
+            <a:schemeClr val="accent1"/>
+          </a:fillRef>
+          <a:effectRef idx="0">
+            <a:schemeClr val="accent1"/>
+          </a:effectRef>
+          <a:fontRef idx="minor">
+            <a:schemeClr val="tx1"/>
+          </a:fontRef>
+        </p:style>
+      </p:cxnSp>
+    </p:spTree>
+    <p:extLst>
+      <p:ext uri="{BB962C8B-B14F-4D97-AF65-F5344CB8AC3E}">
+        <p14:creationId xmlns:p14="http://schemas.microsoft.com/office/powerpoint/2010/main" val="2414511718"/>
       </p:ext>
     </p:extLst>
   </p:cSld>
@@ -12925,377 +13198,6 @@
           <a:p>
             <a:r>
               <a:rPr lang="ru-RU" dirty="0"/>
-              <a:t>Фототранзистор</a:t>
-            </a:r>
-          </a:p>
-        </p:txBody>
-      </p:sp>
-      <p:sp>
-        <p:nvSpPr>
-          <p:cNvPr id="3" name="Номер слайда 2">
-            <a:extLst>
-              <a:ext uri="{FF2B5EF4-FFF2-40B4-BE49-F238E27FC236}">
-                <a16:creationId xmlns:a16="http://schemas.microsoft.com/office/drawing/2014/main" id="{E69B45AA-22FF-474F-B133-EEC00286B2F0}"/>
-              </a:ext>
-            </a:extLst>
-          </p:cNvPr>
-          <p:cNvSpPr>
-            <a:spLocks noGrp="1"/>
-          </p:cNvSpPr>
-          <p:nvPr>
-            <p:ph type="sldNum" sz="quarter" idx="12"/>
-          </p:nvPr>
-        </p:nvSpPr>
-        <p:spPr/>
-        <p:txBody>
-          <a:bodyPr/>
-          <a:lstStyle/>
-          <a:p>
-            <a:pPr>
-              <a:defRPr/>
-            </a:pPr>
-            <a:r>
-              <a:rPr lang="ru-RU" dirty="0"/>
-              <a:t>22</a:t>
-            </a:r>
-          </a:p>
-        </p:txBody>
-      </p:sp>
-      <p:sp>
-        <p:nvSpPr>
-          <p:cNvPr id="5" name="TextBox 4">
-            <a:extLst>
-              <a:ext uri="{FF2B5EF4-FFF2-40B4-BE49-F238E27FC236}">
-                <a16:creationId xmlns:a16="http://schemas.microsoft.com/office/drawing/2014/main" id="{89BCC176-98E4-45CD-941A-342EE5C752A1}"/>
-              </a:ext>
-            </a:extLst>
-          </p:cNvPr>
-          <p:cNvSpPr txBox="1"/>
-          <p:nvPr/>
-        </p:nvSpPr>
-        <p:spPr>
-          <a:xfrm>
-            <a:off x="1321905" y="3400020"/>
-            <a:ext cx="6097656" cy="369332"/>
-          </a:xfrm>
-          <a:prstGeom prst="rect">
-            <a:avLst/>
-          </a:prstGeom>
-          <a:noFill/>
-        </p:spPr>
-        <p:txBody>
-          <a:bodyPr wrap="square">
-            <a:spAutoFit/>
-          </a:bodyPr>
-          <a:lstStyle/>
-          <a:p>
-            <a:r>
-              <a:rPr lang="ru-RU" sz="1800" dirty="0">
-                <a:solidFill>
-                  <a:srgbClr val="000000"/>
-                </a:solidFill>
-                <a:effectLst/>
-                <a:ea typeface="Calibri" panose="020F0502020204030204" pitchFamily="34" charset="0"/>
-                <a:cs typeface="Calibri" panose="020F0502020204030204" pitchFamily="34" charset="0"/>
-              </a:rPr>
-              <a:t>Методы нулевого порядка </a:t>
-            </a:r>
-            <a:endParaRPr lang="ru-RU" dirty="0"/>
-          </a:p>
-        </p:txBody>
-      </p:sp>
-      <p:sp>
-        <p:nvSpPr>
-          <p:cNvPr id="7" name="TextBox 6">
-            <a:extLst>
-              <a:ext uri="{FF2B5EF4-FFF2-40B4-BE49-F238E27FC236}">
-                <a16:creationId xmlns:a16="http://schemas.microsoft.com/office/drawing/2014/main" id="{2B7DE24F-19E8-41C5-A349-BAE31ADF7271}"/>
-              </a:ext>
-            </a:extLst>
-          </p:cNvPr>
-          <p:cNvSpPr txBox="1"/>
-          <p:nvPr/>
-        </p:nvSpPr>
-        <p:spPr>
-          <a:xfrm>
-            <a:off x="4370733" y="3311278"/>
-            <a:ext cx="6097656" cy="464871"/>
-          </a:xfrm>
-          <a:prstGeom prst="rect">
-            <a:avLst/>
-          </a:prstGeom>
-          <a:noFill/>
-        </p:spPr>
-        <p:txBody>
-          <a:bodyPr wrap="square">
-            <a:spAutoFit/>
-          </a:bodyPr>
-          <a:lstStyle/>
-          <a:p>
-            <a:pPr lvl="1" algn="just">
-              <a:lnSpc>
-                <a:spcPct val="150000"/>
-              </a:lnSpc>
-            </a:pPr>
-            <a:r>
-              <a:rPr lang="ru-RU" sz="1800" dirty="0">
-                <a:solidFill>
-                  <a:srgbClr val="000000"/>
-                </a:solidFill>
-                <a:effectLst/>
-                <a:ea typeface="Calibri" panose="020F0502020204030204" pitchFamily="34" charset="0"/>
-                <a:cs typeface="Calibri" panose="020F0502020204030204" pitchFamily="34" charset="0"/>
-              </a:rPr>
-              <a:t>Методы первого порядка</a:t>
-            </a:r>
-          </a:p>
-        </p:txBody>
-      </p:sp>
-      <p:sp>
-        <p:nvSpPr>
-          <p:cNvPr id="9" name="TextBox 8">
-            <a:extLst>
-              <a:ext uri="{FF2B5EF4-FFF2-40B4-BE49-F238E27FC236}">
-                <a16:creationId xmlns:a16="http://schemas.microsoft.com/office/drawing/2014/main" id="{30AFFCCB-2502-4CF4-BA83-C7B018B3E8A1}"/>
-              </a:ext>
-            </a:extLst>
-          </p:cNvPr>
-          <p:cNvSpPr txBox="1"/>
-          <p:nvPr/>
-        </p:nvSpPr>
-        <p:spPr>
-          <a:xfrm>
-            <a:off x="7819610" y="3311278"/>
-            <a:ext cx="6097656" cy="464871"/>
-          </a:xfrm>
-          <a:prstGeom prst="rect">
-            <a:avLst/>
-          </a:prstGeom>
-          <a:noFill/>
-        </p:spPr>
-        <p:txBody>
-          <a:bodyPr wrap="square">
-            <a:spAutoFit/>
-          </a:bodyPr>
-          <a:lstStyle/>
-          <a:p>
-            <a:pPr lvl="1" algn="just">
-              <a:lnSpc>
-                <a:spcPct val="150000"/>
-              </a:lnSpc>
-            </a:pPr>
-            <a:r>
-              <a:rPr lang="ru-RU" sz="1800" dirty="0">
-                <a:solidFill>
-                  <a:srgbClr val="000000"/>
-                </a:solidFill>
-                <a:effectLst/>
-                <a:ea typeface="Calibri" panose="020F0502020204030204" pitchFamily="34" charset="0"/>
-                <a:cs typeface="Calibri" panose="020F0502020204030204" pitchFamily="34" charset="0"/>
-              </a:rPr>
-              <a:t>Методы второго порядка</a:t>
-            </a:r>
-          </a:p>
-        </p:txBody>
-      </p:sp>
-      <p:sp>
-        <p:nvSpPr>
-          <p:cNvPr id="10" name="TextBox 9">
-            <a:extLst>
-              <a:ext uri="{FF2B5EF4-FFF2-40B4-BE49-F238E27FC236}">
-                <a16:creationId xmlns:a16="http://schemas.microsoft.com/office/drawing/2014/main" id="{B2392A49-7D5C-4220-B337-0F764A8B276D}"/>
-              </a:ext>
-            </a:extLst>
-          </p:cNvPr>
-          <p:cNvSpPr txBox="1"/>
-          <p:nvPr/>
-        </p:nvSpPr>
-        <p:spPr>
-          <a:xfrm>
-            <a:off x="4728504" y="1759936"/>
-            <a:ext cx="4462669" cy="369332"/>
-          </a:xfrm>
-          <a:prstGeom prst="rect">
-            <a:avLst/>
-          </a:prstGeom>
-          <a:noFill/>
-        </p:spPr>
-        <p:txBody>
-          <a:bodyPr wrap="square" rtlCol="0">
-            <a:spAutoFit/>
-          </a:bodyPr>
-          <a:lstStyle/>
-          <a:p>
-            <a:r>
-              <a:rPr lang="ru-RU" dirty="0"/>
-              <a:t>Типы методов оптимизации</a:t>
-            </a:r>
-          </a:p>
-        </p:txBody>
-      </p:sp>
-      <p:cxnSp>
-        <p:nvCxnSpPr>
-          <p:cNvPr id="12" name="Прямая соединительная линия 11">
-            <a:extLst>
-              <a:ext uri="{FF2B5EF4-FFF2-40B4-BE49-F238E27FC236}">
-                <a16:creationId xmlns:a16="http://schemas.microsoft.com/office/drawing/2014/main" id="{24A4F0E3-EB08-4F51-9082-369CE90082C8}"/>
-              </a:ext>
-            </a:extLst>
-          </p:cNvPr>
-          <p:cNvCxnSpPr>
-            <a:cxnSpLocks/>
-          </p:cNvCxnSpPr>
-          <p:nvPr/>
-        </p:nvCxnSpPr>
-        <p:spPr>
-          <a:xfrm flipH="1">
-            <a:off x="2713383" y="2129268"/>
-            <a:ext cx="3349487" cy="1270752"/>
-          </a:xfrm>
-          <a:prstGeom prst="line">
-            <a:avLst/>
-          </a:prstGeom>
-        </p:spPr>
-        <p:style>
-          <a:lnRef idx="1">
-            <a:schemeClr val="accent1"/>
-          </a:lnRef>
-          <a:fillRef idx="0">
-            <a:schemeClr val="accent1"/>
-          </a:fillRef>
-          <a:effectRef idx="0">
-            <a:schemeClr val="accent1"/>
-          </a:effectRef>
-          <a:fontRef idx="minor">
-            <a:schemeClr val="tx1"/>
-          </a:fontRef>
-        </p:style>
-      </p:cxnSp>
-      <p:cxnSp>
-        <p:nvCxnSpPr>
-          <p:cNvPr id="15" name="Прямая соединительная линия 14">
-            <a:extLst>
-              <a:ext uri="{FF2B5EF4-FFF2-40B4-BE49-F238E27FC236}">
-                <a16:creationId xmlns:a16="http://schemas.microsoft.com/office/drawing/2014/main" id="{9A61960F-CEE4-4D30-A086-F99C39547F1B}"/>
-              </a:ext>
-            </a:extLst>
-          </p:cNvPr>
-          <p:cNvCxnSpPr/>
-          <p:nvPr/>
-        </p:nvCxnSpPr>
-        <p:spPr>
-          <a:xfrm>
-            <a:off x="6062870" y="2129268"/>
-            <a:ext cx="0" cy="1270752"/>
-          </a:xfrm>
-          <a:prstGeom prst="line">
-            <a:avLst/>
-          </a:prstGeom>
-        </p:spPr>
-        <p:style>
-          <a:lnRef idx="1">
-            <a:schemeClr val="accent1"/>
-          </a:lnRef>
-          <a:fillRef idx="0">
-            <a:schemeClr val="accent1"/>
-          </a:fillRef>
-          <a:effectRef idx="0">
-            <a:schemeClr val="accent1"/>
-          </a:effectRef>
-          <a:fontRef idx="minor">
-            <a:schemeClr val="tx1"/>
-          </a:fontRef>
-        </p:style>
-      </p:cxnSp>
-      <p:cxnSp>
-        <p:nvCxnSpPr>
-          <p:cNvPr id="17" name="Прямая соединительная линия 16">
-            <a:extLst>
-              <a:ext uri="{FF2B5EF4-FFF2-40B4-BE49-F238E27FC236}">
-                <a16:creationId xmlns:a16="http://schemas.microsoft.com/office/drawing/2014/main" id="{33193528-C14B-4F71-B67C-1FC9E78A5069}"/>
-              </a:ext>
-            </a:extLst>
-          </p:cNvPr>
-          <p:cNvCxnSpPr/>
-          <p:nvPr/>
-        </p:nvCxnSpPr>
-        <p:spPr>
-          <a:xfrm>
-            <a:off x="6062870" y="2129268"/>
-            <a:ext cx="3448878" cy="1299732"/>
-          </a:xfrm>
-          <a:prstGeom prst="line">
-            <a:avLst/>
-          </a:prstGeom>
-        </p:spPr>
-        <p:style>
-          <a:lnRef idx="1">
-            <a:schemeClr val="accent1"/>
-          </a:lnRef>
-          <a:fillRef idx="0">
-            <a:schemeClr val="accent1"/>
-          </a:fillRef>
-          <a:effectRef idx="0">
-            <a:schemeClr val="accent1"/>
-          </a:effectRef>
-          <a:fontRef idx="minor">
-            <a:schemeClr val="tx1"/>
-          </a:fontRef>
-        </p:style>
-      </p:cxnSp>
-    </p:spTree>
-    <p:extLst>
-      <p:ext uri="{BB962C8B-B14F-4D97-AF65-F5344CB8AC3E}">
-        <p14:creationId xmlns:p14="http://schemas.microsoft.com/office/powerpoint/2010/main" val="2414511718"/>
-      </p:ext>
-    </p:extLst>
-  </p:cSld>
-  <p:clrMapOvr>
-    <a:masterClrMapping/>
-  </p:clrMapOvr>
-</p:sld>
-</file>
-
-<file path=ppt/slides/slide21.xml><?xml version="1.0" encoding="utf-8"?>
-<p:sld xmlns:a="http://schemas.openxmlformats.org/drawingml/2006/main" xmlns:r="http://schemas.openxmlformats.org/officeDocument/2006/relationships" xmlns:p="http://schemas.openxmlformats.org/presentationml/2006/main">
-  <p:cSld>
-    <p:spTree>
-      <p:nvGrpSpPr>
-        <p:cNvPr id="1" name=""/>
-        <p:cNvGrpSpPr/>
-        <p:nvPr/>
-      </p:nvGrpSpPr>
-      <p:grpSpPr>
-        <a:xfrm>
-          <a:off x="0" y="0"/>
-          <a:ext cx="0" cy="0"/>
-          <a:chOff x="0" y="0"/>
-          <a:chExt cx="0" cy="0"/>
-        </a:xfrm>
-      </p:grpSpPr>
-      <p:sp>
-        <p:nvSpPr>
-          <p:cNvPr id="2" name="Заголовок 1">
-            <a:extLst>
-              <a:ext uri="{FF2B5EF4-FFF2-40B4-BE49-F238E27FC236}">
-                <a16:creationId xmlns:a16="http://schemas.microsoft.com/office/drawing/2014/main" id="{2C6DEF55-0F96-4218-7697-7A160E57134B}"/>
-              </a:ext>
-            </a:extLst>
-          </p:cNvPr>
-          <p:cNvSpPr>
-            <a:spLocks noGrp="1"/>
-          </p:cNvSpPr>
-          <p:nvPr>
-            <p:ph type="title"/>
-          </p:nvPr>
-        </p:nvSpPr>
-        <p:spPr/>
-        <p:txBody>
-          <a:bodyPr/>
-          <a:lstStyle/>
-          <a:p>
-            <a:r>
-              <a:rPr lang="ru-RU" dirty="0"/>
               <a:t>Блок-схема алгоритма</a:t>
             </a:r>
           </a:p>
@@ -13327,7 +13229,7 @@
             </a:pPr>
             <a:r>
               <a:rPr lang="ru-RU" dirty="0"/>
-              <a:t>23</a:t>
+              <a:t>20</a:t>
             </a:r>
           </a:p>
         </p:txBody>
@@ -13375,7 +13277,7 @@
 </p:sld>
 </file>
 
-<file path=ppt/slides/slide22.xml><?xml version="1.0" encoding="utf-8"?>
+<file path=ppt/slides/slide21.xml><?xml version="1.0" encoding="utf-8"?>
 <p:sld xmlns:a="http://schemas.openxmlformats.org/drawingml/2006/main" xmlns:r="http://schemas.openxmlformats.org/officeDocument/2006/relationships" xmlns:p="http://schemas.openxmlformats.org/presentationml/2006/main">
   <p:cSld>
     <p:spTree>
@@ -13446,7 +13348,7 @@
             </a:pPr>
             <a:r>
               <a:rPr lang="ru-RU" dirty="0"/>
-              <a:t>24</a:t>
+              <a:t>21</a:t>
             </a:r>
           </a:p>
         </p:txBody>
@@ -13473,8 +13375,8 @@
         </p:blipFill>
         <p:spPr>
           <a:xfrm>
-            <a:off x="2995180" y="1785550"/>
-            <a:ext cx="6201640" cy="2591162"/>
+            <a:off x="482801" y="1226258"/>
+            <a:ext cx="4737270" cy="1979320"/>
           </a:xfrm>
           <a:prstGeom prst="rect">
             <a:avLst/>
@@ -13503,150 +13405,22 @@
         </p:blipFill>
         <p:spPr>
           <a:xfrm>
-            <a:off x="3013820" y="4301960"/>
-            <a:ext cx="6173061" cy="381053"/>
+            <a:off x="489356" y="3170066"/>
+            <a:ext cx="4721837" cy="291472"/>
           </a:xfrm>
           <a:prstGeom prst="rect">
             <a:avLst/>
           </a:prstGeom>
         </p:spPr>
       </p:pic>
-    </p:spTree>
-    <p:extLst>
-      <p:ext uri="{BB962C8B-B14F-4D97-AF65-F5344CB8AC3E}">
-        <p14:creationId xmlns:p14="http://schemas.microsoft.com/office/powerpoint/2010/main" val="1889151841"/>
-      </p:ext>
-    </p:extLst>
-  </p:cSld>
-  <p:clrMapOvr>
-    <a:masterClrMapping/>
-  </p:clrMapOvr>
-</p:sld>
-</file>
-
-<file path=ppt/slides/slide23.xml><?xml version="1.0" encoding="utf-8"?>
-<p:sld xmlns:a="http://schemas.openxmlformats.org/drawingml/2006/main" xmlns:r="http://schemas.openxmlformats.org/officeDocument/2006/relationships" xmlns:p="http://schemas.openxmlformats.org/presentationml/2006/main">
-  <p:cSld>
-    <p:spTree>
-      <p:nvGrpSpPr>
-        <p:cNvPr id="1" name=""/>
-        <p:cNvGrpSpPr/>
-        <p:nvPr/>
-      </p:nvGrpSpPr>
-      <p:grpSpPr>
-        <a:xfrm>
-          <a:off x="0" y="0"/>
-          <a:ext cx="0" cy="0"/>
-          <a:chOff x="0" y="0"/>
-          <a:chExt cx="0" cy="0"/>
-        </a:xfrm>
-      </p:grpSpPr>
-      <p:sp>
-        <p:nvSpPr>
-          <p:cNvPr id="2" name="Заголовок 1">
-            <a:extLst>
-              <a:ext uri="{FF2B5EF4-FFF2-40B4-BE49-F238E27FC236}">
-                <a16:creationId xmlns:a16="http://schemas.microsoft.com/office/drawing/2014/main" id="{2C6DEF55-0F96-4218-7697-7A160E57134B}"/>
-              </a:ext>
-            </a:extLst>
-          </p:cNvPr>
-          <p:cNvSpPr>
-            <a:spLocks noGrp="1"/>
-          </p:cNvSpPr>
-          <p:nvPr>
-            <p:ph type="title"/>
-          </p:nvPr>
-        </p:nvSpPr>
-        <p:spPr/>
-        <p:txBody>
-          <a:bodyPr/>
-          <a:lstStyle/>
-          <a:p>
-            <a:r>
-              <a:rPr lang="ru-RU" dirty="0"/>
-              <a:t>Результат моделирования Парето-фронта с первым набором</a:t>
-            </a:r>
-          </a:p>
-        </p:txBody>
-      </p:sp>
-      <p:sp>
-        <p:nvSpPr>
-          <p:cNvPr id="3" name="Номер слайда 2">
-            <a:extLst>
-              <a:ext uri="{FF2B5EF4-FFF2-40B4-BE49-F238E27FC236}">
-                <a16:creationId xmlns:a16="http://schemas.microsoft.com/office/drawing/2014/main" id="{E69B45AA-22FF-474F-B133-EEC00286B2F0}"/>
-              </a:ext>
-            </a:extLst>
-          </p:cNvPr>
-          <p:cNvSpPr>
-            <a:spLocks noGrp="1"/>
-          </p:cNvSpPr>
-          <p:nvPr>
-            <p:ph type="sldNum" sz="quarter" idx="12"/>
-          </p:nvPr>
-        </p:nvSpPr>
-        <p:spPr/>
-        <p:txBody>
-          <a:bodyPr/>
-          <a:lstStyle/>
-          <a:p>
-            <a:pPr>
-              <a:defRPr/>
-            </a:pPr>
-            <a:r>
-              <a:rPr lang="ru-RU" dirty="0"/>
-              <a:t>25</a:t>
-            </a:r>
-          </a:p>
-        </p:txBody>
-      </p:sp>
-      <p:pic>
-        <p:nvPicPr>
-          <p:cNvPr id="4" name="Рисунок 3">
-            <a:extLst>
-              <a:ext uri="{FF2B5EF4-FFF2-40B4-BE49-F238E27FC236}">
-                <a16:creationId xmlns:a16="http://schemas.microsoft.com/office/drawing/2014/main" id="{83C2E925-4420-4FDD-B082-3EBC381DFAFB}"/>
-              </a:ext>
-            </a:extLst>
-          </p:cNvPr>
-          <p:cNvPicPr/>
-          <p:nvPr/>
-        </p:nvPicPr>
-        <p:blipFill>
-          <a:blip r:embed="rId2">
-            <a:extLst>
-              <a:ext uri="{28A0092B-C50C-407E-A947-70E740481C1C}">
-                <a14:useLocalDpi xmlns:a14="http://schemas.microsoft.com/office/drawing/2010/main" val="0"/>
-              </a:ext>
-            </a:extLst>
-          </a:blip>
-          <a:srcRect/>
-          <a:stretch>
-            <a:fillRect/>
-          </a:stretch>
-        </p:blipFill>
-        <p:spPr bwMode="auto">
-          <a:xfrm>
-            <a:off x="593853" y="1039400"/>
-            <a:ext cx="6028055" cy="5494655"/>
-          </a:xfrm>
-          <a:prstGeom prst="rect">
-            <a:avLst/>
-          </a:prstGeom>
-          <a:noFill/>
-          <a:ln>
-            <a:noFill/>
-          </a:ln>
-        </p:spPr>
-      </p:pic>
-      <mc:AlternateContent xmlns:mc="http://schemas.openxmlformats.org/markup-compatibility/2006" xmlns:a14="http://schemas.microsoft.com/office/drawing/2010/main">
-        <mc:Choice Requires="a14">
+      <mc:AlternateContent xmlns:mc="http://schemas.openxmlformats.org/markup-compatibility/2006">
+        <mc:Choice xmlns:a14="http://schemas.microsoft.com/office/drawing/2010/main" Requires="a14">
           <p:sp>
             <p:nvSpPr>
-              <p:cNvPr id="6" name="TextBox 5">
+              <p:cNvPr id="8" name="TextBox 7">
                 <a:extLst>
                   <a:ext uri="{FF2B5EF4-FFF2-40B4-BE49-F238E27FC236}">
-                    <a16:creationId xmlns:a16="http://schemas.microsoft.com/office/drawing/2014/main" id="{7256CC1B-A3BB-49A0-B7E8-987025F0D3AB}"/>
+                    <a16:creationId xmlns:a16="http://schemas.microsoft.com/office/drawing/2014/main" id="{00B8B1A9-ED2A-4EDC-BC6E-3A87086217F5}"/>
                   </a:ext>
                 </a:extLst>
               </p:cNvPr>
@@ -13655,8 +13429,8 @@
             </p:nvSpPr>
             <p:spPr>
               <a:xfrm>
-                <a:off x="6094344" y="1722787"/>
-                <a:ext cx="6097656" cy="427746"/>
+                <a:off x="-435818" y="3535563"/>
+                <a:ext cx="5777098" cy="427746"/>
               </a:xfrm>
               <a:prstGeom prst="rect">
                 <a:avLst/>
@@ -13936,13 +13710,13 @@
             </p:txBody>
           </p:sp>
         </mc:Choice>
-        <mc:Fallback xmlns="">
+        <mc:Fallback>
           <p:sp>
             <p:nvSpPr>
-              <p:cNvPr id="6" name="TextBox 5">
+              <p:cNvPr id="8" name="TextBox 7">
                 <a:extLst>
                   <a:ext uri="{FF2B5EF4-FFF2-40B4-BE49-F238E27FC236}">
-                    <a16:creationId xmlns:a16="http://schemas.microsoft.com/office/drawing/2014/main" id="{7256CC1B-A3BB-49A0-B7E8-987025F0D3AB}"/>
+                    <a16:creationId xmlns:a16="http://schemas.microsoft.com/office/drawing/2014/main" id="{00B8B1A9-ED2A-4EDC-BC6E-3A87086217F5}"/>
                   </a:ext>
                 </a:extLst>
               </p:cNvPr>
@@ -13953,14 +13727,14 @@
             </p:nvSpPr>
             <p:spPr>
               <a:xfrm>
-                <a:off x="6094344" y="1722787"/>
-                <a:ext cx="6097656" cy="427746"/>
+                <a:off x="-435818" y="3535563"/>
+                <a:ext cx="5777098" cy="427746"/>
               </a:xfrm>
               <a:prstGeom prst="rect">
                 <a:avLst/>
               </a:prstGeom>
               <a:blipFill>
-                <a:blip r:embed="rId3"/>
+                <a:blip r:embed="rId4"/>
                 <a:stretch>
                   <a:fillRect b="-5714"/>
                 </a:stretch>
@@ -13981,14 +13755,14 @@
           </p:sp>
         </mc:Fallback>
       </mc:AlternateContent>
-      <mc:AlternateContent xmlns:mc="http://schemas.openxmlformats.org/markup-compatibility/2006" xmlns:a14="http://schemas.microsoft.com/office/drawing/2010/main">
-        <mc:Choice Requires="a14">
+      <mc:AlternateContent xmlns:mc="http://schemas.openxmlformats.org/markup-compatibility/2006">
+        <mc:Choice xmlns:a14="http://schemas.microsoft.com/office/drawing/2010/main" Requires="a14">
           <p:sp>
             <p:nvSpPr>
-              <p:cNvPr id="8" name="TextBox 7">
+              <p:cNvPr id="9" name="TextBox 8">
                 <a:extLst>
                   <a:ext uri="{FF2B5EF4-FFF2-40B4-BE49-F238E27FC236}">
-                    <a16:creationId xmlns:a16="http://schemas.microsoft.com/office/drawing/2014/main" id="{C32CE6EF-8728-44F6-BA2A-8E44DDBF58FA}"/>
+                    <a16:creationId xmlns:a16="http://schemas.microsoft.com/office/drawing/2014/main" id="{C5E8682A-A3DE-49A2-8B20-2ACB033D4CCD}"/>
                   </a:ext>
                 </a:extLst>
               </p:cNvPr>
@@ -13997,8 +13771,8 @@
             </p:nvSpPr>
             <p:spPr>
               <a:xfrm>
-                <a:off x="6375125" y="2406200"/>
-                <a:ext cx="6162260" cy="427746"/>
+                <a:off x="-155037" y="3962608"/>
+                <a:ext cx="5838306" cy="427746"/>
               </a:xfrm>
               <a:prstGeom prst="rect">
                 <a:avLst/>
@@ -14172,13 +13946,13 @@
             </p:txBody>
           </p:sp>
         </mc:Choice>
-        <mc:Fallback xmlns="">
+        <mc:Fallback>
           <p:sp>
             <p:nvSpPr>
-              <p:cNvPr id="8" name="TextBox 7">
+              <p:cNvPr id="9" name="TextBox 8">
                 <a:extLst>
                   <a:ext uri="{FF2B5EF4-FFF2-40B4-BE49-F238E27FC236}">
-                    <a16:creationId xmlns:a16="http://schemas.microsoft.com/office/drawing/2014/main" id="{C32CE6EF-8728-44F6-BA2A-8E44DDBF58FA}"/>
+                    <a16:creationId xmlns:a16="http://schemas.microsoft.com/office/drawing/2014/main" id="{C5E8682A-A3DE-49A2-8B20-2ACB033D4CCD}"/>
                   </a:ext>
                 </a:extLst>
               </p:cNvPr>
@@ -14189,14 +13963,14 @@
             </p:nvSpPr>
             <p:spPr>
               <a:xfrm>
-                <a:off x="6375125" y="2406200"/>
-                <a:ext cx="6162260" cy="427746"/>
+                <a:off x="-155037" y="3962608"/>
+                <a:ext cx="5838306" cy="427746"/>
               </a:xfrm>
               <a:prstGeom prst="rect">
                 <a:avLst/>
               </a:prstGeom>
               <a:blipFill>
-                <a:blip r:embed="rId4"/>
+                <a:blip r:embed="rId5"/>
                 <a:stretch>
                   <a:fillRect/>
                 </a:stretch>
@@ -14217,14 +13991,14 @@
           </p:sp>
         </mc:Fallback>
       </mc:AlternateContent>
-      <mc:AlternateContent xmlns:mc="http://schemas.openxmlformats.org/markup-compatibility/2006" xmlns:a14="http://schemas.microsoft.com/office/drawing/2010/main">
-        <mc:Choice Requires="a14">
+      <mc:AlternateContent xmlns:mc="http://schemas.openxmlformats.org/markup-compatibility/2006">
+        <mc:Choice xmlns:a14="http://schemas.microsoft.com/office/drawing/2010/main" Requires="a14">
           <p:sp>
             <p:nvSpPr>
-              <p:cNvPr id="12" name="TextBox 11">
+              <p:cNvPr id="10" name="TextBox 9">
                 <a:extLst>
                   <a:ext uri="{FF2B5EF4-FFF2-40B4-BE49-F238E27FC236}">
-                    <a16:creationId xmlns:a16="http://schemas.microsoft.com/office/drawing/2014/main" id="{E35BD18A-F0BF-436B-BA16-59D6018F7637}"/>
+                    <a16:creationId xmlns:a16="http://schemas.microsoft.com/office/drawing/2014/main" id="{1FB75F93-B04E-44D1-A384-D018F36202B4}"/>
                   </a:ext>
                 </a:extLst>
               </p:cNvPr>
@@ -14233,8 +14007,8 @@
             </p:nvSpPr>
             <p:spPr>
               <a:xfrm>
-                <a:off x="6375125" y="3079349"/>
-                <a:ext cx="6336194" cy="427746"/>
+                <a:off x="-189642" y="4389653"/>
+                <a:ext cx="6003096" cy="427746"/>
               </a:xfrm>
               <a:prstGeom prst="rect">
                 <a:avLst/>
@@ -14408,13 +14182,13 @@
             </p:txBody>
           </p:sp>
         </mc:Choice>
-        <mc:Fallback xmlns="">
+        <mc:Fallback>
           <p:sp>
             <p:nvSpPr>
-              <p:cNvPr id="12" name="TextBox 11">
+              <p:cNvPr id="10" name="TextBox 9">
                 <a:extLst>
                   <a:ext uri="{FF2B5EF4-FFF2-40B4-BE49-F238E27FC236}">
-                    <a16:creationId xmlns:a16="http://schemas.microsoft.com/office/drawing/2014/main" id="{E35BD18A-F0BF-436B-BA16-59D6018F7637}"/>
+                    <a16:creationId xmlns:a16="http://schemas.microsoft.com/office/drawing/2014/main" id="{1FB75F93-B04E-44D1-A384-D018F36202B4}"/>
                   </a:ext>
                 </a:extLst>
               </p:cNvPr>
@@ -14425,14 +14199,14 @@
             </p:nvSpPr>
             <p:spPr>
               <a:xfrm>
-                <a:off x="6375125" y="3079349"/>
-                <a:ext cx="6336194" cy="427746"/>
+                <a:off x="-189642" y="4389653"/>
+                <a:ext cx="6003096" cy="427746"/>
               </a:xfrm>
               <a:prstGeom prst="rect">
                 <a:avLst/>
               </a:prstGeom>
               <a:blipFill>
-                <a:blip r:embed="rId5"/>
+                <a:blip r:embed="rId6"/>
                 <a:stretch>
                   <a:fillRect/>
                 </a:stretch>
@@ -14453,14 +14227,14 @@
           </p:sp>
         </mc:Fallback>
       </mc:AlternateContent>
-      <mc:AlternateContent xmlns:mc="http://schemas.openxmlformats.org/markup-compatibility/2006" xmlns:a14="http://schemas.microsoft.com/office/drawing/2010/main">
-        <mc:Choice Requires="a14">
+      <mc:AlternateContent xmlns:mc="http://schemas.openxmlformats.org/markup-compatibility/2006">
+        <mc:Choice xmlns:a14="http://schemas.microsoft.com/office/drawing/2010/main" Requires="a14">
           <p:sp>
             <p:nvSpPr>
-              <p:cNvPr id="14" name="TextBox 13">
+              <p:cNvPr id="11" name="TextBox 10">
                 <a:extLst>
                   <a:ext uri="{FF2B5EF4-FFF2-40B4-BE49-F238E27FC236}">
-                    <a16:creationId xmlns:a16="http://schemas.microsoft.com/office/drawing/2014/main" id="{BB5697FA-3C16-4F2B-A640-0B2C76AB856A}"/>
+                    <a16:creationId xmlns:a16="http://schemas.microsoft.com/office/drawing/2014/main" id="{6F588D8F-C74D-4D48-B825-EDE96E263FB1}"/>
                   </a:ext>
                 </a:extLst>
               </p:cNvPr>
@@ -14469,8 +14243,8 @@
             </p:nvSpPr>
             <p:spPr>
               <a:xfrm>
-                <a:off x="6388772" y="3735642"/>
-                <a:ext cx="6420678" cy="427746"/>
+                <a:off x="-155037" y="4799863"/>
+                <a:ext cx="6083139" cy="427746"/>
               </a:xfrm>
               <a:prstGeom prst="rect">
                 <a:avLst/>
@@ -14644,13 +14418,13 @@
             </p:txBody>
           </p:sp>
         </mc:Choice>
-        <mc:Fallback xmlns="">
+        <mc:Fallback>
           <p:sp>
             <p:nvSpPr>
-              <p:cNvPr id="14" name="TextBox 13">
+              <p:cNvPr id="11" name="TextBox 10">
                 <a:extLst>
                   <a:ext uri="{FF2B5EF4-FFF2-40B4-BE49-F238E27FC236}">
-                    <a16:creationId xmlns:a16="http://schemas.microsoft.com/office/drawing/2014/main" id="{BB5697FA-3C16-4F2B-A640-0B2C76AB856A}"/>
+                    <a16:creationId xmlns:a16="http://schemas.microsoft.com/office/drawing/2014/main" id="{6F588D8F-C74D-4D48-B825-EDE96E263FB1}"/>
                   </a:ext>
                 </a:extLst>
               </p:cNvPr>
@@ -14661,14 +14435,14 @@
             </p:nvSpPr>
             <p:spPr>
               <a:xfrm>
-                <a:off x="6388772" y="3735642"/>
-                <a:ext cx="6420678" cy="427746"/>
+                <a:off x="-155037" y="4799863"/>
+                <a:ext cx="6083139" cy="427746"/>
               </a:xfrm>
               <a:prstGeom prst="rect">
                 <a:avLst/>
               </a:prstGeom>
               <a:blipFill>
-                <a:blip r:embed="rId6"/>
+                <a:blip r:embed="rId7"/>
                 <a:stretch>
                   <a:fillRect/>
                 </a:stretch>
@@ -14689,14 +14463,14 @@
           </p:sp>
         </mc:Fallback>
       </mc:AlternateContent>
-      <mc:AlternateContent xmlns:mc="http://schemas.openxmlformats.org/markup-compatibility/2006" xmlns:a14="http://schemas.microsoft.com/office/drawing/2010/main">
-        <mc:Choice Requires="a14">
+      <mc:AlternateContent xmlns:mc="http://schemas.openxmlformats.org/markup-compatibility/2006">
+        <mc:Choice xmlns:a14="http://schemas.microsoft.com/office/drawing/2010/main" Requires="a14">
           <p:sp>
             <p:nvSpPr>
-              <p:cNvPr id="16" name="TextBox 15">
+              <p:cNvPr id="12" name="TextBox 11">
                 <a:extLst>
                   <a:ext uri="{FF2B5EF4-FFF2-40B4-BE49-F238E27FC236}">
-                    <a16:creationId xmlns:a16="http://schemas.microsoft.com/office/drawing/2014/main" id="{1D94162B-5E43-4135-9377-92D3D00EE1D8}"/>
+                    <a16:creationId xmlns:a16="http://schemas.microsoft.com/office/drawing/2014/main" id="{070E4B43-7015-4335-959C-10460DC854C4}"/>
                   </a:ext>
                 </a:extLst>
               </p:cNvPr>
@@ -14705,8 +14479,8 @@
             </p:nvSpPr>
             <p:spPr>
               <a:xfrm>
-                <a:off x="6276957" y="4418003"/>
-                <a:ext cx="6470374" cy="427746"/>
+                <a:off x="-253205" y="5203996"/>
+                <a:ext cx="6130222" cy="427746"/>
               </a:xfrm>
               <a:prstGeom prst="rect">
                 <a:avLst/>
@@ -14880,13 +14654,13 @@
             </p:txBody>
           </p:sp>
         </mc:Choice>
-        <mc:Fallback xmlns="">
+        <mc:Fallback>
           <p:sp>
             <p:nvSpPr>
-              <p:cNvPr id="16" name="TextBox 15">
+              <p:cNvPr id="12" name="TextBox 11">
                 <a:extLst>
                   <a:ext uri="{FF2B5EF4-FFF2-40B4-BE49-F238E27FC236}">
-                    <a16:creationId xmlns:a16="http://schemas.microsoft.com/office/drawing/2014/main" id="{1D94162B-5E43-4135-9377-92D3D00EE1D8}"/>
+                    <a16:creationId xmlns:a16="http://schemas.microsoft.com/office/drawing/2014/main" id="{070E4B43-7015-4335-959C-10460DC854C4}"/>
                   </a:ext>
                 </a:extLst>
               </p:cNvPr>
@@ -14897,14 +14671,14 @@
             </p:nvSpPr>
             <p:spPr>
               <a:xfrm>
-                <a:off x="6276957" y="4418003"/>
-                <a:ext cx="6470374" cy="427746"/>
+                <a:off x="-253205" y="5203996"/>
+                <a:ext cx="6130222" cy="427746"/>
               </a:xfrm>
               <a:prstGeom prst="rect">
                 <a:avLst/>
               </a:prstGeom>
               <a:blipFill>
-                <a:blip r:embed="rId7"/>
+                <a:blip r:embed="rId8"/>
                 <a:stretch>
                   <a:fillRect/>
                 </a:stretch>
@@ -14925,14 +14699,14 @@
           </p:sp>
         </mc:Fallback>
       </mc:AlternateContent>
-      <mc:AlternateContent xmlns:mc="http://schemas.openxmlformats.org/markup-compatibility/2006" xmlns:a14="http://schemas.microsoft.com/office/drawing/2010/main">
-        <mc:Choice Requires="a14">
+      <mc:AlternateContent xmlns:mc="http://schemas.openxmlformats.org/markup-compatibility/2006">
+        <mc:Choice xmlns:a14="http://schemas.microsoft.com/office/drawing/2010/main" Requires="a14">
           <p:sp>
             <p:nvSpPr>
-              <p:cNvPr id="18" name="TextBox 17">
+              <p:cNvPr id="13" name="TextBox 12">
                 <a:extLst>
                   <a:ext uri="{FF2B5EF4-FFF2-40B4-BE49-F238E27FC236}">
-                    <a16:creationId xmlns:a16="http://schemas.microsoft.com/office/drawing/2014/main" id="{15633AF8-2A9C-4442-9859-F64FD771A424}"/>
+                    <a16:creationId xmlns:a16="http://schemas.microsoft.com/office/drawing/2014/main" id="{94454C4C-965C-44B4-A21B-E0E2EE6E5E00}"/>
                   </a:ext>
                 </a:extLst>
               </p:cNvPr>
@@ -14941,8 +14715,8 @@
             </p:nvSpPr>
             <p:spPr>
               <a:xfrm>
-                <a:off x="6276957" y="5106879"/>
-                <a:ext cx="6470374" cy="427746"/>
+                <a:off x="-253205" y="5614206"/>
+                <a:ext cx="6130222" cy="427746"/>
               </a:xfrm>
               <a:prstGeom prst="rect">
                 <a:avLst/>
@@ -15116,13 +14890,13 @@
             </p:txBody>
           </p:sp>
         </mc:Choice>
-        <mc:Fallback xmlns="">
+        <mc:Fallback>
           <p:sp>
             <p:nvSpPr>
-              <p:cNvPr id="18" name="TextBox 17">
+              <p:cNvPr id="13" name="TextBox 12">
                 <a:extLst>
                   <a:ext uri="{FF2B5EF4-FFF2-40B4-BE49-F238E27FC236}">
-                    <a16:creationId xmlns:a16="http://schemas.microsoft.com/office/drawing/2014/main" id="{15633AF8-2A9C-4442-9859-F64FD771A424}"/>
+                    <a16:creationId xmlns:a16="http://schemas.microsoft.com/office/drawing/2014/main" id="{94454C4C-965C-44B4-A21B-E0E2EE6E5E00}"/>
                   </a:ext>
                 </a:extLst>
               </p:cNvPr>
@@ -15133,14 +14907,14 @@
             </p:nvSpPr>
             <p:spPr>
               <a:xfrm>
-                <a:off x="6276957" y="5106879"/>
-                <a:ext cx="6470374" cy="427746"/>
+                <a:off x="-253205" y="5614206"/>
+                <a:ext cx="6130222" cy="427746"/>
               </a:xfrm>
               <a:prstGeom prst="rect">
                 <a:avLst/>
               </a:prstGeom>
               <a:blipFill>
-                <a:blip r:embed="rId8"/>
+                <a:blip r:embed="rId9"/>
                 <a:stretch>
                   <a:fillRect/>
                 </a:stretch>
@@ -15161,10 +14935,40 @@
           </p:sp>
         </mc:Fallback>
       </mc:AlternateContent>
+      <p:pic>
+        <p:nvPicPr>
+          <p:cNvPr id="14" name="Рисунок 13">
+            <a:extLst>
+              <a:ext uri="{FF2B5EF4-FFF2-40B4-BE49-F238E27FC236}">
+                <a16:creationId xmlns:a16="http://schemas.microsoft.com/office/drawing/2014/main" id="{D038BED1-9E02-4B5A-93FF-CCF655A61699}"/>
+              </a:ext>
+            </a:extLst>
+          </p:cNvPr>
+          <p:cNvPicPr>
+            <a:picLocks noChangeAspect="1"/>
+          </p:cNvPicPr>
+          <p:nvPr/>
+        </p:nvPicPr>
+        <p:blipFill>
+          <a:blip r:embed="rId10"/>
+          <a:stretch>
+            <a:fillRect/>
+          </a:stretch>
+        </p:blipFill>
+        <p:spPr>
+          <a:xfrm>
+            <a:off x="5467930" y="457232"/>
+            <a:ext cx="6030167" cy="5496692"/>
+          </a:xfrm>
+          <a:prstGeom prst="rect">
+            <a:avLst/>
+          </a:prstGeom>
+        </p:spPr>
+      </p:pic>
     </p:spTree>
     <p:extLst>
       <p:ext uri="{BB962C8B-B14F-4D97-AF65-F5344CB8AC3E}">
-        <p14:creationId xmlns:p14="http://schemas.microsoft.com/office/powerpoint/2010/main" val="2403347898"/>
+        <p14:creationId xmlns:p14="http://schemas.microsoft.com/office/powerpoint/2010/main" val="1889151841"/>
       </p:ext>
     </p:extLst>
   </p:cSld>
@@ -15174,7 +14978,7 @@
 </p:sld>
 </file>
 
-<file path=ppt/slides/slide24.xml><?xml version="1.0" encoding="utf-8"?>
+<file path=ppt/slides/slide22.xml><?xml version="1.0" encoding="utf-8"?>
 <p:sld xmlns:a="http://schemas.openxmlformats.org/drawingml/2006/main" xmlns:r="http://schemas.openxmlformats.org/officeDocument/2006/relationships" xmlns:p="http://schemas.openxmlformats.org/presentationml/2006/main">
   <p:cSld>
     <p:spTree>
@@ -15245,17 +15049,17 @@
             </a:pPr>
             <a:r>
               <a:rPr lang="ru-RU" dirty="0"/>
-              <a:t>26</a:t>
+              <a:t>22</a:t>
             </a:r>
           </a:p>
         </p:txBody>
       </p:sp>
       <p:pic>
         <p:nvPicPr>
-          <p:cNvPr id="5" name="Рисунок 4">
+          <p:cNvPr id="6" name="Рисунок 5">
             <a:extLst>
               <a:ext uri="{FF2B5EF4-FFF2-40B4-BE49-F238E27FC236}">
-                <a16:creationId xmlns:a16="http://schemas.microsoft.com/office/drawing/2014/main" id="{5A2AD6FB-6883-41BB-895B-DCAB83AA72C6}"/>
+                <a16:creationId xmlns:a16="http://schemas.microsoft.com/office/drawing/2014/main" id="{4EFA1935-0064-4C53-82A0-51C8A363DC35}"/>
               </a:ext>
             </a:extLst>
           </p:cNvPr>
@@ -15272,8 +15076,38 @@
         </p:blipFill>
         <p:spPr>
           <a:xfrm>
-            <a:off x="2609008" y="1790599"/>
-            <a:ext cx="6973983" cy="3276802"/>
+            <a:off x="677489" y="2322096"/>
+            <a:ext cx="4711621" cy="2213807"/>
+          </a:xfrm>
+          <a:prstGeom prst="rect">
+            <a:avLst/>
+          </a:prstGeom>
+        </p:spPr>
+      </p:pic>
+      <p:pic>
+        <p:nvPicPr>
+          <p:cNvPr id="8" name="Рисунок 7">
+            <a:extLst>
+              <a:ext uri="{FF2B5EF4-FFF2-40B4-BE49-F238E27FC236}">
+                <a16:creationId xmlns:a16="http://schemas.microsoft.com/office/drawing/2014/main" id="{A380DA27-D8D2-4442-850D-F3EBF100F3C4}"/>
+              </a:ext>
+            </a:extLst>
+          </p:cNvPr>
+          <p:cNvPicPr>
+            <a:picLocks noChangeAspect="1"/>
+          </p:cNvPicPr>
+          <p:nvPr/>
+        </p:nvPicPr>
+        <p:blipFill>
+          <a:blip r:embed="rId3"/>
+          <a:stretch>
+            <a:fillRect/>
+          </a:stretch>
+        </p:blipFill>
+        <p:spPr>
+          <a:xfrm>
+            <a:off x="5389110" y="531545"/>
+            <a:ext cx="6030167" cy="5496692"/>
           </a:xfrm>
           <a:prstGeom prst="rect">
             <a:avLst/>
@@ -15293,135 +15127,7 @@
 </p:sld>
 </file>
 
-<file path=ppt/slides/slide25.xml><?xml version="1.0" encoding="utf-8"?>
-<p:sld xmlns:a="http://schemas.openxmlformats.org/drawingml/2006/main" xmlns:r="http://schemas.openxmlformats.org/officeDocument/2006/relationships" xmlns:p="http://schemas.openxmlformats.org/presentationml/2006/main">
-  <p:cSld>
-    <p:spTree>
-      <p:nvGrpSpPr>
-        <p:cNvPr id="1" name=""/>
-        <p:cNvGrpSpPr/>
-        <p:nvPr/>
-      </p:nvGrpSpPr>
-      <p:grpSpPr>
-        <a:xfrm>
-          <a:off x="0" y="0"/>
-          <a:ext cx="0" cy="0"/>
-          <a:chOff x="0" y="0"/>
-          <a:chExt cx="0" cy="0"/>
-        </a:xfrm>
-      </p:grpSpPr>
-      <p:sp>
-        <p:nvSpPr>
-          <p:cNvPr id="2" name="Заголовок 1">
-            <a:extLst>
-              <a:ext uri="{FF2B5EF4-FFF2-40B4-BE49-F238E27FC236}">
-                <a16:creationId xmlns:a16="http://schemas.microsoft.com/office/drawing/2014/main" id="{2C6DEF55-0F96-4218-7697-7A160E57134B}"/>
-              </a:ext>
-            </a:extLst>
-          </p:cNvPr>
-          <p:cNvSpPr>
-            <a:spLocks noGrp="1"/>
-          </p:cNvSpPr>
-          <p:nvPr>
-            <p:ph type="title"/>
-          </p:nvPr>
-        </p:nvSpPr>
-        <p:spPr/>
-        <p:txBody>
-          <a:bodyPr/>
-          <a:lstStyle/>
-          <a:p>
-            <a:r>
-              <a:rPr lang="ru-RU" dirty="0"/>
-              <a:t>График Парето-фронта со вторым набором параметров</a:t>
-            </a:r>
-          </a:p>
-        </p:txBody>
-      </p:sp>
-      <p:sp>
-        <p:nvSpPr>
-          <p:cNvPr id="3" name="Номер слайда 2">
-            <a:extLst>
-              <a:ext uri="{FF2B5EF4-FFF2-40B4-BE49-F238E27FC236}">
-                <a16:creationId xmlns:a16="http://schemas.microsoft.com/office/drawing/2014/main" id="{E69B45AA-22FF-474F-B133-EEC00286B2F0}"/>
-              </a:ext>
-            </a:extLst>
-          </p:cNvPr>
-          <p:cNvSpPr>
-            <a:spLocks noGrp="1"/>
-          </p:cNvSpPr>
-          <p:nvPr>
-            <p:ph type="sldNum" sz="quarter" idx="12"/>
-          </p:nvPr>
-        </p:nvSpPr>
-        <p:spPr/>
-        <p:txBody>
-          <a:bodyPr/>
-          <a:lstStyle/>
-          <a:p>
-            <a:pPr>
-              <a:defRPr/>
-            </a:pPr>
-            <a:r>
-              <a:rPr lang="ru-RU" dirty="0"/>
-              <a:t>27</a:t>
-            </a:r>
-          </a:p>
-        </p:txBody>
-      </p:sp>
-      <p:pic>
-        <p:nvPicPr>
-          <p:cNvPr id="4" name="Рисунок 3">
-            <a:extLst>
-              <a:ext uri="{FF2B5EF4-FFF2-40B4-BE49-F238E27FC236}">
-                <a16:creationId xmlns:a16="http://schemas.microsoft.com/office/drawing/2014/main" id="{240672CD-9CCA-479C-9A12-278E9D8E1710}"/>
-              </a:ext>
-            </a:extLst>
-          </p:cNvPr>
-          <p:cNvPicPr/>
-          <p:nvPr/>
-        </p:nvPicPr>
-        <p:blipFill>
-          <a:blip r:embed="rId2">
-            <a:extLst>
-              <a:ext uri="{28A0092B-C50C-407E-A947-70E740481C1C}">
-                <a14:useLocalDpi xmlns:a14="http://schemas.microsoft.com/office/drawing/2010/main" val="0"/>
-              </a:ext>
-            </a:extLst>
-          </a:blip>
-          <a:srcRect/>
-          <a:stretch>
-            <a:fillRect/>
-          </a:stretch>
-        </p:blipFill>
-        <p:spPr bwMode="auto">
-          <a:xfrm>
-            <a:off x="3081972" y="911701"/>
-            <a:ext cx="6028055" cy="5494655"/>
-          </a:xfrm>
-          <a:prstGeom prst="rect">
-            <a:avLst/>
-          </a:prstGeom>
-          <a:noFill/>
-          <a:ln>
-            <a:noFill/>
-          </a:ln>
-        </p:spPr>
-      </p:pic>
-    </p:spTree>
-    <p:extLst>
-      <p:ext uri="{BB962C8B-B14F-4D97-AF65-F5344CB8AC3E}">
-        <p14:creationId xmlns:p14="http://schemas.microsoft.com/office/powerpoint/2010/main" val="1933878969"/>
-      </p:ext>
-    </p:extLst>
-  </p:cSld>
-  <p:clrMapOvr>
-    <a:masterClrMapping/>
-  </p:clrMapOvr>
-</p:sld>
-</file>
-
-<file path=ppt/slides/slide26.xml><?xml version="1.0" encoding="utf-8"?>
+<file path=ppt/slides/slide23.xml><?xml version="1.0" encoding="utf-8"?>
 <p:sld xmlns:a="http://schemas.openxmlformats.org/drawingml/2006/main" xmlns:r="http://schemas.openxmlformats.org/officeDocument/2006/relationships" xmlns:p="http://schemas.openxmlformats.org/presentationml/2006/main">
   <p:cSld>
     <p:spTree>
@@ -15492,17 +15198,17 @@
             </a:pPr>
             <a:r>
               <a:rPr lang="ru-RU" dirty="0"/>
-              <a:t>28</a:t>
+              <a:t>23</a:t>
             </a:r>
           </a:p>
         </p:txBody>
       </p:sp>
       <p:pic>
         <p:nvPicPr>
-          <p:cNvPr id="5" name="Рисунок 4">
+          <p:cNvPr id="6" name="Рисунок 5">
             <a:extLst>
               <a:ext uri="{FF2B5EF4-FFF2-40B4-BE49-F238E27FC236}">
-                <a16:creationId xmlns:a16="http://schemas.microsoft.com/office/drawing/2014/main" id="{75A1BAE0-9A67-4CD2-AECD-60B45545F4AA}"/>
+                <a16:creationId xmlns:a16="http://schemas.microsoft.com/office/drawing/2014/main" id="{0CCFBBC5-1353-4C8B-8B8B-4718176C7C15}"/>
               </a:ext>
             </a:extLst>
           </p:cNvPr>
@@ -15519,8 +15225,38 @@
         </p:blipFill>
         <p:spPr>
           <a:xfrm>
-            <a:off x="2999943" y="1697940"/>
-            <a:ext cx="6192114" cy="2905530"/>
+            <a:off x="693903" y="2322096"/>
+            <a:ext cx="4717950" cy="2213807"/>
+          </a:xfrm>
+          <a:prstGeom prst="rect">
+            <a:avLst/>
+          </a:prstGeom>
+        </p:spPr>
+      </p:pic>
+      <p:pic>
+        <p:nvPicPr>
+          <p:cNvPr id="7" name="Рисунок 6">
+            <a:extLst>
+              <a:ext uri="{FF2B5EF4-FFF2-40B4-BE49-F238E27FC236}">
+                <a16:creationId xmlns:a16="http://schemas.microsoft.com/office/drawing/2014/main" id="{3D46F567-A010-484B-9A9B-B58A0BB32287}"/>
+              </a:ext>
+            </a:extLst>
+          </p:cNvPr>
+          <p:cNvPicPr>
+            <a:picLocks noChangeAspect="1"/>
+          </p:cNvPicPr>
+          <p:nvPr/>
+        </p:nvPicPr>
+        <p:blipFill>
+          <a:blip r:embed="rId3"/>
+          <a:stretch>
+            <a:fillRect/>
+          </a:stretch>
+        </p:blipFill>
+        <p:spPr>
+          <a:xfrm>
+            <a:off x="5467930" y="451644"/>
+            <a:ext cx="6030167" cy="5487166"/>
           </a:xfrm>
           <a:prstGeom prst="rect">
             <a:avLst/>
@@ -15540,135 +15276,7 @@
 </p:sld>
 </file>
 
-<file path=ppt/slides/slide27.xml><?xml version="1.0" encoding="utf-8"?>
-<p:sld xmlns:a="http://schemas.openxmlformats.org/drawingml/2006/main" xmlns:r="http://schemas.openxmlformats.org/officeDocument/2006/relationships" xmlns:p="http://schemas.openxmlformats.org/presentationml/2006/main">
-  <p:cSld>
-    <p:spTree>
-      <p:nvGrpSpPr>
-        <p:cNvPr id="1" name=""/>
-        <p:cNvGrpSpPr/>
-        <p:nvPr/>
-      </p:nvGrpSpPr>
-      <p:grpSpPr>
-        <a:xfrm>
-          <a:off x="0" y="0"/>
-          <a:ext cx="0" cy="0"/>
-          <a:chOff x="0" y="0"/>
-          <a:chExt cx="0" cy="0"/>
-        </a:xfrm>
-      </p:grpSpPr>
-      <p:sp>
-        <p:nvSpPr>
-          <p:cNvPr id="2" name="Заголовок 1">
-            <a:extLst>
-              <a:ext uri="{FF2B5EF4-FFF2-40B4-BE49-F238E27FC236}">
-                <a16:creationId xmlns:a16="http://schemas.microsoft.com/office/drawing/2014/main" id="{2C6DEF55-0F96-4218-7697-7A160E57134B}"/>
-              </a:ext>
-            </a:extLst>
-          </p:cNvPr>
-          <p:cNvSpPr>
-            <a:spLocks noGrp="1"/>
-          </p:cNvSpPr>
-          <p:nvPr>
-            <p:ph type="title"/>
-          </p:nvPr>
-        </p:nvSpPr>
-        <p:spPr/>
-        <p:txBody>
-          <a:bodyPr/>
-          <a:lstStyle/>
-          <a:p>
-            <a:r>
-              <a:rPr lang="ru-RU" dirty="0"/>
-              <a:t>График Парето-фронта с третьим набором параметров</a:t>
-            </a:r>
-          </a:p>
-        </p:txBody>
-      </p:sp>
-      <p:sp>
-        <p:nvSpPr>
-          <p:cNvPr id="3" name="Номер слайда 2">
-            <a:extLst>
-              <a:ext uri="{FF2B5EF4-FFF2-40B4-BE49-F238E27FC236}">
-                <a16:creationId xmlns:a16="http://schemas.microsoft.com/office/drawing/2014/main" id="{E69B45AA-22FF-474F-B133-EEC00286B2F0}"/>
-              </a:ext>
-            </a:extLst>
-          </p:cNvPr>
-          <p:cNvSpPr>
-            <a:spLocks noGrp="1"/>
-          </p:cNvSpPr>
-          <p:nvPr>
-            <p:ph type="sldNum" sz="quarter" idx="12"/>
-          </p:nvPr>
-        </p:nvSpPr>
-        <p:spPr/>
-        <p:txBody>
-          <a:bodyPr/>
-          <a:lstStyle/>
-          <a:p>
-            <a:pPr>
-              <a:defRPr/>
-            </a:pPr>
-            <a:r>
-              <a:rPr lang="ru-RU" dirty="0"/>
-              <a:t>29</a:t>
-            </a:r>
-          </a:p>
-        </p:txBody>
-      </p:sp>
-      <p:pic>
-        <p:nvPicPr>
-          <p:cNvPr id="4" name="Рисунок 3">
-            <a:extLst>
-              <a:ext uri="{FF2B5EF4-FFF2-40B4-BE49-F238E27FC236}">
-                <a16:creationId xmlns:a16="http://schemas.microsoft.com/office/drawing/2014/main" id="{CB62EC1E-31FD-419C-8A0E-22D2186161B4}"/>
-              </a:ext>
-            </a:extLst>
-          </p:cNvPr>
-          <p:cNvPicPr/>
-          <p:nvPr/>
-        </p:nvPicPr>
-        <p:blipFill>
-          <a:blip r:embed="rId2">
-            <a:extLst>
-              <a:ext uri="{28A0092B-C50C-407E-A947-70E740481C1C}">
-                <a14:useLocalDpi xmlns:a14="http://schemas.microsoft.com/office/drawing/2010/main" val="0"/>
-              </a:ext>
-            </a:extLst>
-          </a:blip>
-          <a:srcRect/>
-          <a:stretch>
-            <a:fillRect/>
-          </a:stretch>
-        </p:blipFill>
-        <p:spPr bwMode="auto">
-          <a:xfrm>
-            <a:off x="3179141" y="919956"/>
-            <a:ext cx="6032500" cy="5486400"/>
-          </a:xfrm>
-          <a:prstGeom prst="rect">
-            <a:avLst/>
-          </a:prstGeom>
-          <a:noFill/>
-          <a:ln>
-            <a:noFill/>
-          </a:ln>
-        </p:spPr>
-      </p:pic>
-    </p:spTree>
-    <p:extLst>
-      <p:ext uri="{BB962C8B-B14F-4D97-AF65-F5344CB8AC3E}">
-        <p14:creationId xmlns:p14="http://schemas.microsoft.com/office/powerpoint/2010/main" val="4116290173"/>
-      </p:ext>
-    </p:extLst>
-  </p:cSld>
-  <p:clrMapOvr>
-    <a:masterClrMapping/>
-  </p:clrMapOvr>
-</p:sld>
-</file>
-
-<file path=ppt/slides/slide28.xml><?xml version="1.0" encoding="utf-8"?>
+<file path=ppt/slides/slide24.xml><?xml version="1.0" encoding="utf-8"?>
 <p:sld xmlns:a="http://schemas.openxmlformats.org/drawingml/2006/main" xmlns:r="http://schemas.openxmlformats.org/officeDocument/2006/relationships" xmlns:p="http://schemas.openxmlformats.org/presentationml/2006/main">
   <p:cSld>
     <p:spTree>
@@ -15738,8 +15346,12 @@
               <a:defRPr/>
             </a:pPr>
             <a:r>
+              <a:rPr lang="en-US" dirty="0"/>
+              <a:t>2</a:t>
+            </a:r>
+            <a:r>
               <a:rPr lang="ru-RU" dirty="0"/>
-              <a:t>30</a:t>
+              <a:t>4</a:t>
             </a:r>
           </a:p>
         </p:txBody>
@@ -15930,7 +15542,7 @@
 </p:sld>
 </file>
 
-<file path=ppt/slides/slide29.xml><?xml version="1.0" encoding="utf-8"?>
+<file path=ppt/slides/slide25.xml><?xml version="1.0" encoding="utf-8"?>
 <p:sld xmlns:a="http://schemas.openxmlformats.org/drawingml/2006/main" xmlns:r="http://schemas.openxmlformats.org/officeDocument/2006/relationships" xmlns:p="http://schemas.openxmlformats.org/presentationml/2006/main">
   <p:cSld>
     <p:spTree>
@@ -17302,10 +16914,10 @@
       </p:sp>
       <p:pic>
         <p:nvPicPr>
-          <p:cNvPr id="4" name="Рисунок 3">
+          <p:cNvPr id="10" name="Рисунок 9">
             <a:extLst>
               <a:ext uri="{FF2B5EF4-FFF2-40B4-BE49-F238E27FC236}">
-                <a16:creationId xmlns:a16="http://schemas.microsoft.com/office/drawing/2014/main" id="{CEA49747-7095-4050-BCCB-C5261117C224}"/>
+                <a16:creationId xmlns:a16="http://schemas.microsoft.com/office/drawing/2014/main" id="{550E6958-A1EA-440D-82FA-5C5F8D484982}"/>
               </a:ext>
             </a:extLst>
           </p:cNvPr>
@@ -17327,8 +16939,8 @@
         </p:blipFill>
         <p:spPr bwMode="auto">
           <a:xfrm>
-            <a:off x="2074024" y="1039400"/>
-            <a:ext cx="3154525" cy="2179476"/>
+            <a:off x="1223836" y="977256"/>
+            <a:ext cx="3833411" cy="2619612"/>
           </a:xfrm>
           <a:prstGeom prst="rect">
             <a:avLst/>
@@ -17341,10 +16953,10 @@
       </p:pic>
       <p:pic>
         <p:nvPicPr>
-          <p:cNvPr id="5" name="Рисунок 4">
+          <p:cNvPr id="11" name="Рисунок 10">
             <a:extLst>
               <a:ext uri="{FF2B5EF4-FFF2-40B4-BE49-F238E27FC236}">
-                <a16:creationId xmlns:a16="http://schemas.microsoft.com/office/drawing/2014/main" id="{0D912EE5-F843-49CC-B929-1C4EE59E54D4}"/>
+                <a16:creationId xmlns:a16="http://schemas.microsoft.com/office/drawing/2014/main" id="{F9D6E245-8574-4A58-80B5-779BBB776143}"/>
               </a:ext>
             </a:extLst>
           </p:cNvPr>
@@ -17366,8 +16978,8 @@
         </p:blipFill>
         <p:spPr bwMode="auto">
           <a:xfrm>
-            <a:off x="6370628" y="946184"/>
-            <a:ext cx="3067297" cy="2179476"/>
+            <a:off x="6096000" y="480300"/>
+            <a:ext cx="3722322" cy="2566678"/>
           </a:xfrm>
           <a:prstGeom prst="rect">
             <a:avLst/>
@@ -17380,10 +16992,10 @@
       </p:pic>
       <p:pic>
         <p:nvPicPr>
-          <p:cNvPr id="6" name="Рисунок 5">
+          <p:cNvPr id="12" name="Рисунок 11">
             <a:extLst>
               <a:ext uri="{FF2B5EF4-FFF2-40B4-BE49-F238E27FC236}">
-                <a16:creationId xmlns:a16="http://schemas.microsoft.com/office/drawing/2014/main" id="{F7B4E546-8025-4D11-A956-9B79E8817222}"/>
+                <a16:creationId xmlns:a16="http://schemas.microsoft.com/office/drawing/2014/main" id="{7143E26E-229E-4F1D-BB79-ED5D38E82570}"/>
               </a:ext>
             </a:extLst>
           </p:cNvPr>
@@ -17405,8 +17017,8 @@
         </p:blipFill>
         <p:spPr bwMode="auto">
           <a:xfrm>
-            <a:off x="2021331" y="3725109"/>
-            <a:ext cx="3259910" cy="2316122"/>
+            <a:off x="1353886" y="3596867"/>
+            <a:ext cx="3703361" cy="2553817"/>
           </a:xfrm>
           <a:prstGeom prst="rect">
             <a:avLst/>
@@ -17419,10 +17031,10 @@
       </p:pic>
       <p:pic>
         <p:nvPicPr>
-          <p:cNvPr id="7" name="Рисунок 6">
+          <p:cNvPr id="13" name="Рисунок 12">
             <a:extLst>
               <a:ext uri="{FF2B5EF4-FFF2-40B4-BE49-F238E27FC236}">
-                <a16:creationId xmlns:a16="http://schemas.microsoft.com/office/drawing/2014/main" id="{AAABD071-5776-42EF-8CB4-AAD5281D9B8F}"/>
+                <a16:creationId xmlns:a16="http://schemas.microsoft.com/office/drawing/2014/main" id="{E557D798-8F89-42D0-BA7B-B7BDEA3EDA82}"/>
               </a:ext>
             </a:extLst>
           </p:cNvPr>
@@ -17444,8 +17056,8 @@
         </p:blipFill>
         <p:spPr bwMode="auto">
           <a:xfrm>
-            <a:off x="6213726" y="3218876"/>
-            <a:ext cx="3381100" cy="3381100"/>
+            <a:off x="6309313" y="3118070"/>
+            <a:ext cx="3295696" cy="3383917"/>
           </a:xfrm>
           <a:prstGeom prst="rect">
             <a:avLst/>
@@ -17540,7 +17152,7 @@
             </a:pPr>
             <a:r>
               <a:rPr lang="ru-RU" dirty="0"/>
-              <a:t>10</a:t>
+              <a:t>8</a:t>
             </a:r>
           </a:p>
         </p:txBody>
@@ -20096,7 +19708,7 @@
             </a:pPr>
             <a:r>
               <a:rPr lang="ru-RU" dirty="0"/>
-              <a:t>11</a:t>
+              <a:t>9</a:t>
             </a:r>
           </a:p>
         </p:txBody>

--- a/Шаблон_презентации_для_защит_ПИШ.pptx
+++ b/Шаблон_презентации_для_защит_ПИШ.pptx
@@ -6,7 +6,7 @@
     <p:sldMasterId id="2147483673" r:id="rId2"/>
   </p:sldMasterIdLst>
   <p:notesMasterIdLst>
-    <p:notesMasterId r:id="rId29"/>
+    <p:notesMasterId r:id="rId28"/>
   </p:notesMasterIdLst>
   <p:sldIdLst>
     <p:sldId id="360" r:id="rId3"/>
@@ -25,16 +25,15 @@
     <p:sldId id="373" r:id="rId16"/>
     <p:sldId id="374" r:id="rId17"/>
     <p:sldId id="376" r:id="rId18"/>
-    <p:sldId id="377" r:id="rId19"/>
-    <p:sldId id="378" r:id="rId20"/>
-    <p:sldId id="379" r:id="rId21"/>
-    <p:sldId id="380" r:id="rId22"/>
-    <p:sldId id="381" r:id="rId23"/>
-    <p:sldId id="382" r:id="rId24"/>
-    <p:sldId id="384" r:id="rId25"/>
-    <p:sldId id="386" r:id="rId26"/>
-    <p:sldId id="388" r:id="rId27"/>
-    <p:sldId id="389" r:id="rId28"/>
+    <p:sldId id="378" r:id="rId19"/>
+    <p:sldId id="379" r:id="rId20"/>
+    <p:sldId id="380" r:id="rId21"/>
+    <p:sldId id="381" r:id="rId22"/>
+    <p:sldId id="382" r:id="rId23"/>
+    <p:sldId id="384" r:id="rId24"/>
+    <p:sldId id="386" r:id="rId25"/>
+    <p:sldId id="388" r:id="rId26"/>
+    <p:sldId id="389" r:id="rId27"/>
   </p:sldIdLst>
   <p:sldSz cx="12192000" cy="6858000"/>
   <p:notesSz cx="6858000" cy="9144000"/>
@@ -2854,6 +2853,18 @@
   <p:clrMapOvr>
     <a:masterClrMapping/>
   </p:clrMapOvr>
+  <mc:AlternateContent xmlns:mc="http://schemas.openxmlformats.org/markup-compatibility/2006">
+    <mc:Choice xmlns:p159="http://schemas.microsoft.com/office/powerpoint/2015/09/main" Requires="p159">
+      <p:transition xmlns:p14="http://schemas.microsoft.com/office/powerpoint/2010/main" spd="slow" p14:dur="2000">
+        <p159:morph option="byObject"/>
+      </p:transition>
+    </mc:Choice>
+    <mc:Fallback>
+      <p:transition spd="slow">
+        <p:fade/>
+      </p:transition>
+    </mc:Fallback>
+  </mc:AlternateContent>
 </p:sld>
 </file>
 
@@ -2972,8 +2983,8 @@
           </a:ln>
         </p:spPr>
       </p:pic>
-      <mc:AlternateContent xmlns:mc="http://schemas.openxmlformats.org/markup-compatibility/2006">
-        <mc:Choice xmlns:a14="http://schemas.microsoft.com/office/drawing/2010/main" Requires="a14">
+      <mc:AlternateContent xmlns:mc="http://schemas.openxmlformats.org/markup-compatibility/2006" xmlns:a14="http://schemas.microsoft.com/office/drawing/2010/main">
+        <mc:Choice Requires="a14">
           <p:sp>
             <p:nvSpPr>
               <p:cNvPr id="5" name="TextBox 4">
@@ -3321,7 +3332,7 @@
             </p:txBody>
           </p:sp>
         </mc:Choice>
-        <mc:Fallback>
+        <mc:Fallback xmlns="">
           <p:sp>
             <p:nvSpPr>
               <p:cNvPr id="5" name="TextBox 4">
@@ -3366,8 +3377,8 @@
           </p:sp>
         </mc:Fallback>
       </mc:AlternateContent>
-      <mc:AlternateContent xmlns:mc="http://schemas.openxmlformats.org/markup-compatibility/2006">
-        <mc:Choice xmlns:a14="http://schemas.microsoft.com/office/drawing/2010/main" Requires="a14">
+      <mc:AlternateContent xmlns:mc="http://schemas.openxmlformats.org/markup-compatibility/2006" xmlns:a14="http://schemas.microsoft.com/office/drawing/2010/main">
+        <mc:Choice Requires="a14">
           <p:sp>
             <p:nvSpPr>
               <p:cNvPr id="6" name="TextBox 5">
@@ -3603,7 +3614,7 @@
             </p:txBody>
           </p:sp>
         </mc:Choice>
-        <mc:Fallback>
+        <mc:Fallback xmlns="">
           <p:sp>
             <p:nvSpPr>
               <p:cNvPr id="6" name="TextBox 5">
@@ -4420,8 +4431,8 @@
           </p:sp>
         </mc:Fallback>
       </mc:AlternateContent>
-      <mc:AlternateContent xmlns:mc="http://schemas.openxmlformats.org/markup-compatibility/2006">
-        <mc:Choice xmlns:a14="http://schemas.microsoft.com/office/drawing/2010/main" Requires="a14">
+      <mc:AlternateContent xmlns:mc="http://schemas.openxmlformats.org/markup-compatibility/2006" xmlns:a14="http://schemas.microsoft.com/office/drawing/2010/main">
+        <mc:Choice Requires="a14">
           <p:sp>
             <p:nvSpPr>
               <p:cNvPr id="7" name="TextBox 6">
@@ -4677,7 +4688,7 @@
             </p:txBody>
           </p:sp>
         </mc:Choice>
-        <mc:Fallback>
+        <mc:Fallback xmlns="">
           <p:sp>
             <p:nvSpPr>
               <p:cNvPr id="7" name="TextBox 6">
@@ -4872,8 +4883,8 @@
           </a:p>
         </p:txBody>
       </p:sp>
-      <mc:AlternateContent xmlns:mc="http://schemas.openxmlformats.org/markup-compatibility/2006">
-        <mc:Choice xmlns:a14="http://schemas.microsoft.com/office/drawing/2010/main" Requires="a14">
+      <mc:AlternateContent xmlns:mc="http://schemas.openxmlformats.org/markup-compatibility/2006" xmlns:a14="http://schemas.microsoft.com/office/drawing/2010/main">
+        <mc:Choice Requires="a14">
           <p:sp>
             <p:nvSpPr>
               <p:cNvPr id="22" name="TextBox 21">
@@ -5080,7 +5091,7 @@
             </p:txBody>
           </p:sp>
         </mc:Choice>
-        <mc:Fallback>
+        <mc:Fallback xmlns="">
           <p:sp>
             <p:nvSpPr>
               <p:cNvPr id="22" name="TextBox 21">
@@ -6291,8 +6302,8 @@
           </a:p>
         </p:txBody>
       </p:sp>
-      <mc:AlternateContent xmlns:mc="http://schemas.openxmlformats.org/markup-compatibility/2006">
-        <mc:Choice xmlns:a14="http://schemas.microsoft.com/office/drawing/2010/main" Requires="a14">
+      <mc:AlternateContent xmlns:mc="http://schemas.openxmlformats.org/markup-compatibility/2006" xmlns:a14="http://schemas.microsoft.com/office/drawing/2010/main">
+        <mc:Choice Requires="a14">
           <p:sp>
             <p:nvSpPr>
               <p:cNvPr id="4" name="TextBox 3">
@@ -6483,7 +6494,7 @@
             </p:txBody>
           </p:sp>
         </mc:Choice>
-        <mc:Fallback>
+        <mc:Fallback xmlns="">
           <p:sp>
             <p:nvSpPr>
               <p:cNvPr id="4" name="TextBox 3">
@@ -6528,8 +6539,8 @@
           </p:sp>
         </mc:Fallback>
       </mc:AlternateContent>
-      <mc:AlternateContent xmlns:mc="http://schemas.openxmlformats.org/markup-compatibility/2006">
-        <mc:Choice xmlns:a14="http://schemas.microsoft.com/office/drawing/2010/main" Requires="a14">
+      <mc:AlternateContent xmlns:mc="http://schemas.openxmlformats.org/markup-compatibility/2006" xmlns:a14="http://schemas.microsoft.com/office/drawing/2010/main">
+        <mc:Choice Requires="a14">
           <p:sp>
             <p:nvSpPr>
               <p:cNvPr id="5" name="TextBox 4">
@@ -6834,7 +6845,7 @@
             </p:txBody>
           </p:sp>
         </mc:Choice>
-        <mc:Fallback>
+        <mc:Fallback xmlns="">
           <p:sp>
             <p:nvSpPr>
               <p:cNvPr id="5" name="TextBox 4">
@@ -6879,8 +6890,8 @@
           </p:sp>
         </mc:Fallback>
       </mc:AlternateContent>
-      <mc:AlternateContent xmlns:mc="http://schemas.openxmlformats.org/markup-compatibility/2006">
-        <mc:Choice xmlns:a14="http://schemas.microsoft.com/office/drawing/2010/main" Requires="a14">
+      <mc:AlternateContent xmlns:mc="http://schemas.openxmlformats.org/markup-compatibility/2006" xmlns:a14="http://schemas.microsoft.com/office/drawing/2010/main">
+        <mc:Choice Requires="a14">
           <p:sp>
             <p:nvSpPr>
               <p:cNvPr id="6" name="TextBox 5">
@@ -7185,7 +7196,7 @@
             </p:txBody>
           </p:sp>
         </mc:Choice>
-        <mc:Fallback>
+        <mc:Fallback xmlns="">
           <p:sp>
             <p:nvSpPr>
               <p:cNvPr id="6" name="TextBox 5">
@@ -7230,8 +7241,8 @@
           </p:sp>
         </mc:Fallback>
       </mc:AlternateContent>
-      <mc:AlternateContent xmlns:mc="http://schemas.openxmlformats.org/markup-compatibility/2006">
-        <mc:Choice xmlns:a14="http://schemas.microsoft.com/office/drawing/2010/main" Requires="a14">
+      <mc:AlternateContent xmlns:mc="http://schemas.openxmlformats.org/markup-compatibility/2006" xmlns:a14="http://schemas.microsoft.com/office/drawing/2010/main">
+        <mc:Choice Requires="a14">
           <p:sp>
             <p:nvSpPr>
               <p:cNvPr id="7" name="TextBox 6">
@@ -7536,7 +7547,7 @@
             </p:txBody>
           </p:sp>
         </mc:Choice>
-        <mc:Fallback>
+        <mc:Fallback xmlns="">
           <p:sp>
             <p:nvSpPr>
               <p:cNvPr id="7" name="TextBox 6">
@@ -8719,8 +8730,8 @@
           </a:p>
         </p:txBody>
       </p:sp>
-      <mc:AlternateContent xmlns:mc="http://schemas.openxmlformats.org/markup-compatibility/2006">
-        <mc:Choice xmlns:a14="http://schemas.microsoft.com/office/drawing/2010/main" Requires="a14">
+      <mc:AlternateContent xmlns:mc="http://schemas.openxmlformats.org/markup-compatibility/2006" xmlns:a14="http://schemas.microsoft.com/office/drawing/2010/main">
+        <mc:Choice Requires="a14">
           <p:sp>
             <p:nvSpPr>
               <p:cNvPr id="5" name="TextBox 4">
@@ -8923,7 +8934,7 @@
             </p:txBody>
           </p:sp>
         </mc:Choice>
-        <mc:Fallback>
+        <mc:Fallback xmlns="">
           <p:sp>
             <p:nvSpPr>
               <p:cNvPr id="5" name="TextBox 4">
@@ -8968,8 +8979,8 @@
           </p:sp>
         </mc:Fallback>
       </mc:AlternateContent>
-      <mc:AlternateContent xmlns:mc="http://schemas.openxmlformats.org/markup-compatibility/2006">
-        <mc:Choice xmlns:a14="http://schemas.microsoft.com/office/drawing/2010/main" Requires="a14">
+      <mc:AlternateContent xmlns:mc="http://schemas.openxmlformats.org/markup-compatibility/2006" xmlns:a14="http://schemas.microsoft.com/office/drawing/2010/main">
+        <mc:Choice Requires="a14">
           <p:sp>
             <p:nvSpPr>
               <p:cNvPr id="6" name="TextBox 5">
@@ -9848,7 +9859,7 @@
             </p:txBody>
           </p:sp>
         </mc:Choice>
-        <mc:Fallback>
+        <mc:Fallback xmlns="">
           <p:sp>
             <p:nvSpPr>
               <p:cNvPr id="6" name="TextBox 5">
@@ -9893,8 +9904,8 @@
           </p:sp>
         </mc:Fallback>
       </mc:AlternateContent>
-      <mc:AlternateContent xmlns:mc="http://schemas.openxmlformats.org/markup-compatibility/2006">
-        <mc:Choice xmlns:a14="http://schemas.microsoft.com/office/drawing/2010/main" Requires="a14">
+      <mc:AlternateContent xmlns:mc="http://schemas.openxmlformats.org/markup-compatibility/2006" xmlns:a14="http://schemas.microsoft.com/office/drawing/2010/main">
+        <mc:Choice Requires="a14">
           <p:sp>
             <p:nvSpPr>
               <p:cNvPr id="7" name="TextBox 6">
@@ -10333,7 +10344,7 @@
             </p:txBody>
           </p:sp>
         </mc:Choice>
-        <mc:Fallback>
+        <mc:Fallback xmlns="">
           <p:sp>
             <p:nvSpPr>
               <p:cNvPr id="7" name="TextBox 6">
@@ -10426,8 +10437,8 @@
           </a:p>
         </p:txBody>
       </p:sp>
-      <mc:AlternateContent xmlns:mc="http://schemas.openxmlformats.org/markup-compatibility/2006">
-        <mc:Choice xmlns:a14="http://schemas.microsoft.com/office/drawing/2010/main" Requires="a14">
+      <mc:AlternateContent xmlns:mc="http://schemas.openxmlformats.org/markup-compatibility/2006" xmlns:a14="http://schemas.microsoft.com/office/drawing/2010/main">
+        <mc:Choice Requires="a14">
           <p:sp>
             <p:nvSpPr>
               <p:cNvPr id="12" name="TextBox 11">
@@ -10727,7 +10738,7 @@
             </p:txBody>
           </p:sp>
         </mc:Choice>
-        <mc:Fallback>
+        <mc:Fallback xmlns="">
           <p:sp>
             <p:nvSpPr>
               <p:cNvPr id="12" name="TextBox 11">
@@ -10772,8 +10783,8 @@
           </p:sp>
         </mc:Fallback>
       </mc:AlternateContent>
-      <mc:AlternateContent xmlns:mc="http://schemas.openxmlformats.org/markup-compatibility/2006">
-        <mc:Choice xmlns:a14="http://schemas.microsoft.com/office/drawing/2010/main" Requires="a14">
+      <mc:AlternateContent xmlns:mc="http://schemas.openxmlformats.org/markup-compatibility/2006" xmlns:a14="http://schemas.microsoft.com/office/drawing/2010/main">
+        <mc:Choice Requires="a14">
           <p:sp>
             <p:nvSpPr>
               <p:cNvPr id="14" name="TextBox 13">
@@ -10899,7 +10910,7 @@
             </p:txBody>
           </p:sp>
         </mc:Choice>
-        <mc:Fallback>
+        <mc:Fallback xmlns="">
           <p:sp>
             <p:nvSpPr>
               <p:cNvPr id="14" name="TextBox 13">
@@ -10982,8 +10993,8 @@
           </a:p>
         </p:txBody>
       </p:sp>
-      <mc:AlternateContent xmlns:mc="http://schemas.openxmlformats.org/markup-compatibility/2006">
-        <mc:Choice xmlns:a14="http://schemas.microsoft.com/office/drawing/2010/main" Requires="a14">
+      <mc:AlternateContent xmlns:mc="http://schemas.openxmlformats.org/markup-compatibility/2006" xmlns:a14="http://schemas.microsoft.com/office/drawing/2010/main">
+        <mc:Choice Requires="a14">
           <p:sp>
             <p:nvSpPr>
               <p:cNvPr id="16" name="TextBox 15">
@@ -11277,7 +11288,7 @@
             </p:txBody>
           </p:sp>
         </mc:Choice>
-        <mc:Fallback>
+        <mc:Fallback xmlns="">
           <p:sp>
             <p:nvSpPr>
               <p:cNvPr id="16" name="TextBox 15">
@@ -11322,8 +11333,8 @@
           </p:sp>
         </mc:Fallback>
       </mc:AlternateContent>
-      <mc:AlternateContent xmlns:mc="http://schemas.openxmlformats.org/markup-compatibility/2006">
-        <mc:Choice xmlns:a14="http://schemas.microsoft.com/office/drawing/2010/main" Requires="a14">
+      <mc:AlternateContent xmlns:mc="http://schemas.openxmlformats.org/markup-compatibility/2006" xmlns:a14="http://schemas.microsoft.com/office/drawing/2010/main">
+        <mc:Choice Requires="a14">
           <p:sp>
             <p:nvSpPr>
               <p:cNvPr id="18" name="TextBox 17">
@@ -11957,7 +11968,7 @@
             </p:txBody>
           </p:sp>
         </mc:Choice>
-        <mc:Fallback>
+        <mc:Fallback xmlns="">
           <p:sp>
             <p:nvSpPr>
               <p:cNvPr id="18" name="TextBox 17">
@@ -12121,8 +12132,8 @@
           </a:prstGeom>
         </p:spPr>
       </p:pic>
-      <mc:AlternateContent xmlns:mc="http://schemas.openxmlformats.org/markup-compatibility/2006">
-        <mc:Choice xmlns:a14="http://schemas.microsoft.com/office/drawing/2010/main" Requires="a14">
+      <mc:AlternateContent xmlns:mc="http://schemas.openxmlformats.org/markup-compatibility/2006" xmlns:a14="http://schemas.microsoft.com/office/drawing/2010/main">
+        <mc:Choice Requires="a14">
           <p:sp>
             <p:nvSpPr>
               <p:cNvPr id="5" name="TextBox 4">
@@ -12526,7 +12537,7 @@
             </p:txBody>
           </p:sp>
         </mc:Choice>
-        <mc:Fallback>
+        <mc:Fallback xmlns="">
           <p:sp>
             <p:nvSpPr>
               <p:cNvPr id="5" name="TextBox 4">
@@ -13132,8 +13143,8 @@
           </p:sp>
         </mc:Fallback>
       </mc:AlternateContent>
-      <mc:AlternateContent xmlns:mc="http://schemas.openxmlformats.org/markup-compatibility/2006">
-        <mc:Choice xmlns:a14="http://schemas.microsoft.com/office/drawing/2010/main" Requires="a14">
+      <mc:AlternateContent xmlns:mc="http://schemas.openxmlformats.org/markup-compatibility/2006" xmlns:a14="http://schemas.microsoft.com/office/drawing/2010/main">
+        <mc:Choice Requires="a14">
           <p:sp>
             <p:nvSpPr>
               <p:cNvPr id="7" name="TextBox 6">
@@ -13223,7 +13234,7 @@
             </p:txBody>
           </p:sp>
         </mc:Choice>
-        <mc:Fallback>
+        <mc:Fallback xmlns="">
           <p:sp>
             <p:nvSpPr>
               <p:cNvPr id="7" name="TextBox 6">
@@ -13268,8 +13279,8 @@
           </p:sp>
         </mc:Fallback>
       </mc:AlternateContent>
-      <mc:AlternateContent xmlns:mc="http://schemas.openxmlformats.org/markup-compatibility/2006">
-        <mc:Choice xmlns:a14="http://schemas.microsoft.com/office/drawing/2010/main" Requires="a14">
+      <mc:AlternateContent xmlns:mc="http://schemas.openxmlformats.org/markup-compatibility/2006" xmlns:a14="http://schemas.microsoft.com/office/drawing/2010/main">
+        <mc:Choice Requires="a14">
           <p:sp>
             <p:nvSpPr>
               <p:cNvPr id="8" name="TextBox 7">
@@ -13546,7 +13557,7 @@
             </p:txBody>
           </p:sp>
         </mc:Choice>
-        <mc:Fallback>
+        <mc:Fallback xmlns="">
           <p:sp>
             <p:nvSpPr>
               <p:cNvPr id="8" name="TextBox 7">
@@ -13621,8 +13632,8 @@
           </a:prstGeom>
         </p:spPr>
       </p:pic>
-      <mc:AlternateContent xmlns:mc="http://schemas.openxmlformats.org/markup-compatibility/2006">
-        <mc:Choice xmlns:a14="http://schemas.microsoft.com/office/drawing/2010/main" Requires="a14">
+      <mc:AlternateContent xmlns:mc="http://schemas.openxmlformats.org/markup-compatibility/2006" xmlns:a14="http://schemas.microsoft.com/office/drawing/2010/main">
+        <mc:Choice Requires="a14">
           <p:sp>
             <p:nvSpPr>
               <p:cNvPr id="10" name="TextBox 9">
@@ -14237,7 +14248,7 @@
             </p:txBody>
           </p:sp>
         </mc:Choice>
-        <mc:Fallback>
+        <mc:Fallback xmlns="">
           <p:sp>
             <p:nvSpPr>
               <p:cNvPr id="10" name="TextBox 9">
@@ -14484,6 +14495,14 @@
               <a:rPr lang="ru-RU" dirty="0"/>
               <a:t>Фототранзистор</a:t>
             </a:r>
+            <a:r>
+              <a:rPr lang="en-US" dirty="0"/>
+              <a:t> </a:t>
+            </a:r>
+            <a:r>
+              <a:rPr lang="ru-RU" dirty="0"/>
+              <a:t>и фотодиод</a:t>
+            </a:r>
           </a:p>
         </p:txBody>
       </p:sp>
@@ -14541,7 +14560,7 @@
         <p:spPr>
           <a:xfrm>
             <a:off x="1350842" y="1360866"/>
-            <a:ext cx="3705742" cy="2486372"/>
+            <a:ext cx="1907263" cy="1279680"/>
           </a:xfrm>
           <a:prstGeom prst="rect">
             <a:avLst/>
@@ -14570,8 +14589,8 @@
         </p:blipFill>
         <p:spPr>
           <a:xfrm>
-            <a:off x="6546912" y="1446603"/>
-            <a:ext cx="3343742" cy="2400635"/>
+            <a:off x="3129010" y="1180195"/>
+            <a:ext cx="2166340" cy="1555321"/>
           </a:xfrm>
           <a:prstGeom prst="rect">
             <a:avLst/>
@@ -14592,8 +14611,8 @@
         </p:nvSpPr>
         <p:spPr>
           <a:xfrm>
-            <a:off x="1577836" y="4336662"/>
-            <a:ext cx="8312818" cy="1289071"/>
+            <a:off x="889636" y="3287737"/>
+            <a:ext cx="4405714" cy="1669496"/>
           </a:xfrm>
           <a:prstGeom prst="rect">
             <a:avLst/>
@@ -14612,16 +14631,172 @@
               </a:lnSpc>
             </a:pPr>
             <a:r>
-              <a:rPr lang="ru-RU" sz="1800" dirty="0">
+              <a:rPr lang="ru-RU" sz="1400" dirty="0">
                 <a:solidFill>
                   <a:srgbClr val="000000"/>
                 </a:solidFill>
                 <a:effectLst/>
+                <a:latin typeface="Times New Roman" panose="02020603050405020304" pitchFamily="18" charset="0"/>
                 <a:ea typeface="Calibri" panose="020F0502020204030204" pitchFamily="34" charset="0"/>
-                <a:cs typeface="Calibri" panose="020F0502020204030204" pitchFamily="34" charset="0"/>
+                <a:cs typeface="Times New Roman" panose="02020603050405020304" pitchFamily="18" charset="0"/>
               </a:rPr>
               <a:t>Фототранзистор – оптоэлектронный полупроводниковый прибор, являющийся вариантом транзистора, за исключением того, что область базы доступна для светового излучения.</a:t>
             </a:r>
+          </a:p>
+        </p:txBody>
+      </p:sp>
+      <p:pic>
+        <p:nvPicPr>
+          <p:cNvPr id="8" name="Рисунок 7">
+            <a:extLst>
+              <a:ext uri="{FF2B5EF4-FFF2-40B4-BE49-F238E27FC236}">
+                <a16:creationId xmlns:a16="http://schemas.microsoft.com/office/drawing/2014/main" id="{BDEA7618-B2EA-4E64-99B3-3160B3B62455}"/>
+              </a:ext>
+            </a:extLst>
+          </p:cNvPr>
+          <p:cNvPicPr>
+            <a:picLocks noChangeAspect="1"/>
+          </p:cNvPicPr>
+          <p:nvPr/>
+        </p:nvPicPr>
+        <p:blipFill>
+          <a:blip r:embed="rId4"/>
+          <a:stretch>
+            <a:fillRect/>
+          </a:stretch>
+        </p:blipFill>
+        <p:spPr>
+          <a:xfrm>
+            <a:off x="6263319" y="1039400"/>
+            <a:ext cx="2124805" cy="1696116"/>
+          </a:xfrm>
+          <a:prstGeom prst="rect">
+            <a:avLst/>
+          </a:prstGeom>
+        </p:spPr>
+      </p:pic>
+      <p:pic>
+        <p:nvPicPr>
+          <p:cNvPr id="10" name="Рисунок 9">
+            <a:extLst>
+              <a:ext uri="{FF2B5EF4-FFF2-40B4-BE49-F238E27FC236}">
+                <a16:creationId xmlns:a16="http://schemas.microsoft.com/office/drawing/2014/main" id="{9A762F59-4513-483E-8BD0-6B28952DF32E}"/>
+              </a:ext>
+            </a:extLst>
+          </p:cNvPr>
+          <p:cNvPicPr>
+            <a:picLocks noChangeAspect="1"/>
+          </p:cNvPicPr>
+          <p:nvPr/>
+        </p:nvPicPr>
+        <p:blipFill>
+          <a:blip r:embed="rId5"/>
+          <a:stretch>
+            <a:fillRect/>
+          </a:stretch>
+        </p:blipFill>
+        <p:spPr>
+          <a:xfrm>
+            <a:off x="8732212" y="1196973"/>
+            <a:ext cx="2716277" cy="1538543"/>
+          </a:xfrm>
+          <a:prstGeom prst="rect">
+            <a:avLst/>
+          </a:prstGeom>
+        </p:spPr>
+      </p:pic>
+      <p:sp>
+        <p:nvSpPr>
+          <p:cNvPr id="11" name="TextBox 10">
+            <a:extLst>
+              <a:ext uri="{FF2B5EF4-FFF2-40B4-BE49-F238E27FC236}">
+                <a16:creationId xmlns:a16="http://schemas.microsoft.com/office/drawing/2014/main" id="{97E6FA26-C126-4612-93E3-AF4D3B980FA6}"/>
+              </a:ext>
+            </a:extLst>
+          </p:cNvPr>
+          <p:cNvSpPr txBox="1"/>
+          <p:nvPr/>
+        </p:nvSpPr>
+        <p:spPr>
+          <a:xfrm>
+            <a:off x="6896652" y="3534625"/>
+            <a:ext cx="4091034" cy="954107"/>
+          </a:xfrm>
+          <a:prstGeom prst="rect">
+            <a:avLst/>
+          </a:prstGeom>
+          <a:noFill/>
+        </p:spPr>
+        <p:txBody>
+          <a:bodyPr wrap="square">
+            <a:spAutoFit/>
+          </a:bodyPr>
+          <a:lstStyle/>
+          <a:p>
+            <a:r>
+              <a:rPr lang="ru-RU" sz="1400" dirty="0">
+                <a:solidFill>
+                  <a:srgbClr val="000000"/>
+                </a:solidFill>
+                <a:effectLst/>
+                <a:latin typeface="Times New Roman" panose="02020603050405020304" pitchFamily="18" charset="0"/>
+                <a:ea typeface="Calibri" panose="020F0502020204030204" pitchFamily="34" charset="0"/>
+                <a:cs typeface="Times New Roman" panose="02020603050405020304" pitchFamily="18" charset="0"/>
+              </a:rPr>
+              <a:t>Фотодиод – оптоэлектронный полупроводниковый прибор, преобразующий попавший на его фоточувствительную область свет в заряд за счет процессов, протекающих в </a:t>
+            </a:r>
+            <a:r>
+              <a:rPr lang="en-US" sz="1400" dirty="0">
+                <a:solidFill>
+                  <a:srgbClr val="000000"/>
+                </a:solidFill>
+                <a:effectLst/>
+                <a:latin typeface="Times New Roman" panose="02020603050405020304" pitchFamily="18" charset="0"/>
+                <a:ea typeface="Calibri" panose="020F0502020204030204" pitchFamily="34" charset="0"/>
+                <a:cs typeface="Times New Roman" panose="02020603050405020304" pitchFamily="18" charset="0"/>
+              </a:rPr>
+              <a:t>p</a:t>
+            </a:r>
+            <a:r>
+              <a:rPr lang="ru-RU" sz="1400" dirty="0">
+                <a:solidFill>
+                  <a:srgbClr val="000000"/>
+                </a:solidFill>
+                <a:effectLst/>
+                <a:latin typeface="Times New Roman" panose="02020603050405020304" pitchFamily="18" charset="0"/>
+                <a:ea typeface="Calibri" panose="020F0502020204030204" pitchFamily="34" charset="0"/>
+                <a:cs typeface="Times New Roman" panose="02020603050405020304" pitchFamily="18" charset="0"/>
+              </a:rPr>
+              <a:t>-</a:t>
+            </a:r>
+            <a:r>
+              <a:rPr lang="en-US" sz="1400" dirty="0">
+                <a:solidFill>
+                  <a:srgbClr val="000000"/>
+                </a:solidFill>
+                <a:effectLst/>
+                <a:latin typeface="Times New Roman" panose="02020603050405020304" pitchFamily="18" charset="0"/>
+                <a:ea typeface="Calibri" panose="020F0502020204030204" pitchFamily="34" charset="0"/>
+                <a:cs typeface="Times New Roman" panose="02020603050405020304" pitchFamily="18" charset="0"/>
+              </a:rPr>
+              <a:t>n </a:t>
+            </a:r>
+            <a:r>
+              <a:rPr lang="ru-RU" sz="1400" dirty="0">
+                <a:solidFill>
+                  <a:srgbClr val="000000"/>
+                </a:solidFill>
+                <a:effectLst/>
+                <a:latin typeface="Times New Roman" panose="02020603050405020304" pitchFamily="18" charset="0"/>
+                <a:ea typeface="Calibri" panose="020F0502020204030204" pitchFamily="34" charset="0"/>
+                <a:cs typeface="Times New Roman" panose="02020603050405020304" pitchFamily="18" charset="0"/>
+              </a:rPr>
+              <a:t>переходе. </a:t>
+            </a:r>
+            <a:endParaRPr lang="ru-RU" sz="1400" dirty="0">
+              <a:latin typeface="Times New Roman" panose="02020603050405020304" pitchFamily="18" charset="0"/>
+              <a:cs typeface="Times New Roman" panose="02020603050405020304" pitchFamily="18" charset="0"/>
+            </a:endParaRPr>
           </a:p>
         </p:txBody>
       </p:sp>
@@ -14639,242 +14814,6 @@
 </file>
 
 <file path=ppt/slides/slide17.xml><?xml version="1.0" encoding="utf-8"?>
-<p:sld xmlns:a="http://schemas.openxmlformats.org/drawingml/2006/main" xmlns:r="http://schemas.openxmlformats.org/officeDocument/2006/relationships" xmlns:p="http://schemas.openxmlformats.org/presentationml/2006/main">
-  <p:cSld>
-    <p:spTree>
-      <p:nvGrpSpPr>
-        <p:cNvPr id="1" name=""/>
-        <p:cNvGrpSpPr/>
-        <p:nvPr/>
-      </p:nvGrpSpPr>
-      <p:grpSpPr>
-        <a:xfrm>
-          <a:off x="0" y="0"/>
-          <a:ext cx="0" cy="0"/>
-          <a:chOff x="0" y="0"/>
-          <a:chExt cx="0" cy="0"/>
-        </a:xfrm>
-      </p:grpSpPr>
-      <p:sp>
-        <p:nvSpPr>
-          <p:cNvPr id="2" name="Заголовок 1">
-            <a:extLst>
-              <a:ext uri="{FF2B5EF4-FFF2-40B4-BE49-F238E27FC236}">
-                <a16:creationId xmlns:a16="http://schemas.microsoft.com/office/drawing/2014/main" id="{2C6DEF55-0F96-4218-7697-7A160E57134B}"/>
-              </a:ext>
-            </a:extLst>
-          </p:cNvPr>
-          <p:cNvSpPr>
-            <a:spLocks noGrp="1"/>
-          </p:cNvSpPr>
-          <p:nvPr>
-            <p:ph type="title"/>
-          </p:nvPr>
-        </p:nvSpPr>
-        <p:spPr/>
-        <p:txBody>
-          <a:bodyPr/>
-          <a:lstStyle/>
-          <a:p>
-            <a:r>
-              <a:rPr lang="ru-RU" dirty="0"/>
-              <a:t>Фотодиод</a:t>
-            </a:r>
-          </a:p>
-        </p:txBody>
-      </p:sp>
-      <p:sp>
-        <p:nvSpPr>
-          <p:cNvPr id="3" name="Номер слайда 2">
-            <a:extLst>
-              <a:ext uri="{FF2B5EF4-FFF2-40B4-BE49-F238E27FC236}">
-                <a16:creationId xmlns:a16="http://schemas.microsoft.com/office/drawing/2014/main" id="{E69B45AA-22FF-474F-B133-EEC00286B2F0}"/>
-              </a:ext>
-            </a:extLst>
-          </p:cNvPr>
-          <p:cNvSpPr>
-            <a:spLocks noGrp="1"/>
-          </p:cNvSpPr>
-          <p:nvPr>
-            <p:ph type="sldNum" sz="quarter" idx="12"/>
-          </p:nvPr>
-        </p:nvSpPr>
-        <p:spPr/>
-        <p:txBody>
-          <a:bodyPr/>
-          <a:lstStyle/>
-          <a:p>
-            <a:pPr>
-              <a:defRPr/>
-            </a:pPr>
-            <a:r>
-              <a:rPr lang="ru-RU" dirty="0"/>
-              <a:t>17</a:t>
-            </a:r>
-          </a:p>
-        </p:txBody>
-      </p:sp>
-      <p:pic>
-        <p:nvPicPr>
-          <p:cNvPr id="6" name="Рисунок 5">
-            <a:extLst>
-              <a:ext uri="{FF2B5EF4-FFF2-40B4-BE49-F238E27FC236}">
-                <a16:creationId xmlns:a16="http://schemas.microsoft.com/office/drawing/2014/main" id="{D4160478-46C2-4D8F-B6EA-8702C6BA42A3}"/>
-              </a:ext>
-            </a:extLst>
-          </p:cNvPr>
-          <p:cNvPicPr>
-            <a:picLocks noChangeAspect="1"/>
-          </p:cNvPicPr>
-          <p:nvPr/>
-        </p:nvPicPr>
-        <p:blipFill>
-          <a:blip r:embed="rId2"/>
-          <a:stretch>
-            <a:fillRect/>
-          </a:stretch>
-        </p:blipFill>
-        <p:spPr>
-          <a:xfrm>
-            <a:off x="1362845" y="1353403"/>
-            <a:ext cx="3258005" cy="2600688"/>
-          </a:xfrm>
-          <a:prstGeom prst="rect">
-            <a:avLst/>
-          </a:prstGeom>
-        </p:spPr>
-      </p:pic>
-      <p:pic>
-        <p:nvPicPr>
-          <p:cNvPr id="10" name="Рисунок 9">
-            <a:extLst>
-              <a:ext uri="{FF2B5EF4-FFF2-40B4-BE49-F238E27FC236}">
-                <a16:creationId xmlns:a16="http://schemas.microsoft.com/office/drawing/2014/main" id="{1414AD0F-1B95-40A0-8A54-D70713302BBA}"/>
-              </a:ext>
-            </a:extLst>
-          </p:cNvPr>
-          <p:cNvPicPr>
-            <a:picLocks noChangeAspect="1"/>
-          </p:cNvPicPr>
-          <p:nvPr/>
-        </p:nvPicPr>
-        <p:blipFill>
-          <a:blip r:embed="rId3"/>
-          <a:stretch>
-            <a:fillRect/>
-          </a:stretch>
-        </p:blipFill>
-        <p:spPr>
-          <a:xfrm>
-            <a:off x="7028150" y="1577272"/>
-            <a:ext cx="3801005" cy="2152950"/>
-          </a:xfrm>
-          <a:prstGeom prst="rect">
-            <a:avLst/>
-          </a:prstGeom>
-        </p:spPr>
-      </p:pic>
-      <p:sp>
-        <p:nvSpPr>
-          <p:cNvPr id="12" name="TextBox 11">
-            <a:extLst>
-              <a:ext uri="{FF2B5EF4-FFF2-40B4-BE49-F238E27FC236}">
-                <a16:creationId xmlns:a16="http://schemas.microsoft.com/office/drawing/2014/main" id="{662D271E-86CB-4E61-B982-1E5874FE8D56}"/>
-              </a:ext>
-            </a:extLst>
-          </p:cNvPr>
-          <p:cNvSpPr txBox="1"/>
-          <p:nvPr/>
-        </p:nvSpPr>
-        <p:spPr>
-          <a:xfrm>
-            <a:off x="3178035" y="4588062"/>
-            <a:ext cx="6502677" cy="923330"/>
-          </a:xfrm>
-          <a:prstGeom prst="rect">
-            <a:avLst/>
-          </a:prstGeom>
-          <a:noFill/>
-        </p:spPr>
-        <p:txBody>
-          <a:bodyPr wrap="square">
-            <a:spAutoFit/>
-          </a:bodyPr>
-          <a:lstStyle/>
-          <a:p>
-            <a:r>
-              <a:rPr lang="ru-RU" sz="1800" dirty="0">
-                <a:solidFill>
-                  <a:srgbClr val="000000"/>
-                </a:solidFill>
-                <a:effectLst/>
-                <a:ea typeface="Calibri" panose="020F0502020204030204" pitchFamily="34" charset="0"/>
-                <a:cs typeface="Calibri" panose="020F0502020204030204" pitchFamily="34" charset="0"/>
-              </a:rPr>
-              <a:t>Фотодиод – оптоэлектронный полупроводниковый прибор, преобразующий попавший на его фоточувствительную область свет в заряд за счет процессов, протекающих в </a:t>
-            </a:r>
-            <a:r>
-              <a:rPr lang="en-US" sz="1800" dirty="0">
-                <a:solidFill>
-                  <a:srgbClr val="000000"/>
-                </a:solidFill>
-                <a:effectLst/>
-                <a:ea typeface="Calibri" panose="020F0502020204030204" pitchFamily="34" charset="0"/>
-                <a:cs typeface="Calibri" panose="020F0502020204030204" pitchFamily="34" charset="0"/>
-              </a:rPr>
-              <a:t>p</a:t>
-            </a:r>
-            <a:r>
-              <a:rPr lang="ru-RU" sz="1800" dirty="0">
-                <a:solidFill>
-                  <a:srgbClr val="000000"/>
-                </a:solidFill>
-                <a:effectLst/>
-                <a:ea typeface="Calibri" panose="020F0502020204030204" pitchFamily="34" charset="0"/>
-                <a:cs typeface="Calibri" panose="020F0502020204030204" pitchFamily="34" charset="0"/>
-              </a:rPr>
-              <a:t>-</a:t>
-            </a:r>
-            <a:r>
-              <a:rPr lang="en-US" sz="1800" dirty="0">
-                <a:solidFill>
-                  <a:srgbClr val="000000"/>
-                </a:solidFill>
-                <a:effectLst/>
-                <a:ea typeface="Calibri" panose="020F0502020204030204" pitchFamily="34" charset="0"/>
-                <a:cs typeface="Calibri" panose="020F0502020204030204" pitchFamily="34" charset="0"/>
-              </a:rPr>
-              <a:t>n </a:t>
-            </a:r>
-            <a:r>
-              <a:rPr lang="ru-RU" sz="1800" dirty="0">
-                <a:solidFill>
-                  <a:srgbClr val="000000"/>
-                </a:solidFill>
-                <a:effectLst/>
-                <a:ea typeface="Calibri" panose="020F0502020204030204" pitchFamily="34" charset="0"/>
-                <a:cs typeface="Calibri" panose="020F0502020204030204" pitchFamily="34" charset="0"/>
-              </a:rPr>
-              <a:t>переходе. </a:t>
-            </a:r>
-            <a:endParaRPr lang="ru-RU" dirty="0"/>
-          </a:p>
-        </p:txBody>
-      </p:sp>
-    </p:spTree>
-    <p:extLst>
-      <p:ext uri="{BB962C8B-B14F-4D97-AF65-F5344CB8AC3E}">
-        <p14:creationId xmlns:p14="http://schemas.microsoft.com/office/powerpoint/2010/main" val="2027007530"/>
-      </p:ext>
-    </p:extLst>
-  </p:cSld>
-  <p:clrMapOvr>
-    <a:masterClrMapping/>
-  </p:clrMapOvr>
-</p:sld>
-</file>
-
-<file path=ppt/slides/slide18.xml><?xml version="1.0" encoding="utf-8"?>
 <p:sld xmlns:a="http://schemas.openxmlformats.org/drawingml/2006/main" xmlns:r="http://schemas.openxmlformats.org/officeDocument/2006/relationships" xmlns:p="http://schemas.openxmlformats.org/presentationml/2006/main">
   <p:cSld>
     <p:spTree>
@@ -14949,7 +14888,7 @@
             </a:r>
             <a:r>
               <a:rPr lang="ru-RU" dirty="0"/>
-              <a:t>8</a:t>
+              <a:t>7</a:t>
             </a:r>
           </a:p>
         </p:txBody>
@@ -15027,7 +14966,7 @@
 </p:sld>
 </file>
 
-<file path=ppt/slides/slide19.xml><?xml version="1.0" encoding="utf-8"?>
+<file path=ppt/slides/slide18.xml><?xml version="1.0" encoding="utf-8"?>
 <p:sld xmlns:a="http://schemas.openxmlformats.org/drawingml/2006/main" xmlns:r="http://schemas.openxmlformats.org/officeDocument/2006/relationships" xmlns:p="http://schemas.openxmlformats.org/presentationml/2006/main">
   <p:cSld>
     <p:spTree>
@@ -15098,7 +15037,7 @@
             </a:pPr>
             <a:r>
               <a:rPr lang="ru-RU" dirty="0"/>
-              <a:t>19</a:t>
+              <a:t>18</a:t>
             </a:r>
           </a:p>
         </p:txBody>
@@ -15146,440 +15085,7 @@
 </p:sld>
 </file>
 
-<file path=ppt/slides/slide2.xml><?xml version="1.0" encoding="utf-8"?>
-<p:sld xmlns:a="http://schemas.openxmlformats.org/drawingml/2006/main" xmlns:r="http://schemas.openxmlformats.org/officeDocument/2006/relationships" xmlns:p="http://schemas.openxmlformats.org/presentationml/2006/main">
-  <p:cSld>
-    <p:spTree>
-      <p:nvGrpSpPr>
-        <p:cNvPr id="1" name=""/>
-        <p:cNvGrpSpPr/>
-        <p:nvPr/>
-      </p:nvGrpSpPr>
-      <p:grpSpPr>
-        <a:xfrm>
-          <a:off x="0" y="0"/>
-          <a:ext cx="0" cy="0"/>
-          <a:chOff x="0" y="0"/>
-          <a:chExt cx="0" cy="0"/>
-        </a:xfrm>
-      </p:grpSpPr>
-      <p:sp>
-        <p:nvSpPr>
-          <p:cNvPr id="2" name="Заголовок 1">
-            <a:extLst>
-              <a:ext uri="{FF2B5EF4-FFF2-40B4-BE49-F238E27FC236}">
-                <a16:creationId xmlns:a16="http://schemas.microsoft.com/office/drawing/2014/main" id="{2C6DEF55-0F96-4218-7697-7A160E57134B}"/>
-              </a:ext>
-            </a:extLst>
-          </p:cNvPr>
-          <p:cNvSpPr>
-            <a:spLocks noGrp="1"/>
-          </p:cNvSpPr>
-          <p:nvPr>
-            <p:ph type="title"/>
-          </p:nvPr>
-        </p:nvSpPr>
-        <p:spPr/>
-        <p:txBody>
-          <a:bodyPr/>
-          <a:lstStyle/>
-          <a:p>
-            <a:r>
-              <a:rPr lang="ru-RU" dirty="0"/>
-              <a:t>Цели и задачи исследования</a:t>
-            </a:r>
-          </a:p>
-        </p:txBody>
-      </p:sp>
-      <p:sp>
-        <p:nvSpPr>
-          <p:cNvPr id="3" name="Номер слайда 2">
-            <a:extLst>
-              <a:ext uri="{FF2B5EF4-FFF2-40B4-BE49-F238E27FC236}">
-                <a16:creationId xmlns:a16="http://schemas.microsoft.com/office/drawing/2014/main" id="{E69B45AA-22FF-474F-B133-EEC00286B2F0}"/>
-              </a:ext>
-            </a:extLst>
-          </p:cNvPr>
-          <p:cNvSpPr>
-            <a:spLocks noGrp="1"/>
-          </p:cNvSpPr>
-          <p:nvPr>
-            <p:ph type="sldNum" sz="quarter" idx="12"/>
-          </p:nvPr>
-        </p:nvSpPr>
-        <p:spPr/>
-        <p:txBody>
-          <a:bodyPr/>
-          <a:lstStyle/>
-          <a:p>
-            <a:pPr>
-              <a:defRPr/>
-            </a:pPr>
-            <a:r>
-              <a:rPr lang="ru-RU" dirty="0"/>
-              <a:t>2</a:t>
-            </a:r>
-          </a:p>
-        </p:txBody>
-      </p:sp>
-      <p:sp>
-        <p:nvSpPr>
-          <p:cNvPr id="4" name="TextBox 3">
-            <a:extLst>
-              <a:ext uri="{FF2B5EF4-FFF2-40B4-BE49-F238E27FC236}">
-                <a16:creationId xmlns:a16="http://schemas.microsoft.com/office/drawing/2014/main" id="{01A1A82E-7D9E-4F57-878E-C899EAE9BE04}"/>
-              </a:ext>
-            </a:extLst>
-          </p:cNvPr>
-          <p:cNvSpPr txBox="1"/>
-          <p:nvPr/>
-        </p:nvSpPr>
-        <p:spPr>
-          <a:xfrm>
-            <a:off x="959165" y="1626202"/>
-            <a:ext cx="10756624" cy="923330"/>
-          </a:xfrm>
-          <a:prstGeom prst="rect">
-            <a:avLst/>
-          </a:prstGeom>
-          <a:noFill/>
-        </p:spPr>
-        <p:txBody>
-          <a:bodyPr wrap="square">
-            <a:spAutoFit/>
-          </a:bodyPr>
-          <a:lstStyle/>
-          <a:p>
-            <a:pPr algn="just"/>
-            <a:r>
-              <a:rPr lang="ru-RU" sz="1800" b="1" dirty="0">
-                <a:cs typeface="Times New Roman" panose="02020603050405020304" pitchFamily="18" charset="0"/>
-              </a:rPr>
-              <a:t>Целью</a:t>
-            </a:r>
-            <a:r>
-              <a:rPr lang="ru-RU" sz="1800" dirty="0">
-                <a:cs typeface="Times New Roman" panose="02020603050405020304" pitchFamily="18" charset="0"/>
-              </a:rPr>
-              <a:t> исследования является решение задачи многокритериальной оптимизации параметров системы передачи энергии лазерным лучом в инфракрасном диапазоне для повышения  коэффициента полезного действия (КПД)</a:t>
-            </a:r>
-          </a:p>
-        </p:txBody>
-      </p:sp>
-      <p:sp>
-        <p:nvSpPr>
-          <p:cNvPr id="5" name="TextBox 4">
-            <a:extLst>
-              <a:ext uri="{FF2B5EF4-FFF2-40B4-BE49-F238E27FC236}">
-                <a16:creationId xmlns:a16="http://schemas.microsoft.com/office/drawing/2014/main" id="{52DB5EDE-E9FF-4A0A-A77B-790966363049}"/>
-              </a:ext>
-            </a:extLst>
-          </p:cNvPr>
-          <p:cNvSpPr txBox="1"/>
-          <p:nvPr/>
-        </p:nvSpPr>
-        <p:spPr>
-          <a:xfrm>
-            <a:off x="959165" y="2611447"/>
-            <a:ext cx="2610586" cy="400110"/>
-          </a:xfrm>
-          <a:prstGeom prst="rect">
-            <a:avLst/>
-          </a:prstGeom>
-          <a:noFill/>
-        </p:spPr>
-        <p:txBody>
-          <a:bodyPr wrap="none" rtlCol="0">
-            <a:spAutoFit/>
-          </a:bodyPr>
-          <a:lstStyle/>
-          <a:p>
-            <a:r>
-              <a:rPr lang="ru-RU" sz="2000" b="1" dirty="0">
-                <a:cs typeface="Times New Roman" panose="02020603050405020304" pitchFamily="18" charset="0"/>
-              </a:rPr>
-              <a:t>Задачи</a:t>
-            </a:r>
-            <a:r>
-              <a:rPr lang="ru-RU" sz="2000" dirty="0">
-                <a:cs typeface="Times New Roman" panose="02020603050405020304" pitchFamily="18" charset="0"/>
-              </a:rPr>
-              <a:t> исследования:</a:t>
-            </a:r>
-          </a:p>
-        </p:txBody>
-      </p:sp>
-      <p:sp>
-        <p:nvSpPr>
-          <p:cNvPr id="6" name="TextBox 5">
-            <a:extLst>
-              <a:ext uri="{FF2B5EF4-FFF2-40B4-BE49-F238E27FC236}">
-                <a16:creationId xmlns:a16="http://schemas.microsoft.com/office/drawing/2014/main" id="{F00B1DC0-48F3-44B0-89E0-27865551F663}"/>
-              </a:ext>
-            </a:extLst>
-          </p:cNvPr>
-          <p:cNvSpPr txBox="1"/>
-          <p:nvPr/>
-        </p:nvSpPr>
-        <p:spPr>
-          <a:xfrm>
-            <a:off x="1353268" y="3069674"/>
-            <a:ext cx="13903036" cy="646331"/>
-          </a:xfrm>
-          <a:prstGeom prst="rect">
-            <a:avLst/>
-          </a:prstGeom>
-          <a:noFill/>
-        </p:spPr>
-        <p:txBody>
-          <a:bodyPr wrap="square">
-            <a:spAutoFit/>
-          </a:bodyPr>
-          <a:lstStyle/>
-          <a:p>
-            <a:r>
-              <a:rPr lang="en-US" dirty="0">
-                <a:cs typeface="Times New Roman" panose="02020603050405020304" pitchFamily="18" charset="0"/>
-              </a:rPr>
-              <a:t>1) </a:t>
-            </a:r>
-            <a:r>
-              <a:rPr lang="ru-RU" dirty="0">
-                <a:cs typeface="Times New Roman" panose="02020603050405020304" pitchFamily="18" charset="0"/>
-              </a:rPr>
-              <a:t>Проанализировать современные методы и принципы передачи энергии лазерным лучом</a:t>
-            </a:r>
-            <a:r>
-              <a:rPr lang="en-US" dirty="0">
-                <a:cs typeface="Times New Roman" panose="02020603050405020304" pitchFamily="18" charset="0"/>
-              </a:rPr>
-              <a:t> </a:t>
-            </a:r>
-          </a:p>
-          <a:p>
-            <a:r>
-              <a:rPr lang="en-US" dirty="0">
-                <a:cs typeface="Times New Roman" panose="02020603050405020304" pitchFamily="18" charset="0"/>
-              </a:rPr>
-              <a:t>    </a:t>
-            </a:r>
-            <a:r>
-              <a:rPr lang="ru-RU" dirty="0">
-                <a:cs typeface="Times New Roman" panose="02020603050405020304" pitchFamily="18" charset="0"/>
-              </a:rPr>
-              <a:t>с учетом влияния атмосферных эффектов</a:t>
-            </a:r>
-            <a:endParaRPr lang="en-US" dirty="0">
-              <a:cs typeface="Times New Roman" panose="02020603050405020304" pitchFamily="18" charset="0"/>
-            </a:endParaRPr>
-          </a:p>
-        </p:txBody>
-      </p:sp>
-      <p:sp>
-        <p:nvSpPr>
-          <p:cNvPr id="7" name="TextBox 6">
-            <a:extLst>
-              <a:ext uri="{FF2B5EF4-FFF2-40B4-BE49-F238E27FC236}">
-                <a16:creationId xmlns:a16="http://schemas.microsoft.com/office/drawing/2014/main" id="{9AB31E3F-DA11-485D-BADB-4248AC8F0FF8}"/>
-              </a:ext>
-            </a:extLst>
-          </p:cNvPr>
-          <p:cNvSpPr txBox="1"/>
-          <p:nvPr/>
-        </p:nvSpPr>
-        <p:spPr>
-          <a:xfrm>
-            <a:off x="1353268" y="3682261"/>
-            <a:ext cx="13903036" cy="369332"/>
-          </a:xfrm>
-          <a:prstGeom prst="rect">
-            <a:avLst/>
-          </a:prstGeom>
-          <a:noFill/>
-        </p:spPr>
-        <p:txBody>
-          <a:bodyPr wrap="square">
-            <a:spAutoFit/>
-          </a:bodyPr>
-          <a:lstStyle/>
-          <a:p>
-            <a:r>
-              <a:rPr lang="en-US" dirty="0">
-                <a:cs typeface="Times New Roman" panose="02020603050405020304" pitchFamily="18" charset="0"/>
-              </a:rPr>
-              <a:t>2) </a:t>
-            </a:r>
-            <a:r>
-              <a:rPr lang="ru-RU" dirty="0">
-                <a:cs typeface="Times New Roman" panose="02020603050405020304" pitchFamily="18" charset="0"/>
-              </a:rPr>
-              <a:t>Провести анализ рынка систем лазерной передачи энергии</a:t>
-            </a:r>
-            <a:endParaRPr lang="en-US" dirty="0">
-              <a:cs typeface="Times New Roman" panose="02020603050405020304" pitchFamily="18" charset="0"/>
-            </a:endParaRPr>
-          </a:p>
-        </p:txBody>
-      </p:sp>
-      <p:sp>
-        <p:nvSpPr>
-          <p:cNvPr id="8" name="TextBox 7">
-            <a:extLst>
-              <a:ext uri="{FF2B5EF4-FFF2-40B4-BE49-F238E27FC236}">
-                <a16:creationId xmlns:a16="http://schemas.microsoft.com/office/drawing/2014/main" id="{4016FAD3-2BA8-4A4F-A1E3-DB4B0CB85C97}"/>
-              </a:ext>
-            </a:extLst>
-          </p:cNvPr>
-          <p:cNvSpPr txBox="1"/>
-          <p:nvPr/>
-        </p:nvSpPr>
-        <p:spPr>
-          <a:xfrm>
-            <a:off x="1353268" y="4108797"/>
-            <a:ext cx="13903036" cy="369332"/>
-          </a:xfrm>
-          <a:prstGeom prst="rect">
-            <a:avLst/>
-          </a:prstGeom>
-          <a:noFill/>
-        </p:spPr>
-        <p:txBody>
-          <a:bodyPr wrap="square">
-            <a:spAutoFit/>
-          </a:bodyPr>
-          <a:lstStyle/>
-          <a:p>
-            <a:r>
-              <a:rPr lang="en-US" dirty="0">
-                <a:cs typeface="Times New Roman" panose="02020603050405020304" pitchFamily="18" charset="0"/>
-              </a:rPr>
-              <a:t>3) </a:t>
-            </a:r>
-            <a:r>
-              <a:rPr lang="ru-RU" dirty="0">
-                <a:cs typeface="Times New Roman" panose="02020603050405020304" pitchFamily="18" charset="0"/>
-              </a:rPr>
-              <a:t>Исследовать влияние внутренних параметров системы и внешних факторов</a:t>
-            </a:r>
-            <a:r>
-              <a:rPr lang="en-US" dirty="0">
-                <a:cs typeface="Times New Roman" panose="02020603050405020304" pitchFamily="18" charset="0"/>
-              </a:rPr>
-              <a:t> </a:t>
-            </a:r>
-            <a:r>
-              <a:rPr lang="ru-RU" dirty="0">
-                <a:cs typeface="Times New Roman" panose="02020603050405020304" pitchFamily="18" charset="0"/>
-              </a:rPr>
-              <a:t>на КПД и потери энергии</a:t>
-            </a:r>
-          </a:p>
-        </p:txBody>
-      </p:sp>
-      <p:sp>
-        <p:nvSpPr>
-          <p:cNvPr id="9" name="TextBox 8">
-            <a:extLst>
-              <a:ext uri="{FF2B5EF4-FFF2-40B4-BE49-F238E27FC236}">
-                <a16:creationId xmlns:a16="http://schemas.microsoft.com/office/drawing/2014/main" id="{3E03718A-EF8C-4BFE-B779-59B9692E5108}"/>
-              </a:ext>
-            </a:extLst>
-          </p:cNvPr>
-          <p:cNvSpPr txBox="1"/>
-          <p:nvPr/>
-        </p:nvSpPr>
-        <p:spPr>
-          <a:xfrm>
-            <a:off x="1353268" y="4515457"/>
-            <a:ext cx="13903036" cy="646331"/>
-          </a:xfrm>
-          <a:prstGeom prst="rect">
-            <a:avLst/>
-          </a:prstGeom>
-          <a:noFill/>
-        </p:spPr>
-        <p:txBody>
-          <a:bodyPr wrap="square">
-            <a:spAutoFit/>
-          </a:bodyPr>
-          <a:lstStyle/>
-          <a:p>
-            <a:r>
-              <a:rPr lang="ru-RU" dirty="0">
-                <a:cs typeface="Times New Roman" panose="02020603050405020304" pitchFamily="18" charset="0"/>
-              </a:rPr>
-              <a:t>4) Решить задачу многокритериальной оптимизации, включающую целевые функции </a:t>
-            </a:r>
-          </a:p>
-          <a:p>
-            <a:r>
-              <a:rPr lang="ru-RU" dirty="0">
-                <a:cs typeface="Times New Roman" panose="02020603050405020304" pitchFamily="18" charset="0"/>
-              </a:rPr>
-              <a:t>     для максимизации КПД и минимизации потерь</a:t>
-            </a:r>
-          </a:p>
-        </p:txBody>
-      </p:sp>
-      <p:sp>
-        <p:nvSpPr>
-          <p:cNvPr id="10" name="TextBox 9">
-            <a:extLst>
-              <a:ext uri="{FF2B5EF4-FFF2-40B4-BE49-F238E27FC236}">
-                <a16:creationId xmlns:a16="http://schemas.microsoft.com/office/drawing/2014/main" id="{308B1549-645D-4220-AFC3-0444A83EBC36}"/>
-              </a:ext>
-            </a:extLst>
-          </p:cNvPr>
-          <p:cNvSpPr txBox="1"/>
-          <p:nvPr/>
-        </p:nvSpPr>
-        <p:spPr>
-          <a:xfrm>
-            <a:off x="1353268" y="5111210"/>
-            <a:ext cx="13903036" cy="646331"/>
-          </a:xfrm>
-          <a:prstGeom prst="rect">
-            <a:avLst/>
-          </a:prstGeom>
-          <a:noFill/>
-        </p:spPr>
-        <p:txBody>
-          <a:bodyPr wrap="square">
-            <a:spAutoFit/>
-          </a:bodyPr>
-          <a:lstStyle/>
-          <a:p>
-            <a:r>
-              <a:rPr lang="ru-RU" dirty="0">
-                <a:cs typeface="Times New Roman" panose="02020603050405020304" pitchFamily="18" charset="0"/>
-              </a:rPr>
-              <a:t>5) Провести численное моделирование для получения набора Парето-оптимальных решений, </a:t>
-            </a:r>
-          </a:p>
-          <a:p>
-            <a:r>
-              <a:rPr lang="ru-RU" dirty="0">
-                <a:cs typeface="Times New Roman" panose="02020603050405020304" pitchFamily="18" charset="0"/>
-              </a:rPr>
-              <a:t>     определяющих компромисс между максимизацией КПД и минимизацией потерь</a:t>
-            </a:r>
-          </a:p>
-        </p:txBody>
-      </p:sp>
-    </p:spTree>
-    <p:extLst>
-      <p:ext uri="{BB962C8B-B14F-4D97-AF65-F5344CB8AC3E}">
-        <p14:creationId xmlns:p14="http://schemas.microsoft.com/office/powerpoint/2010/main" val="4137105769"/>
-      </p:ext>
-    </p:extLst>
-  </p:cSld>
-  <p:clrMapOvr>
-    <a:masterClrMapping/>
-  </p:clrMapOvr>
-</p:sld>
-</file>
-
-<file path=ppt/slides/slide20.xml><?xml version="1.0" encoding="utf-8"?>
+<file path=ppt/slides/slide19.xml><?xml version="1.0" encoding="utf-8"?>
 <p:sld xmlns:a="http://schemas.openxmlformats.org/drawingml/2006/main" xmlns:r="http://schemas.openxmlformats.org/officeDocument/2006/relationships" xmlns:p="http://schemas.openxmlformats.org/presentationml/2006/main">
   <p:cSld>
     <p:spTree>
@@ -15650,7 +15156,7 @@
             </a:pPr>
             <a:r>
               <a:rPr lang="ru-RU" dirty="0"/>
-              <a:t>20</a:t>
+              <a:t>19</a:t>
             </a:r>
           </a:p>
         </p:txBody>
@@ -16536,7 +16042,440 @@
 </p:sld>
 </file>
 
-<file path=ppt/slides/slide21.xml><?xml version="1.0" encoding="utf-8"?>
+<file path=ppt/slides/slide2.xml><?xml version="1.0" encoding="utf-8"?>
+<p:sld xmlns:a="http://schemas.openxmlformats.org/drawingml/2006/main" xmlns:r="http://schemas.openxmlformats.org/officeDocument/2006/relationships" xmlns:p="http://schemas.openxmlformats.org/presentationml/2006/main">
+  <p:cSld>
+    <p:spTree>
+      <p:nvGrpSpPr>
+        <p:cNvPr id="1" name=""/>
+        <p:cNvGrpSpPr/>
+        <p:nvPr/>
+      </p:nvGrpSpPr>
+      <p:grpSpPr>
+        <a:xfrm>
+          <a:off x="0" y="0"/>
+          <a:ext cx="0" cy="0"/>
+          <a:chOff x="0" y="0"/>
+          <a:chExt cx="0" cy="0"/>
+        </a:xfrm>
+      </p:grpSpPr>
+      <p:sp>
+        <p:nvSpPr>
+          <p:cNvPr id="2" name="Заголовок 1">
+            <a:extLst>
+              <a:ext uri="{FF2B5EF4-FFF2-40B4-BE49-F238E27FC236}">
+                <a16:creationId xmlns:a16="http://schemas.microsoft.com/office/drawing/2014/main" id="{2C6DEF55-0F96-4218-7697-7A160E57134B}"/>
+              </a:ext>
+            </a:extLst>
+          </p:cNvPr>
+          <p:cNvSpPr>
+            <a:spLocks noGrp="1"/>
+          </p:cNvSpPr>
+          <p:nvPr>
+            <p:ph type="title"/>
+          </p:nvPr>
+        </p:nvSpPr>
+        <p:spPr/>
+        <p:txBody>
+          <a:bodyPr/>
+          <a:lstStyle/>
+          <a:p>
+            <a:r>
+              <a:rPr lang="ru-RU" dirty="0"/>
+              <a:t>Цели и задачи исследования</a:t>
+            </a:r>
+          </a:p>
+        </p:txBody>
+      </p:sp>
+      <p:sp>
+        <p:nvSpPr>
+          <p:cNvPr id="3" name="Номер слайда 2">
+            <a:extLst>
+              <a:ext uri="{FF2B5EF4-FFF2-40B4-BE49-F238E27FC236}">
+                <a16:creationId xmlns:a16="http://schemas.microsoft.com/office/drawing/2014/main" id="{E69B45AA-22FF-474F-B133-EEC00286B2F0}"/>
+              </a:ext>
+            </a:extLst>
+          </p:cNvPr>
+          <p:cNvSpPr>
+            <a:spLocks noGrp="1"/>
+          </p:cNvSpPr>
+          <p:nvPr>
+            <p:ph type="sldNum" sz="quarter" idx="12"/>
+          </p:nvPr>
+        </p:nvSpPr>
+        <p:spPr/>
+        <p:txBody>
+          <a:bodyPr/>
+          <a:lstStyle/>
+          <a:p>
+            <a:pPr>
+              <a:defRPr/>
+            </a:pPr>
+            <a:r>
+              <a:rPr lang="ru-RU" dirty="0"/>
+              <a:t>2</a:t>
+            </a:r>
+          </a:p>
+        </p:txBody>
+      </p:sp>
+      <p:sp>
+        <p:nvSpPr>
+          <p:cNvPr id="4" name="TextBox 3">
+            <a:extLst>
+              <a:ext uri="{FF2B5EF4-FFF2-40B4-BE49-F238E27FC236}">
+                <a16:creationId xmlns:a16="http://schemas.microsoft.com/office/drawing/2014/main" id="{01A1A82E-7D9E-4F57-878E-C899EAE9BE04}"/>
+              </a:ext>
+            </a:extLst>
+          </p:cNvPr>
+          <p:cNvSpPr txBox="1"/>
+          <p:nvPr/>
+        </p:nvSpPr>
+        <p:spPr>
+          <a:xfrm>
+            <a:off x="959165" y="1626202"/>
+            <a:ext cx="10756624" cy="923330"/>
+          </a:xfrm>
+          <a:prstGeom prst="rect">
+            <a:avLst/>
+          </a:prstGeom>
+          <a:noFill/>
+        </p:spPr>
+        <p:txBody>
+          <a:bodyPr wrap="square">
+            <a:spAutoFit/>
+          </a:bodyPr>
+          <a:lstStyle/>
+          <a:p>
+            <a:pPr algn="just"/>
+            <a:r>
+              <a:rPr lang="ru-RU" sz="1800" b="1" dirty="0">
+                <a:cs typeface="Times New Roman" panose="02020603050405020304" pitchFamily="18" charset="0"/>
+              </a:rPr>
+              <a:t>Целью</a:t>
+            </a:r>
+            <a:r>
+              <a:rPr lang="ru-RU" sz="1800" dirty="0">
+                <a:cs typeface="Times New Roman" panose="02020603050405020304" pitchFamily="18" charset="0"/>
+              </a:rPr>
+              <a:t> исследования является решение задачи многокритериальной оптимизации параметров системы передачи энергии лазерным лучом в инфракрасном диапазоне для повышения  коэффициента полезного действия (КПД)</a:t>
+            </a:r>
+          </a:p>
+        </p:txBody>
+      </p:sp>
+      <p:sp>
+        <p:nvSpPr>
+          <p:cNvPr id="5" name="TextBox 4">
+            <a:extLst>
+              <a:ext uri="{FF2B5EF4-FFF2-40B4-BE49-F238E27FC236}">
+                <a16:creationId xmlns:a16="http://schemas.microsoft.com/office/drawing/2014/main" id="{52DB5EDE-E9FF-4A0A-A77B-790966363049}"/>
+              </a:ext>
+            </a:extLst>
+          </p:cNvPr>
+          <p:cNvSpPr txBox="1"/>
+          <p:nvPr/>
+        </p:nvSpPr>
+        <p:spPr>
+          <a:xfrm>
+            <a:off x="959165" y="2611447"/>
+            <a:ext cx="2610586" cy="400110"/>
+          </a:xfrm>
+          <a:prstGeom prst="rect">
+            <a:avLst/>
+          </a:prstGeom>
+          <a:noFill/>
+        </p:spPr>
+        <p:txBody>
+          <a:bodyPr wrap="none" rtlCol="0">
+            <a:spAutoFit/>
+          </a:bodyPr>
+          <a:lstStyle/>
+          <a:p>
+            <a:r>
+              <a:rPr lang="ru-RU" sz="2000" b="1" dirty="0">
+                <a:cs typeface="Times New Roman" panose="02020603050405020304" pitchFamily="18" charset="0"/>
+              </a:rPr>
+              <a:t>Задачи</a:t>
+            </a:r>
+            <a:r>
+              <a:rPr lang="ru-RU" sz="2000" dirty="0">
+                <a:cs typeface="Times New Roman" panose="02020603050405020304" pitchFamily="18" charset="0"/>
+              </a:rPr>
+              <a:t> исследования:</a:t>
+            </a:r>
+          </a:p>
+        </p:txBody>
+      </p:sp>
+      <p:sp>
+        <p:nvSpPr>
+          <p:cNvPr id="6" name="TextBox 5">
+            <a:extLst>
+              <a:ext uri="{FF2B5EF4-FFF2-40B4-BE49-F238E27FC236}">
+                <a16:creationId xmlns:a16="http://schemas.microsoft.com/office/drawing/2014/main" id="{F00B1DC0-48F3-44B0-89E0-27865551F663}"/>
+              </a:ext>
+            </a:extLst>
+          </p:cNvPr>
+          <p:cNvSpPr txBox="1"/>
+          <p:nvPr/>
+        </p:nvSpPr>
+        <p:spPr>
+          <a:xfrm>
+            <a:off x="1353268" y="3069674"/>
+            <a:ext cx="13903036" cy="646331"/>
+          </a:xfrm>
+          <a:prstGeom prst="rect">
+            <a:avLst/>
+          </a:prstGeom>
+          <a:noFill/>
+        </p:spPr>
+        <p:txBody>
+          <a:bodyPr wrap="square">
+            <a:spAutoFit/>
+          </a:bodyPr>
+          <a:lstStyle/>
+          <a:p>
+            <a:r>
+              <a:rPr lang="en-US" dirty="0">
+                <a:cs typeface="Times New Roman" panose="02020603050405020304" pitchFamily="18" charset="0"/>
+              </a:rPr>
+              <a:t>1) </a:t>
+            </a:r>
+            <a:r>
+              <a:rPr lang="ru-RU" dirty="0">
+                <a:cs typeface="Times New Roman" panose="02020603050405020304" pitchFamily="18" charset="0"/>
+              </a:rPr>
+              <a:t>Проанализировать современные методы и принципы передачи энергии лазерным лучом</a:t>
+            </a:r>
+            <a:r>
+              <a:rPr lang="en-US" dirty="0">
+                <a:cs typeface="Times New Roman" panose="02020603050405020304" pitchFamily="18" charset="0"/>
+              </a:rPr>
+              <a:t> </a:t>
+            </a:r>
+          </a:p>
+          <a:p>
+            <a:r>
+              <a:rPr lang="en-US" dirty="0">
+                <a:cs typeface="Times New Roman" panose="02020603050405020304" pitchFamily="18" charset="0"/>
+              </a:rPr>
+              <a:t>    </a:t>
+            </a:r>
+            <a:r>
+              <a:rPr lang="ru-RU" dirty="0">
+                <a:cs typeface="Times New Roman" panose="02020603050405020304" pitchFamily="18" charset="0"/>
+              </a:rPr>
+              <a:t>с учетом влияния атмосферных эффектов</a:t>
+            </a:r>
+            <a:endParaRPr lang="en-US" dirty="0">
+              <a:cs typeface="Times New Roman" panose="02020603050405020304" pitchFamily="18" charset="0"/>
+            </a:endParaRPr>
+          </a:p>
+        </p:txBody>
+      </p:sp>
+      <p:sp>
+        <p:nvSpPr>
+          <p:cNvPr id="7" name="TextBox 6">
+            <a:extLst>
+              <a:ext uri="{FF2B5EF4-FFF2-40B4-BE49-F238E27FC236}">
+                <a16:creationId xmlns:a16="http://schemas.microsoft.com/office/drawing/2014/main" id="{9AB31E3F-DA11-485D-BADB-4248AC8F0FF8}"/>
+              </a:ext>
+            </a:extLst>
+          </p:cNvPr>
+          <p:cNvSpPr txBox="1"/>
+          <p:nvPr/>
+        </p:nvSpPr>
+        <p:spPr>
+          <a:xfrm>
+            <a:off x="1353268" y="3682261"/>
+            <a:ext cx="13903036" cy="369332"/>
+          </a:xfrm>
+          <a:prstGeom prst="rect">
+            <a:avLst/>
+          </a:prstGeom>
+          <a:noFill/>
+        </p:spPr>
+        <p:txBody>
+          <a:bodyPr wrap="square">
+            <a:spAutoFit/>
+          </a:bodyPr>
+          <a:lstStyle/>
+          <a:p>
+            <a:r>
+              <a:rPr lang="en-US" dirty="0">
+                <a:cs typeface="Times New Roman" panose="02020603050405020304" pitchFamily="18" charset="0"/>
+              </a:rPr>
+              <a:t>2) </a:t>
+            </a:r>
+            <a:r>
+              <a:rPr lang="ru-RU" dirty="0">
+                <a:cs typeface="Times New Roman" panose="02020603050405020304" pitchFamily="18" charset="0"/>
+              </a:rPr>
+              <a:t>Провести анализ рынка систем лазерной передачи энергии</a:t>
+            </a:r>
+            <a:endParaRPr lang="en-US" dirty="0">
+              <a:cs typeface="Times New Roman" panose="02020603050405020304" pitchFamily="18" charset="0"/>
+            </a:endParaRPr>
+          </a:p>
+        </p:txBody>
+      </p:sp>
+      <p:sp>
+        <p:nvSpPr>
+          <p:cNvPr id="8" name="TextBox 7">
+            <a:extLst>
+              <a:ext uri="{FF2B5EF4-FFF2-40B4-BE49-F238E27FC236}">
+                <a16:creationId xmlns:a16="http://schemas.microsoft.com/office/drawing/2014/main" id="{4016FAD3-2BA8-4A4F-A1E3-DB4B0CB85C97}"/>
+              </a:ext>
+            </a:extLst>
+          </p:cNvPr>
+          <p:cNvSpPr txBox="1"/>
+          <p:nvPr/>
+        </p:nvSpPr>
+        <p:spPr>
+          <a:xfrm>
+            <a:off x="1353268" y="4108797"/>
+            <a:ext cx="13903036" cy="369332"/>
+          </a:xfrm>
+          <a:prstGeom prst="rect">
+            <a:avLst/>
+          </a:prstGeom>
+          <a:noFill/>
+        </p:spPr>
+        <p:txBody>
+          <a:bodyPr wrap="square">
+            <a:spAutoFit/>
+          </a:bodyPr>
+          <a:lstStyle/>
+          <a:p>
+            <a:r>
+              <a:rPr lang="en-US" dirty="0">
+                <a:cs typeface="Times New Roman" panose="02020603050405020304" pitchFamily="18" charset="0"/>
+              </a:rPr>
+              <a:t>3) </a:t>
+            </a:r>
+            <a:r>
+              <a:rPr lang="ru-RU" dirty="0">
+                <a:cs typeface="Times New Roman" panose="02020603050405020304" pitchFamily="18" charset="0"/>
+              </a:rPr>
+              <a:t>Исследовать влияние внутренних параметров системы и внешних факторов</a:t>
+            </a:r>
+            <a:r>
+              <a:rPr lang="en-US" dirty="0">
+                <a:cs typeface="Times New Roman" panose="02020603050405020304" pitchFamily="18" charset="0"/>
+              </a:rPr>
+              <a:t> </a:t>
+            </a:r>
+            <a:r>
+              <a:rPr lang="ru-RU" dirty="0">
+                <a:cs typeface="Times New Roman" panose="02020603050405020304" pitchFamily="18" charset="0"/>
+              </a:rPr>
+              <a:t>на КПД и потери энергии</a:t>
+            </a:r>
+          </a:p>
+        </p:txBody>
+      </p:sp>
+      <p:sp>
+        <p:nvSpPr>
+          <p:cNvPr id="9" name="TextBox 8">
+            <a:extLst>
+              <a:ext uri="{FF2B5EF4-FFF2-40B4-BE49-F238E27FC236}">
+                <a16:creationId xmlns:a16="http://schemas.microsoft.com/office/drawing/2014/main" id="{3E03718A-EF8C-4BFE-B779-59B9692E5108}"/>
+              </a:ext>
+            </a:extLst>
+          </p:cNvPr>
+          <p:cNvSpPr txBox="1"/>
+          <p:nvPr/>
+        </p:nvSpPr>
+        <p:spPr>
+          <a:xfrm>
+            <a:off x="1353268" y="4515457"/>
+            <a:ext cx="13903036" cy="646331"/>
+          </a:xfrm>
+          <a:prstGeom prst="rect">
+            <a:avLst/>
+          </a:prstGeom>
+          <a:noFill/>
+        </p:spPr>
+        <p:txBody>
+          <a:bodyPr wrap="square">
+            <a:spAutoFit/>
+          </a:bodyPr>
+          <a:lstStyle/>
+          <a:p>
+            <a:r>
+              <a:rPr lang="ru-RU" dirty="0">
+                <a:cs typeface="Times New Roman" panose="02020603050405020304" pitchFamily="18" charset="0"/>
+              </a:rPr>
+              <a:t>4) Решить задачу многокритериальной оптимизации, включающую целевые функции </a:t>
+            </a:r>
+          </a:p>
+          <a:p>
+            <a:r>
+              <a:rPr lang="ru-RU" dirty="0">
+                <a:cs typeface="Times New Roman" panose="02020603050405020304" pitchFamily="18" charset="0"/>
+              </a:rPr>
+              <a:t>     для максимизации КПД и минимизации потерь</a:t>
+            </a:r>
+          </a:p>
+        </p:txBody>
+      </p:sp>
+      <p:sp>
+        <p:nvSpPr>
+          <p:cNvPr id="10" name="TextBox 9">
+            <a:extLst>
+              <a:ext uri="{FF2B5EF4-FFF2-40B4-BE49-F238E27FC236}">
+                <a16:creationId xmlns:a16="http://schemas.microsoft.com/office/drawing/2014/main" id="{308B1549-645D-4220-AFC3-0444A83EBC36}"/>
+              </a:ext>
+            </a:extLst>
+          </p:cNvPr>
+          <p:cNvSpPr txBox="1"/>
+          <p:nvPr/>
+        </p:nvSpPr>
+        <p:spPr>
+          <a:xfrm>
+            <a:off x="1353268" y="5111210"/>
+            <a:ext cx="13903036" cy="646331"/>
+          </a:xfrm>
+          <a:prstGeom prst="rect">
+            <a:avLst/>
+          </a:prstGeom>
+          <a:noFill/>
+        </p:spPr>
+        <p:txBody>
+          <a:bodyPr wrap="square">
+            <a:spAutoFit/>
+          </a:bodyPr>
+          <a:lstStyle/>
+          <a:p>
+            <a:r>
+              <a:rPr lang="ru-RU" dirty="0">
+                <a:cs typeface="Times New Roman" panose="02020603050405020304" pitchFamily="18" charset="0"/>
+              </a:rPr>
+              <a:t>5) Провести численное моделирование для получения набора Парето-оптимальных решений, </a:t>
+            </a:r>
+          </a:p>
+          <a:p>
+            <a:r>
+              <a:rPr lang="ru-RU" dirty="0">
+                <a:cs typeface="Times New Roman" panose="02020603050405020304" pitchFamily="18" charset="0"/>
+              </a:rPr>
+              <a:t>     определяющих компромисс между максимизацией КПД и минимизацией потерь</a:t>
+            </a:r>
+          </a:p>
+        </p:txBody>
+      </p:sp>
+    </p:spTree>
+    <p:extLst>
+      <p:ext uri="{BB962C8B-B14F-4D97-AF65-F5344CB8AC3E}">
+        <p14:creationId xmlns:p14="http://schemas.microsoft.com/office/powerpoint/2010/main" val="4137105769"/>
+      </p:ext>
+    </p:extLst>
+  </p:cSld>
+  <p:clrMapOvr>
+    <a:masterClrMapping/>
+  </p:clrMapOvr>
+</p:sld>
+</file>
+
+<file path=ppt/slides/slide20.xml><?xml version="1.0" encoding="utf-8"?>
 <p:sld xmlns:a="http://schemas.openxmlformats.org/drawingml/2006/main" xmlns:r="http://schemas.openxmlformats.org/officeDocument/2006/relationships" xmlns:p="http://schemas.openxmlformats.org/presentationml/2006/main">
   <p:cSld>
     <p:spTree>
@@ -16607,7 +16546,7 @@
             </a:pPr>
             <a:r>
               <a:rPr lang="ru-RU" dirty="0"/>
-              <a:t>21</a:t>
+              <a:t>20</a:t>
             </a:r>
           </a:p>
         </p:txBody>
@@ -16655,7 +16594,7 @@
 </p:sld>
 </file>
 
-<file path=ppt/slides/slide22.xml><?xml version="1.0" encoding="utf-8"?>
+<file path=ppt/slides/slide21.xml><?xml version="1.0" encoding="utf-8"?>
 <p:sld xmlns:a="http://schemas.openxmlformats.org/drawingml/2006/main" xmlns:r="http://schemas.openxmlformats.org/officeDocument/2006/relationships" xmlns:p="http://schemas.openxmlformats.org/presentationml/2006/main">
   <p:cSld>
     <p:spTree>
@@ -16726,7 +16665,7 @@
             </a:pPr>
             <a:r>
               <a:rPr lang="ru-RU" dirty="0"/>
-              <a:t>22</a:t>
+              <a:t>21</a:t>
             </a:r>
           </a:p>
         </p:txBody>
@@ -18356,7 +18295,7 @@
 </p:sld>
 </file>
 
-<file path=ppt/slides/slide23.xml><?xml version="1.0" encoding="utf-8"?>
+<file path=ppt/slides/slide22.xml><?xml version="1.0" encoding="utf-8"?>
 <p:sld xmlns:a="http://schemas.openxmlformats.org/drawingml/2006/main" xmlns:r="http://schemas.openxmlformats.org/officeDocument/2006/relationships" xmlns:p="http://schemas.openxmlformats.org/presentationml/2006/main">
   <p:cSld>
     <p:spTree>
@@ -18427,7 +18366,7 @@
             </a:pPr>
             <a:r>
               <a:rPr lang="ru-RU" dirty="0"/>
-              <a:t>23</a:t>
+              <a:t>22</a:t>
             </a:r>
           </a:p>
         </p:txBody>
@@ -18505,7 +18444,7 @@
 </p:sld>
 </file>
 
-<file path=ppt/slides/slide24.xml><?xml version="1.0" encoding="utf-8"?>
+<file path=ppt/slides/slide23.xml><?xml version="1.0" encoding="utf-8"?>
 <p:sld xmlns:a="http://schemas.openxmlformats.org/drawingml/2006/main" xmlns:r="http://schemas.openxmlformats.org/officeDocument/2006/relationships" xmlns:p="http://schemas.openxmlformats.org/presentationml/2006/main">
   <p:cSld>
     <p:spTree>
@@ -18576,7 +18515,7 @@
             </a:pPr>
             <a:r>
               <a:rPr lang="ru-RU" dirty="0"/>
-              <a:t>24</a:t>
+              <a:t>23</a:t>
             </a:r>
           </a:p>
         </p:txBody>
@@ -18654,7 +18593,7 @@
 </p:sld>
 </file>
 
-<file path=ppt/slides/slide25.xml><?xml version="1.0" encoding="utf-8"?>
+<file path=ppt/slides/slide24.xml><?xml version="1.0" encoding="utf-8"?>
 <p:sld xmlns:a="http://schemas.openxmlformats.org/drawingml/2006/main" xmlns:r="http://schemas.openxmlformats.org/officeDocument/2006/relationships" xmlns:p="http://schemas.openxmlformats.org/presentationml/2006/main">
   <p:cSld>
     <p:spTree>
@@ -18729,7 +18668,7 @@
             </a:r>
             <a:r>
               <a:rPr lang="ru-RU" dirty="0"/>
-              <a:t>5</a:t>
+              <a:t>4</a:t>
             </a:r>
           </a:p>
         </p:txBody>
@@ -18749,7 +18688,7 @@
         <p:spPr>
           <a:xfrm>
             <a:off x="1826313" y="1176783"/>
-            <a:ext cx="8242025" cy="5229573"/>
+            <a:ext cx="8242025" cy="4901150"/>
           </a:xfrm>
           <a:prstGeom prst="rect">
             <a:avLst/>
@@ -18775,10 +18714,11 @@
                   <a:srgbClr val="000000"/>
                 </a:solidFill>
                 <a:effectLst/>
+                <a:latin typeface="Times New Roman" panose="02020603050405020304" pitchFamily="18" charset="0"/>
                 <a:ea typeface="Calibri" panose="020F0502020204030204" pitchFamily="34" charset="0"/>
-                <a:cs typeface="Calibri" panose="020F0502020204030204" pitchFamily="34" charset="0"/>
+                <a:cs typeface="Times New Roman" panose="02020603050405020304" pitchFamily="18" charset="0"/>
               </a:rPr>
-              <a:t>Для обеспечения наиболее эффективной передачи энергии с помощью инфракрасного лазера необходимо чтобы лазерный луч был длиной волны 1.3 мкм.</a:t>
+              <a:t>Для обеспечения наиболее эффективной передачи энергии с помощью ИК-лазера необходимо использовать излучение с длиной волны 1.3 мкм.</a:t>
             </a:r>
           </a:p>
           <a:p>
@@ -18795,8 +18735,9 @@
                   <a:srgbClr val="000000"/>
                 </a:solidFill>
                 <a:effectLst/>
+                <a:latin typeface="Times New Roman" panose="02020603050405020304" pitchFamily="18" charset="0"/>
                 <a:ea typeface="Calibri" panose="020F0502020204030204" pitchFamily="34" charset="0"/>
-                <a:cs typeface="Calibri" panose="020F0502020204030204" pitchFamily="34" charset="0"/>
+                <a:cs typeface="Times New Roman" panose="02020603050405020304" pitchFamily="18" charset="0"/>
               </a:rPr>
               <a:t>Во избежание значительных просадок переданного напряжения на борту БПЛА необходимо покрыть квадратными матрицами фотоприемников каждую свободную поверхность вдоль борта БПЛА.</a:t>
             </a:r>
@@ -18815,10 +18756,34 @@
                   <a:srgbClr val="000000"/>
                 </a:solidFill>
                 <a:effectLst/>
+                <a:latin typeface="Times New Roman" panose="02020603050405020304" pitchFamily="18" charset="0"/>
                 <a:ea typeface="Calibri" panose="020F0502020204030204" pitchFamily="34" charset="0"/>
-                <a:cs typeface="Calibri" panose="020F0502020204030204" pitchFamily="34" charset="0"/>
+                <a:cs typeface="Times New Roman" panose="02020603050405020304" pitchFamily="18" charset="0"/>
               </a:rPr>
-              <a:t>При выполнении беспилотником тактических задач необходимо обеспечить максимальный угол отклонения аппарата по каждой из осей не более 20 градусов.</a:t>
+              <a:t>При выполнении беспилотником тактических задач необходимо обеспечить максимальный угол отклонения аппарата </a:t>
+            </a:r>
+            <a:r>
+              <a:rPr lang="ru-RU" sz="1400" dirty="0">
+                <a:solidFill>
+                  <a:srgbClr val="000000"/>
+                </a:solidFill>
+                <a:latin typeface="Times New Roman" panose="02020603050405020304" pitchFamily="18" charset="0"/>
+                <a:ea typeface="Calibri" panose="020F0502020204030204" pitchFamily="34" charset="0"/>
+                <a:cs typeface="Times New Roman" panose="02020603050405020304" pitchFamily="18" charset="0"/>
+              </a:rPr>
+              <a:t>в плоскости тангажа, крена и курса </a:t>
+            </a:r>
+            <a:r>
+              <a:rPr lang="ru-RU" sz="1400" dirty="0">
+                <a:solidFill>
+                  <a:srgbClr val="000000"/>
+                </a:solidFill>
+                <a:effectLst/>
+                <a:latin typeface="Times New Roman" panose="02020603050405020304" pitchFamily="18" charset="0"/>
+                <a:ea typeface="Calibri" panose="020F0502020204030204" pitchFamily="34" charset="0"/>
+                <a:cs typeface="Times New Roman" panose="02020603050405020304" pitchFamily="18" charset="0"/>
+              </a:rPr>
+              <a:t>не более 20 градусов.</a:t>
             </a:r>
           </a:p>
           <a:p>
@@ -18835,8 +18800,9 @@
                   <a:srgbClr val="000000"/>
                 </a:solidFill>
                 <a:effectLst/>
+                <a:latin typeface="Times New Roman" panose="02020603050405020304" pitchFamily="18" charset="0"/>
                 <a:ea typeface="Calibri" panose="020F0502020204030204" pitchFamily="34" charset="0"/>
-                <a:cs typeface="Calibri" panose="020F0502020204030204" pitchFamily="34" charset="0"/>
+                <a:cs typeface="Times New Roman" panose="02020603050405020304" pitchFamily="18" charset="0"/>
               </a:rPr>
               <a:t>Для повышения эффективности преобразования падающего излучения в электрический ток необходимо использовать фотодиоды (например, </a:t>
             </a:r>
@@ -18846,8 +18812,9 @@
                   <a:srgbClr val="000000"/>
                 </a:solidFill>
                 <a:effectLst/>
+                <a:latin typeface="Times New Roman" panose="02020603050405020304" pitchFamily="18" charset="0"/>
                 <a:ea typeface="Calibri" panose="020F0502020204030204" pitchFamily="34" charset="0"/>
-                <a:cs typeface="Calibri" panose="020F0502020204030204" pitchFamily="34" charset="0"/>
+                <a:cs typeface="Times New Roman" panose="02020603050405020304" pitchFamily="18" charset="0"/>
               </a:rPr>
               <a:t>InGaAs</a:t>
             </a:r>
@@ -18857,8 +18824,9 @@
                   <a:srgbClr val="000000"/>
                 </a:solidFill>
                 <a:effectLst/>
+                <a:latin typeface="Times New Roman" panose="02020603050405020304" pitchFamily="18" charset="0"/>
                 <a:ea typeface="Calibri" panose="020F0502020204030204" pitchFamily="34" charset="0"/>
-                <a:cs typeface="Calibri" panose="020F0502020204030204" pitchFamily="34" charset="0"/>
+                <a:cs typeface="Times New Roman" panose="02020603050405020304" pitchFamily="18" charset="0"/>
               </a:rPr>
               <a:t>) с максимальным квантовым выходом в выбранном диапазоне длин волн и с минимальным собственным шумом, что особенно критично при слабых сигналах на большой дальности.</a:t>
             </a:r>
@@ -18877,8 +18845,9 @@
                   <a:srgbClr val="000000"/>
                 </a:solidFill>
                 <a:effectLst/>
+                <a:latin typeface="Times New Roman" panose="02020603050405020304" pitchFamily="18" charset="0"/>
                 <a:ea typeface="Calibri" panose="020F0502020204030204" pitchFamily="34" charset="0"/>
-                <a:cs typeface="Calibri" panose="020F0502020204030204" pitchFamily="34" charset="0"/>
+                <a:cs typeface="Times New Roman" panose="02020603050405020304" pitchFamily="18" charset="0"/>
               </a:rPr>
               <a:t>Все окна, линзы и поверхности фотоприемников должны быть оснащены просветляющими </a:t>
             </a:r>
@@ -18888,8 +18857,9 @@
                   <a:srgbClr val="000000"/>
                 </a:solidFill>
                 <a:effectLst/>
+                <a:latin typeface="Times New Roman" panose="02020603050405020304" pitchFamily="18" charset="0"/>
                 <a:ea typeface="Calibri" panose="020F0502020204030204" pitchFamily="34" charset="0"/>
-                <a:cs typeface="Calibri" panose="020F0502020204030204" pitchFamily="34" charset="0"/>
+                <a:cs typeface="Times New Roman" panose="02020603050405020304" pitchFamily="18" charset="0"/>
               </a:rPr>
               <a:t>антирефлексными</a:t>
             </a:r>
@@ -18899,8 +18869,9 @@
                   <a:srgbClr val="000000"/>
                 </a:solidFill>
                 <a:effectLst/>
+                <a:latin typeface="Times New Roman" panose="02020603050405020304" pitchFamily="18" charset="0"/>
                 <a:ea typeface="Calibri" panose="020F0502020204030204" pitchFamily="34" charset="0"/>
-                <a:cs typeface="Calibri" panose="020F0502020204030204" pitchFamily="34" charset="0"/>
+                <a:cs typeface="Times New Roman" panose="02020603050405020304" pitchFamily="18" charset="0"/>
               </a:rPr>
               <a:t> покрытиями, оптимизированными под длину волны лазера, чтобы минимизировать отражательные потери и обеспечить максимальное пропускание света к активной области приёмника. Также рекомендуется использовать оптические фильтры для эффективного отсечения фонового излучения и повышения отношения сигнал/шум.</a:t>
             </a:r>
@@ -18920,7 +18891,7 @@
 </p:sld>
 </file>
 
-<file path=ppt/slides/slide26.xml><?xml version="1.0" encoding="utf-8"?>
+<file path=ppt/slides/slide25.xml><?xml version="1.0" encoding="utf-8"?>
 <p:sld xmlns:a="http://schemas.openxmlformats.org/drawingml/2006/main" xmlns:r="http://schemas.openxmlformats.org/officeDocument/2006/relationships" xmlns:p="http://schemas.openxmlformats.org/presentationml/2006/main">
   <p:cSld>
     <p:spTree>
